--- a/Group2_ML_Project_Presentation.pptx
+++ b/Group2_ML_Project_Presentation.pptx
@@ -9,13 +9,12 @@
     <p:sldId id="257" r:id="rId3"/>
     <p:sldId id="264" r:id="rId4"/>
     <p:sldId id="263" r:id="rId5"/>
-    <p:sldId id="267" r:id="rId6"/>
-    <p:sldId id="259" r:id="rId7"/>
-    <p:sldId id="265" r:id="rId8"/>
-    <p:sldId id="260" r:id="rId9"/>
-    <p:sldId id="261" r:id="rId10"/>
-    <p:sldId id="266" r:id="rId11"/>
-    <p:sldId id="262" r:id="rId12"/>
+    <p:sldId id="259" r:id="rId6"/>
+    <p:sldId id="265" r:id="rId7"/>
+    <p:sldId id="260" r:id="rId8"/>
+    <p:sldId id="267" r:id="rId9"/>
+    <p:sldId id="266" r:id="rId10"/>
+    <p:sldId id="262" r:id="rId11"/>
   </p:sldIdLst>
   <p:sldSz cx="12192000" cy="6858000"/>
   <p:notesSz cx="6858000" cy="9144000"/>
@@ -123,11 +122,10 @@
             <p14:sldId id="257"/>
             <p14:sldId id="264"/>
             <p14:sldId id="263"/>
-            <p14:sldId id="267"/>
             <p14:sldId id="259"/>
             <p14:sldId id="265"/>
             <p14:sldId id="260"/>
-            <p14:sldId id="261"/>
+            <p14:sldId id="267"/>
             <p14:sldId id="266"/>
             <p14:sldId id="262"/>
           </p14:sldIdLst>
@@ -139,6 +137,102 @@
     </p:ext>
   </p:extLst>
 </p:presentation>
+</file>
+
+<file path=ppt/ink/ink1.xml><?xml version="1.0" encoding="utf-8"?>
+<inkml:ink xmlns:inkml="http://www.w3.org/2003/InkML">
+  <inkml:definitions>
+    <inkml:context xml:id="ctx0">
+      <inkml:inkSource xml:id="inkSrc0">
+        <inkml:traceFormat>
+          <inkml:channel name="X" type="integer" min="-2.14748E9" max="2.14748E9" units="cm"/>
+          <inkml:channel name="Y" type="integer" min="-2.14748E9" max="2.14748E9" units="cm"/>
+          <inkml:channel name="F" type="integer" max="32767" units="dev"/>
+          <inkml:channel name="OA" type="integer" max="360" units="deg"/>
+          <inkml:channel name="OE" type="integer" max="90" units="deg"/>
+        </inkml:traceFormat>
+        <inkml:channelProperties>
+          <inkml:channelProperty channel="X" name="resolution" value="1000" units="1/cm"/>
+          <inkml:channelProperty channel="Y" name="resolution" value="1000" units="1/cm"/>
+          <inkml:channelProperty channel="F" name="resolution" value="0" units="1/dev"/>
+          <inkml:channelProperty channel="OA" name="resolution" value="1000" units="1/deg"/>
+          <inkml:channelProperty channel="OE" name="resolution" value="1000" units="1/deg"/>
+        </inkml:channelProperties>
+      </inkml:inkSource>
+      <inkml:timestamp xml:id="ts0" timeString="2021-04-18T14:49:31.977"/>
+    </inkml:context>
+    <inkml:brush xml:id="br0">
+      <inkml:brushProperty name="width" value="0.025" units="cm"/>
+      <inkml:brushProperty name="height" value="0.025" units="cm"/>
+      <inkml:brushProperty name="color" value="#E71224"/>
+    </inkml:brush>
+  </inkml:definitions>
+  <inkml:trace contextRef="#ctx0" brushRef="#br0">2348 524 12528 0 0,'5'-5'602'0'0,"5"-9"-467"0"0,-3 7 2 0 0,-2-1 0 0 0,11-15 0 0 0,-15 21-125 0 0,0 0 0 0 0,0 0 1 0 0,0-1-1 0 0,-1 1 0 0 0,1 0 0 0 0,0 0 0 0 0,-1 0 1 0 0,0-1-1 0 0,1 1 0 0 0,-1 0 0 0 0,0-1 0 0 0,0 1 1 0 0,0 0-1 0 0,0-1 0 0 0,-1 1 0 0 0,1 0 0 0 0,-2-4 1 0 0,0 2-13 0 0,0-1 0 0 0,0 1 0 0 0,0-1 0 0 0,-1 1 0 0 0,0 0 0 0 0,0-1 0 0 0,0 2 0 0 0,0-1 0 0 0,-1 0 0 0 0,0 1 0 0 0,1-1 0 0 0,-1 1 0 0 0,-9-5 0 0 0,-5-3 0 0 0,-19-12 32 0 0,-72-31 0 0 0,20 17 13 0 0,-54-21 51 0 0,97 42-71 0 0,-56-12 1 0 0,19 11 80 0 0,-132-9 0 0 0,159 24-41 0 0,0 2 0 0 0,0 2 0 0 0,-75 14 0 0 0,28 5 79 0 0,-140 49 0 0 0,183-48-112 0 0,1 2 1 0 0,1 3 0 0 0,1 3 0 0 0,1 2 0 0 0,2 3-1 0 0,2 2 1 0 0,1 2 0 0 0,2 2 0 0 0,-74 80 0 0 0,91-81-64 0 0,1 0 1 0 0,3 2-1 0 0,1 1 1 0 0,-22 47 0 0 0,36-63 25 0 0,2 1 0 0 0,1-1 0 0 0,1 2 0 0 0,1-1 0 0 0,2 1 0 0 0,0 0 0 0 0,2 0 0 0 0,2 1 0 0 0,0-1 0 0 0,2 1 0 0 0,1 0 0 0 0,6 30 1 0 0,-2-30-31 0 0,1 0 1 0 0,2 0-1 0 0,1-1 0 0 0,1 0 1 0 0,1-1-1 0 0,2 0 1 0 0,1-1-1 0 0,25 38 1 0 0,-19-39 4 0 0,0-1 0 0 0,1 0 0 0 0,2-2 0 0 0,0 0 0 0 0,1-2 0 0 0,2 0 0 0 0,0-2 0 0 0,1-1 0 0 0,0-1 1 0 0,55 24-1 0 0,-21-17 14 0 0,1-3 0 0 0,1-3 0 0 0,127 21 0 0 0,-148-35 16 0 0,74-3 0 0 0,42-13 0 0 0,-48-3 113 0 0,-2-5 1 0 0,-1-5-1 0 0,0-4 1 0 0,153-65 0 0 0,-76 5 231 0 0,-5-13-61 0 0,-79 43-161 0 0,-23 16-50 0 0,191-115 142 0 0,-219 125-215 0 0,50-44 0 0 0,36-44 0 0 0,-104 92 0 0 0,39-37-44 0 0,106-128 0 0 0,-150 162 24 0 0,-2-2 1 0 0,-2-1-1 0 0,-1-1 1 0 0,-2-1-1 0 0,-1 0 1 0 0,20-64 0 0 0,-34 86 22 0 0,0 0 0 0 0,-1-1 0 0 0,-1 1 1 0 0,0-1-1 0 0,-1 1 0 0 0,-1-1 0 0 0,-1 0 1 0 0,0 1-1 0 0,-6-28 0 0 0,4 31-9 0 0,0 0-1 0 0,-1 0 0 0 0,-1 0 1 0 0,0 1-1 0 0,-1-1 1 0 0,0 1-1 0 0,0 1 0 0 0,-1-1 1 0 0,-1 1-1 0 0,0 0 0 0 0,0 1 1 0 0,-15-13-1 0 0,10 10-195 0 0,-2 2-1 0 0,1 0 1 0 0,-1 0-1 0 0,-1 1 1 0 0,-20-8 0 0 0,11 8-1618 0 0,-32-10 1 0 0,-24 0-2826 0 0</inkml:trace>
+</inkml:ink>
+</file>
+
+<file path=ppt/ink/ink2.xml><?xml version="1.0" encoding="utf-8"?>
+<inkml:ink xmlns:inkml="http://www.w3.org/2003/InkML">
+  <inkml:definitions>
+    <inkml:context xml:id="ctx0">
+      <inkml:inkSource xml:id="inkSrc0">
+        <inkml:traceFormat>
+          <inkml:channel name="X" type="integer" min="-2.14748E9" max="2.14748E9" units="cm"/>
+          <inkml:channel name="Y" type="integer" min="-2.14748E9" max="2.14748E9" units="cm"/>
+          <inkml:channel name="F" type="integer" max="32767" units="dev"/>
+          <inkml:channel name="OA" type="integer" max="360" units="deg"/>
+          <inkml:channel name="OE" type="integer" max="90" units="deg"/>
+        </inkml:traceFormat>
+        <inkml:channelProperties>
+          <inkml:channelProperty channel="X" name="resolution" value="1000" units="1/cm"/>
+          <inkml:channelProperty channel="Y" name="resolution" value="1000" units="1/cm"/>
+          <inkml:channelProperty channel="F" name="resolution" value="0" units="1/dev"/>
+          <inkml:channelProperty channel="OA" name="resolution" value="1000" units="1/deg"/>
+          <inkml:channelProperty channel="OE" name="resolution" value="1000" units="1/deg"/>
+        </inkml:channelProperties>
+      </inkml:inkSource>
+      <inkml:timestamp xml:id="ts0" timeString="2021-04-18T14:49:32.501"/>
+    </inkml:context>
+    <inkml:brush xml:id="br0">
+      <inkml:brushProperty name="width" value="0.025" units="cm"/>
+      <inkml:brushProperty name="height" value="0.025" units="cm"/>
+      <inkml:brushProperty name="color" value="#E71224"/>
+    </inkml:brush>
+  </inkml:definitions>
+  <inkml:trace contextRef="#ctx0" brushRef="#br0">3 3730 12752 0 0,'-1'-5'60'0'0,"0"0"0"0"0,1 0 0 0 0,-1 0 0 0 0,1 0 1 0 0,1 1-1 0 0,-1-1 0 0 0,1 0 0 0 0,-1 0 0 0 0,3-5 1 0 0,2-6 290 0 0,9-20 1 0 0,-5 15-257 0 0,14-33-41 0 0,46-77 0 0 0,43-46 143 0 0,-55 89-125 0 0,154-255 182 0 0,60-92 27 0 0,-165 273-301 0 0,391-583-287 0 0,-251 381-608 0 0,-29 18-463 0 0,-14-49-869 0 0,-196 381 2151 0 0,91-216-1151 0 0,-96 223 1217 0 0,40-104-610 0 0</inkml:trace>
+</inkml:ink>
+</file>
+
+<file path=ppt/ink/ink3.xml><?xml version="1.0" encoding="utf-8"?>
+<inkml:ink xmlns:inkml="http://www.w3.org/2003/InkML">
+  <inkml:definitions>
+    <inkml:context xml:id="ctx0">
+      <inkml:inkSource xml:id="inkSrc0">
+        <inkml:traceFormat>
+          <inkml:channel name="X" type="integer" min="-2.14748E9" max="2.14748E9" units="cm"/>
+          <inkml:channel name="Y" type="integer" min="-2.14748E9" max="2.14748E9" units="cm"/>
+          <inkml:channel name="F" type="integer" max="32767" units="dev"/>
+          <inkml:channel name="OA" type="integer" max="360" units="deg"/>
+          <inkml:channel name="OE" type="integer" max="90" units="deg"/>
+        </inkml:traceFormat>
+        <inkml:channelProperties>
+          <inkml:channelProperty channel="X" name="resolution" value="1000" units="1/cm"/>
+          <inkml:channelProperty channel="Y" name="resolution" value="1000" units="1/cm"/>
+          <inkml:channelProperty channel="F" name="resolution" value="0" units="1/dev"/>
+          <inkml:channelProperty channel="OA" name="resolution" value="1000" units="1/deg"/>
+          <inkml:channelProperty channel="OE" name="resolution" value="1000" units="1/deg"/>
+        </inkml:channelProperties>
+      </inkml:inkSource>
+      <inkml:timestamp xml:id="ts0" timeString="2021-04-18T14:49:32.842"/>
+    </inkml:context>
+    <inkml:brush xml:id="br0">
+      <inkml:brushProperty name="width" value="0.025" units="cm"/>
+      <inkml:brushProperty name="height" value="0.025" units="cm"/>
+      <inkml:brushProperty name="color" value="#E71224"/>
+    </inkml:brush>
+  </inkml:definitions>
+  <inkml:trace contextRef="#ctx0" brushRef="#br0">142 1 10864 0 0,'-27'11'173'0'0,"-23"11"213"0"0,44-19-358 0 0,1 0 1 0 0,-1 1 0 0 0,1 0-1 0 0,0 0 1 0 0,0 0 0 0 0,-5 6 0 0 0,8-8-6 0 0,0 0 0 0 0,0 1 0 0 0,0-1-1 0 0,0 0 1 0 0,0 1 0 0 0,1 0 0 0 0,-1-1 0 0 0,1 1 0 0 0,0 0 0 0 0,0 0 0 0 0,0 0 0 0 0,0-1 0 0 0,0 1 0 0 0,1 0 0 0 0,-1 0 0 0 0,1 0 0 0 0,0 0 0 0 0,0 0 0 0 0,0 0 0 0 0,0 1 0 0 0,0-1 0 0 0,2 3 0 0 0,3 7 95 0 0,0 0 1 0 0,2-1 0 0 0,-1 0 0 0 0,1-1 0 0 0,1 1-1 0 0,13 14 1 0 0,0 2 74 0 0,118 134 515 0 0,-84-101-536 0 0,171 213 94 0 0,86 137-327 0 0,-121-163-168 0 0,260 306-2173 0 0,-334-429 1120 0 0,4-5 0 0 0,162 122 0 0 0,-187-169 828 0 0,4-5 1 0 0,136 71 0 0 0,-136-89-1120 0 0,-5-7-518 0 0</inkml:trace>
+</inkml:ink>
 </file>
 
 <file path=ppt/slideLayouts/slideLayout1.xml><?xml version="1.0" encoding="utf-8"?>
@@ -304,7 +398,7 @@
           <a:p>
             <a:fld id="{403CB87E-4591-47A1-9046-CF63F17215EF}" type="datetime2">
               <a:rPr lang="en-US" smtClean="0"/>
-              <a:t>Saturday, April 17, 2021</a:t>
+              <a:t>Sunday, April 18, 2021</a:t>
             </a:fld>
             <a:endParaRPr lang="en-US" dirty="0"/>
           </a:p>
@@ -526,7 +620,7 @@
           <a:p>
             <a:fld id="{2FA17F0E-8070-4DFE-A821-9A699EDBAD7E}" type="datetime2">
               <a:rPr lang="en-US" smtClean="0"/>
-              <a:t>Saturday, April 17, 2021</a:t>
+              <a:t>Sunday, April 18, 2021</a:t>
             </a:fld>
             <a:endParaRPr lang="en-US"/>
           </a:p>
@@ -738,7 +832,7 @@
           <a:p>
             <a:fld id="{D88D34AE-C7BF-46E5-A968-01C6641F6476}" type="datetime2">
               <a:rPr lang="en-US" smtClean="0"/>
-              <a:t>Saturday, April 17, 2021</a:t>
+              <a:t>Sunday, April 18, 2021</a:t>
             </a:fld>
             <a:endParaRPr lang="en-US"/>
           </a:p>
@@ -979,7 +1073,7 @@
           <a:p>
             <a:fld id="{F33DE70B-B772-416E-A790-995760B1742E}" type="datetime2">
               <a:rPr lang="en-US" smtClean="0"/>
-              <a:t>Saturday, April 17, 2021</a:t>
+              <a:t>Sunday, April 18, 2021</a:t>
             </a:fld>
             <a:endParaRPr lang="en-US" dirty="0"/>
           </a:p>
@@ -1278,7 +1372,7 @@
           <a:p>
             <a:fld id="{76760CDE-A6F1-4138-AF12-ED09E8E5FB6B}" type="datetime2">
               <a:rPr lang="en-US" smtClean="0"/>
-              <a:t>Saturday, April 17, 2021</a:t>
+              <a:t>Sunday, April 18, 2021</a:t>
             </a:fld>
             <a:endParaRPr lang="en-US"/>
           </a:p>
@@ -1610,7 +1704,7 @@
           <a:p>
             <a:fld id="{DB15F8B1-DB7B-4D28-A97D-40FB2DD1EF78}" type="datetime2">
               <a:rPr lang="en-US" smtClean="0"/>
-              <a:t>Saturday, April 17, 2021</a:t>
+              <a:t>Sunday, April 18, 2021</a:t>
             </a:fld>
             <a:endParaRPr lang="en-US"/>
           </a:p>
@@ -2056,7 +2150,7 @@
           <a:p>
             <a:fld id="{14039161-23B8-4738-9069-73EBE8884FDD}" type="datetime2">
               <a:rPr lang="en-US" smtClean="0"/>
-              <a:t>Saturday, April 17, 2021</a:t>
+              <a:t>Sunday, April 18, 2021</a:t>
             </a:fld>
             <a:endParaRPr lang="en-US"/>
           </a:p>
@@ -2212,7 +2306,7 @@
           <a:p>
             <a:fld id="{FA994D44-7693-499F-AC6C-11696134FE3F}" type="datetime2">
               <a:rPr lang="en-US" smtClean="0"/>
-              <a:t>Saturday, April 17, 2021</a:t>
+              <a:t>Sunday, April 18, 2021</a:t>
             </a:fld>
             <a:endParaRPr lang="en-US"/>
           </a:p>
@@ -2329,7 +2423,7 @@
           <a:p>
             <a:fld id="{363AF2AE-472C-4EF3-ABB2-24BAA9AE3CF7}" type="datetime2">
               <a:rPr lang="en-US" smtClean="0"/>
-              <a:t>Saturday, April 17, 2021</a:t>
+              <a:t>Sunday, April 18, 2021</a:t>
             </a:fld>
             <a:endParaRPr lang="en-US"/>
           </a:p>
@@ -2656,7 +2750,7 @@
           <a:p>
             <a:fld id="{EAEA162C-A7C1-4263-9453-1BAFF8C39559}" type="datetime2">
               <a:rPr lang="en-US" smtClean="0"/>
-              <a:t>Saturday, April 17, 2021</a:t>
+              <a:t>Sunday, April 18, 2021</a:t>
             </a:fld>
             <a:endParaRPr lang="en-US"/>
           </a:p>
@@ -2962,7 +3056,7 @@
           <a:p>
             <a:fld id="{64DF6793-3458-4587-8168-65F0C37A92D2}" type="datetime2">
               <a:rPr lang="en-US" smtClean="0"/>
-              <a:t>Saturday, April 17, 2021</a:t>
+              <a:t>Sunday, April 18, 2021</a:t>
             </a:fld>
             <a:endParaRPr lang="en-US"/>
           </a:p>
@@ -3315,7 +3409,7 @@
             <a:fld id="{E8352ED3-3C46-4C9A-9738-67B2D875E7E2}" type="datetime2">
               <a:rPr lang="en-US" smtClean="0"/>
               <a:pPr/>
-              <a:t>Saturday, April 17, 2021</a:t>
+              <a:t>Sunday, April 18, 2021</a:t>
             </a:fld>
             <a:endParaRPr lang="en-US" dirty="0"/>
           </a:p>
@@ -4162,20 +4256,40 @@
           <a:p>
             <a:pPr algn="l"/>
             <a:r>
-              <a:rPr lang="en-GB" sz="4800" b="1" dirty="0"/>
+              <a:rPr lang="en-GB" sz="4800" b="1" dirty="0">
+                <a:solidFill>
+                  <a:schemeClr val="tx1"/>
+                </a:solidFill>
+              </a:rPr>
               <a:t>Machine Learning in Finance</a:t>
             </a:r>
             <a:br>
-              <a:rPr lang="en-GB" sz="4800" dirty="0"/>
+              <a:rPr lang="en-GB" sz="4800" dirty="0">
+                <a:solidFill>
+                  <a:schemeClr val="tx1"/>
+                </a:solidFill>
+              </a:rPr>
             </a:br>
             <a:r>
-              <a:rPr lang="en-GB" sz="2700" dirty="0"/>
+              <a:rPr lang="en-GB" sz="2700" dirty="0">
+                <a:solidFill>
+                  <a:schemeClr val="tx1"/>
+                </a:solidFill>
+              </a:rPr>
               <a:t>Group Project - Spring Semester 2021</a:t>
             </a:r>
             <a:br>
-              <a:rPr lang="en-GB" sz="4800" dirty="0"/>
+              <a:rPr lang="en-GB" sz="4800" dirty="0">
+                <a:solidFill>
+                  <a:schemeClr val="tx1"/>
+                </a:solidFill>
+              </a:rPr>
             </a:br>
-            <a:endParaRPr lang="en-GB" sz="4800" dirty="0"/>
+            <a:endParaRPr lang="en-GB" sz="4800" dirty="0">
+              <a:solidFill>
+                <a:schemeClr val="tx1"/>
+              </a:solidFill>
+            </a:endParaRPr>
           </a:p>
         </p:txBody>
       </p:sp>
@@ -4438,56 +4552,28 @@
           <a:lstStyle/>
           <a:p>
             <a:r>
-              <a:rPr lang="en-GB" sz="1800" dirty="0">
-                <a:solidFill>
-                  <a:schemeClr val="tx2"/>
-                </a:solidFill>
-              </a:rPr>
+              <a:rPr lang="en-GB" sz="1800" dirty="0"/>
               <a:t>Aaron Hauser</a:t>
             </a:r>
             <a:br>
-              <a:rPr lang="en-GB" sz="1800" dirty="0">
-                <a:solidFill>
-                  <a:schemeClr val="tx2"/>
-                </a:solidFill>
-              </a:rPr>
+              <a:rPr lang="en-GB" sz="1800" dirty="0"/>
             </a:br>
             <a:r>
-              <a:rPr lang="en-GB" sz="1800" dirty="0">
-                <a:solidFill>
-                  <a:schemeClr val="tx2"/>
-                </a:solidFill>
-              </a:rPr>
+              <a:rPr lang="en-GB" sz="1800" dirty="0"/>
               <a:t>Lorena Tassone</a:t>
             </a:r>
             <a:br>
-              <a:rPr lang="en-GB" sz="1800" dirty="0">
-                <a:solidFill>
-                  <a:schemeClr val="tx2"/>
-                </a:solidFill>
-              </a:rPr>
+              <a:rPr lang="en-GB" sz="1800" dirty="0"/>
             </a:br>
             <a:r>
-              <a:rPr lang="en-GB" sz="1800" dirty="0">
-                <a:solidFill>
-                  <a:schemeClr val="tx2"/>
-                </a:solidFill>
-              </a:rPr>
+              <a:rPr lang="en-GB" sz="1800" dirty="0"/>
               <a:t>Lukas Dekker</a:t>
             </a:r>
             <a:br>
-              <a:rPr lang="en-GB" sz="1800" dirty="0">
-                <a:solidFill>
-                  <a:schemeClr val="tx2"/>
-                </a:solidFill>
-              </a:rPr>
+              <a:rPr lang="en-GB" sz="1800" dirty="0"/>
             </a:br>
             <a:r>
-              <a:rPr lang="en-GB" sz="1800" dirty="0">
-                <a:solidFill>
-                  <a:schemeClr val="tx2"/>
-                </a:solidFill>
-              </a:rPr>
+              <a:rPr lang="en-GB" sz="1800" dirty="0"/>
               <a:t>Nick Vogel</a:t>
             </a:r>
           </a:p>
@@ -4528,7 +4614,7 @@
           <p:cNvPr id="2" name="Titel 1">
             <a:extLst>
               <a:ext uri="{FF2B5EF4-FFF2-40B4-BE49-F238E27FC236}">
-                <a16:creationId xmlns:a16="http://schemas.microsoft.com/office/drawing/2014/main" id="{18BA4CC3-E7BA-4592-90C7-FED2557AFCF1}"/>
+                <a16:creationId xmlns:a16="http://schemas.microsoft.com/office/drawing/2014/main" id="{4077FE3E-0564-4585-93B7-E2BB017B7F57}"/>
               </a:ext>
             </a:extLst>
           </p:cNvPr>
@@ -4539,116 +4625,22 @@
             <p:ph type="title"/>
           </p:nvPr>
         </p:nvSpPr>
-        <p:spPr/>
+        <p:spPr>
+          <a:xfrm>
+            <a:off x="1562389" y="735655"/>
+            <a:ext cx="10543032" cy="1325563"/>
+          </a:xfrm>
+        </p:spPr>
         <p:txBody>
           <a:bodyPr/>
           <a:lstStyle/>
           <a:p>
             <a:r>
-              <a:rPr lang="en-GB" dirty="0"/>
-              <a:t>Further Actions</a:t>
-            </a:r>
-          </a:p>
-        </p:txBody>
-      </p:sp>
-      <p:sp>
-        <p:nvSpPr>
-          <p:cNvPr id="3" name="Inhaltsplatzhalter 2">
-            <a:extLst>
-              <a:ext uri="{FF2B5EF4-FFF2-40B4-BE49-F238E27FC236}">
-                <a16:creationId xmlns:a16="http://schemas.microsoft.com/office/drawing/2014/main" id="{5CC1DEF8-D3C0-457D-AC2D-5125B1DC11F1}"/>
-              </a:ext>
-            </a:extLst>
-          </p:cNvPr>
-          <p:cNvSpPr>
-            <a:spLocks noGrp="1"/>
-          </p:cNvSpPr>
-          <p:nvPr>
-            <p:ph idx="1"/>
-          </p:nvPr>
-        </p:nvSpPr>
-        <p:spPr>
-          <a:xfrm>
-            <a:off x="1572275" y="1538948"/>
-            <a:ext cx="10543031" cy="4206383"/>
-          </a:xfrm>
-        </p:spPr>
-        <p:txBody>
-          <a:bodyPr/>
-          <a:lstStyle/>
-          <a:p>
-            <a:r>
-              <a:rPr lang="en-GB" dirty="0"/>
-              <a:t>Apply more Imputing Methods</a:t>
-            </a:r>
-          </a:p>
-          <a:p>
-            <a:r>
-              <a:rPr lang="en-GB" dirty="0"/>
-              <a:t>Causality-based feature selection</a:t>
-            </a:r>
-          </a:p>
-          <a:p>
-            <a:r>
-              <a:rPr lang="en-GB" dirty="0"/>
-              <a:t>Hyperparameter tuning including all values at once</a:t>
-            </a:r>
-          </a:p>
-        </p:txBody>
-      </p:sp>
-    </p:spTree>
-    <p:extLst>
-      <p:ext uri="{BB962C8B-B14F-4D97-AF65-F5344CB8AC3E}">
-        <p14:creationId xmlns:p14="http://schemas.microsoft.com/office/powerpoint/2010/main" val="2435305934"/>
-      </p:ext>
-    </p:extLst>
-  </p:cSld>
-  <p:clrMapOvr>
-    <a:masterClrMapping/>
-  </p:clrMapOvr>
-</p:sld>
-</file>
-
-<file path=ppt/slides/slide11.xml><?xml version="1.0" encoding="utf-8"?>
-<p:sld xmlns:a="http://schemas.openxmlformats.org/drawingml/2006/main" xmlns:r="http://schemas.openxmlformats.org/officeDocument/2006/relationships" xmlns:p="http://schemas.openxmlformats.org/presentationml/2006/main">
-  <p:cSld>
-    <p:spTree>
-      <p:nvGrpSpPr>
-        <p:cNvPr id="1" name=""/>
-        <p:cNvGrpSpPr/>
-        <p:nvPr/>
-      </p:nvGrpSpPr>
-      <p:grpSpPr>
-        <a:xfrm>
-          <a:off x="0" y="0"/>
-          <a:ext cx="0" cy="0"/>
-          <a:chOff x="0" y="0"/>
-          <a:chExt cx="0" cy="0"/>
-        </a:xfrm>
-      </p:grpSpPr>
-      <p:sp>
-        <p:nvSpPr>
-          <p:cNvPr id="2" name="Titel 1">
-            <a:extLst>
-              <a:ext uri="{FF2B5EF4-FFF2-40B4-BE49-F238E27FC236}">
-                <a16:creationId xmlns:a16="http://schemas.microsoft.com/office/drawing/2014/main" id="{4077FE3E-0564-4585-93B7-E2BB017B7F57}"/>
-              </a:ext>
-            </a:extLst>
-          </p:cNvPr>
-          <p:cNvSpPr>
-            <a:spLocks noGrp="1"/>
-          </p:cNvSpPr>
-          <p:nvPr>
-            <p:ph type="title"/>
-          </p:nvPr>
-        </p:nvSpPr>
-        <p:spPr/>
-        <p:txBody>
-          <a:bodyPr/>
-          <a:lstStyle/>
-          <a:p>
-            <a:r>
-              <a:rPr lang="en-GB" dirty="0"/>
+              <a:rPr lang="en-GB" dirty="0">
+                <a:solidFill>
+                  <a:schemeClr val="tx1"/>
+                </a:solidFill>
+              </a:rPr>
               <a:t>Time for Q&amp;A</a:t>
             </a:r>
           </a:p>
@@ -4706,7 +4698,11 @@
           <a:lstStyle/>
           <a:p>
             <a:r>
-              <a:rPr lang="en-GB" b="1" dirty="0"/>
+              <a:rPr lang="en-GB" dirty="0">
+                <a:solidFill>
+                  <a:schemeClr val="tx1"/>
+                </a:solidFill>
+              </a:rPr>
               <a:t>Data Cleaning</a:t>
             </a:r>
           </a:p>
@@ -4735,60 +4731,102 @@
           </a:xfrm>
         </p:spPr>
         <p:txBody>
-          <a:bodyPr/>
+          <a:bodyPr>
+            <a:normAutofit/>
+          </a:bodyPr>
           <a:lstStyle/>
           <a:p>
             <a:r>
-              <a:rPr lang="en-GB" dirty="0"/>
+              <a:rPr lang="en-GB" sz="2000" dirty="0">
+                <a:solidFill>
+                  <a:schemeClr val="tx1"/>
+                </a:solidFill>
+              </a:rPr>
               <a:t>Missing Values</a:t>
             </a:r>
           </a:p>
           <a:p>
             <a:pPr lvl="1"/>
             <a:r>
-              <a:rPr lang="en-GB" dirty="0"/>
+              <a:rPr lang="en-GB" sz="2000" dirty="0">
+                <a:solidFill>
+                  <a:schemeClr val="tx1"/>
+                </a:solidFill>
+              </a:rPr>
               <a:t>KNN Imputer / Iterative Imputing / </a:t>
             </a:r>
             <a:r>
-              <a:rPr lang="en-GB" dirty="0" err="1"/>
+              <a:rPr lang="en-GB" sz="2000" dirty="0" err="1">
+                <a:solidFill>
+                  <a:schemeClr val="tx1"/>
+                </a:solidFill>
+              </a:rPr>
               <a:t>MissForest</a:t>
             </a:r>
             <a:r>
-              <a:rPr lang="en-GB" dirty="0"/>
+              <a:rPr lang="en-GB" sz="2000" dirty="0">
+                <a:solidFill>
+                  <a:schemeClr val="tx1"/>
+                </a:solidFill>
+              </a:rPr>
               <a:t> Imputing / Eliminate high-NA Rows</a:t>
             </a:r>
           </a:p>
           <a:p>
             <a:r>
-              <a:rPr lang="en-GB" dirty="0"/>
+              <a:rPr lang="en-GB" sz="2000" dirty="0">
+                <a:solidFill>
+                  <a:schemeClr val="tx1"/>
+                </a:solidFill>
+              </a:rPr>
               <a:t>Zero Values</a:t>
             </a:r>
           </a:p>
           <a:p>
             <a:pPr lvl="1"/>
             <a:r>
-              <a:rPr lang="en-GB" dirty="0"/>
+              <a:rPr lang="en-GB" sz="2000" dirty="0">
+                <a:solidFill>
+                  <a:schemeClr val="tx1"/>
+                </a:solidFill>
+              </a:rPr>
               <a:t>Analysing Columns with high Zero Value count</a:t>
             </a:r>
           </a:p>
           <a:p>
             <a:r>
-              <a:rPr lang="en-GB" dirty="0"/>
+              <a:rPr lang="en-GB" sz="2000" dirty="0">
+                <a:solidFill>
+                  <a:schemeClr val="tx1"/>
+                </a:solidFill>
+              </a:rPr>
               <a:t>Outliers</a:t>
             </a:r>
           </a:p>
           <a:p>
             <a:pPr lvl="1"/>
             <a:r>
-              <a:rPr lang="en-GB" dirty="0"/>
+              <a:rPr lang="en-GB" sz="2000" dirty="0">
+                <a:solidFill>
+                  <a:schemeClr val="tx1"/>
+                </a:solidFill>
+              </a:rPr>
               <a:t>IQR Method / </a:t>
             </a:r>
             <a:r>
-              <a:rPr lang="en-GB" dirty="0" err="1"/>
+              <a:rPr lang="en-GB" sz="2000" dirty="0" err="1">
+                <a:solidFill>
+                  <a:schemeClr val="tx1"/>
+                </a:solidFill>
+              </a:rPr>
               <a:t>Winsorization</a:t>
             </a:r>
             <a:r>
-              <a:rPr lang="en-GB" dirty="0"/>
+              <a:rPr lang="en-GB" sz="2000" dirty="0">
+                <a:solidFill>
+                  <a:schemeClr val="tx1"/>
+                </a:solidFill>
+              </a:rPr>
               <a:t> Method</a:t>
             </a:r>
           </a:p>
@@ -4796,7 +4834,11 @@
             <a:pPr marL="457200" lvl="1" indent="0">
               <a:buNone/>
             </a:pPr>
-            <a:endParaRPr lang="en-GB" dirty="0"/>
+            <a:endParaRPr lang="en-GB" sz="2000" dirty="0">
+              <a:solidFill>
+                <a:schemeClr val="tx1"/>
+              </a:solidFill>
+            </a:endParaRPr>
           </a:p>
         </p:txBody>
       </p:sp>
@@ -4852,8 +4894,28 @@
           <a:lstStyle/>
           <a:p>
             <a:r>
-              <a:rPr lang="en-GB" dirty="0"/>
-              <a:t>Feature Engineering</a:t>
+              <a:rPr lang="en-GB" dirty="0">
+                <a:solidFill>
+                  <a:schemeClr val="tx1"/>
+                </a:solidFill>
+              </a:rPr>
+              <a:t>Feature Engineering (</a:t>
+            </a:r>
+            <a:r>
+              <a:rPr lang="en-GB" dirty="0" err="1">
+                <a:solidFill>
+                  <a:schemeClr val="tx1"/>
+                </a:solidFill>
+              </a:rPr>
+              <a:t>tbd</a:t>
+            </a:r>
+            <a:r>
+              <a:rPr lang="en-GB" dirty="0">
+                <a:solidFill>
+                  <a:schemeClr val="tx1"/>
+                </a:solidFill>
+              </a:rPr>
+              <a:t>)</a:t>
             </a:r>
           </a:p>
         </p:txBody>
@@ -4877,53 +4939,133 @@
         <p:spPr>
           <a:xfrm>
             <a:off x="1547561" y="1489253"/>
-            <a:ext cx="10543031" cy="4206383"/>
+            <a:ext cx="10543031" cy="4545787"/>
           </a:xfrm>
         </p:spPr>
         <p:txBody>
-          <a:bodyPr/>
+          <a:bodyPr>
+            <a:normAutofit/>
+          </a:bodyPr>
           <a:lstStyle/>
           <a:p>
             <a:r>
-              <a:rPr lang="en-GB" dirty="0"/>
-              <a:t>Addition of new features</a:t>
-            </a:r>
+              <a:rPr lang="en-GB" sz="2000" dirty="0">
+                <a:solidFill>
+                  <a:schemeClr val="tx1"/>
+                </a:solidFill>
+              </a:rPr>
+              <a:t>Dummy variables for ‘Sector’ and ‘Market Cap’: </a:t>
+            </a:r>
+          </a:p>
+          <a:p>
+            <a:pPr marL="0" indent="0">
+              <a:buNone/>
+            </a:pPr>
+            <a:endParaRPr lang="en-GB" sz="2000" dirty="0">
+              <a:solidFill>
+                <a:schemeClr val="tx1"/>
+              </a:solidFill>
+            </a:endParaRPr>
+          </a:p>
+          <a:p>
+            <a:r>
+              <a:rPr lang="en-GB" sz="2000" dirty="0">
+                <a:solidFill>
+                  <a:schemeClr val="tx1"/>
+                </a:solidFill>
+                <a:highlight>
+                  <a:srgbClr val="FFFF00"/>
+                </a:highlight>
+              </a:rPr>
+              <a:t>Addition of new features:</a:t>
+            </a:r>
+          </a:p>
+          <a:p>
+            <a:pPr lvl="1"/>
+            <a:r>
+              <a:rPr lang="en-GB" sz="1800" dirty="0">
+                <a:solidFill>
+                  <a:schemeClr val="tx1"/>
+                </a:solidFill>
+                <a:highlight>
+                  <a:srgbClr val="FFFF00"/>
+                </a:highlight>
+              </a:rPr>
+              <a:t>Momentum Factor</a:t>
+            </a:r>
+          </a:p>
+          <a:p>
+            <a:pPr lvl="1"/>
+            <a:r>
+              <a:rPr lang="en-GB" sz="1800" dirty="0">
+                <a:solidFill>
+                  <a:schemeClr val="tx1"/>
+                </a:solidFill>
+                <a:highlight>
+                  <a:srgbClr val="FFFF00"/>
+                </a:highlight>
+              </a:rPr>
+              <a:t>Macroeconomic Factor / Inflation Interaction Term</a:t>
+            </a:r>
+          </a:p>
+          <a:p>
+            <a:pPr lvl="1"/>
+            <a:endParaRPr lang="en-GB" sz="1800" dirty="0">
+              <a:solidFill>
+                <a:schemeClr val="tx1"/>
+              </a:solidFill>
+            </a:endParaRPr>
+          </a:p>
+          <a:p>
+            <a:r>
+              <a:rPr lang="en-GB" sz="2000" dirty="0">
+                <a:solidFill>
+                  <a:schemeClr val="tx1"/>
+                </a:solidFill>
+              </a:rPr>
+              <a:t>Elimination of  Constant Features: </a:t>
+            </a:r>
+          </a:p>
+          <a:p>
+            <a:endParaRPr lang="en-GB" sz="2000" dirty="0">
+              <a:solidFill>
+                <a:schemeClr val="tx1"/>
+              </a:solidFill>
+            </a:endParaRPr>
           </a:p>
           <a:p>
             <a:pPr marL="0" indent="0">
               <a:buNone/>
             </a:pPr>
             <a:br>
-              <a:rPr lang="en-GB" dirty="0"/>
+              <a:rPr lang="en-GB" sz="2000" dirty="0">
+                <a:solidFill>
+                  <a:schemeClr val="tx1"/>
+                </a:solidFill>
+              </a:rPr>
             </a:br>
-            <a:endParaRPr lang="en-GB" dirty="0"/>
-          </a:p>
-          <a:p>
-            <a:r>
-              <a:rPr lang="en-GB" dirty="0"/>
-              <a:t>Eliminate Constant Features: </a:t>
-            </a:r>
-          </a:p>
-          <a:p>
-            <a:endParaRPr lang="en-GB" dirty="0"/>
-          </a:p>
-          <a:p>
-            <a:pPr marL="0" indent="0">
-              <a:buNone/>
-            </a:pPr>
-            <a:br>
-              <a:rPr lang="en-GB" dirty="0"/>
-            </a:br>
-            <a:endParaRPr lang="en-GB" dirty="0"/>
-          </a:p>
-          <a:p>
-            <a:r>
-              <a:rPr lang="en-GB" dirty="0"/>
-              <a:t>Eliminate Highly Correlated Features:</a:t>
-            </a:r>
-          </a:p>
-          <a:p>
-            <a:endParaRPr lang="en-GB" dirty="0"/>
+            <a:endParaRPr lang="en-GB" sz="2000" dirty="0">
+              <a:solidFill>
+                <a:schemeClr val="tx1"/>
+              </a:solidFill>
+            </a:endParaRPr>
+          </a:p>
+          <a:p>
+            <a:r>
+              <a:rPr lang="en-GB" sz="2000" dirty="0">
+                <a:solidFill>
+                  <a:schemeClr val="tx1"/>
+                </a:solidFill>
+              </a:rPr>
+              <a:t>Elimination of Highly Correlated Features:</a:t>
+            </a:r>
+          </a:p>
+          <a:p>
+            <a:endParaRPr lang="en-GB" dirty="0">
+              <a:solidFill>
+                <a:schemeClr val="tx1"/>
+              </a:solidFill>
+            </a:endParaRPr>
           </a:p>
         </p:txBody>
       </p:sp>
@@ -4949,8 +5091,8 @@
         </p:blipFill>
         <p:spPr>
           <a:xfrm>
-            <a:off x="5870412" y="2903136"/>
-            <a:ext cx="3510090" cy="1653877"/>
+            <a:off x="5797166" y="3824618"/>
+            <a:ext cx="3125306" cy="1472575"/>
           </a:xfrm>
           <a:prstGeom prst="rect">
             <a:avLst/>
@@ -4978,8 +5120,38 @@
         </p:blipFill>
         <p:spPr>
           <a:xfrm>
-            <a:off x="5870412" y="5128440"/>
-            <a:ext cx="6029325" cy="291333"/>
+            <a:off x="6725499" y="5486685"/>
+            <a:ext cx="5313289" cy="256735"/>
+          </a:xfrm>
+          <a:prstGeom prst="rect">
+            <a:avLst/>
+          </a:prstGeom>
+        </p:spPr>
+      </p:pic>
+      <p:pic>
+        <p:nvPicPr>
+          <p:cNvPr id="7" name="Grafik 6">
+            <a:extLst>
+              <a:ext uri="{FF2B5EF4-FFF2-40B4-BE49-F238E27FC236}">
+                <a16:creationId xmlns:a16="http://schemas.microsoft.com/office/drawing/2014/main" id="{851D6CBA-C305-468A-AE97-9908EE2856E4}"/>
+              </a:ext>
+            </a:extLst>
+          </p:cNvPr>
+          <p:cNvPicPr>
+            <a:picLocks noChangeAspect="1"/>
+          </p:cNvPicPr>
+          <p:nvPr/>
+        </p:nvPicPr>
+        <p:blipFill>
+          <a:blip r:embed="rId4"/>
+          <a:stretch>
+            <a:fillRect/>
+          </a:stretch>
+        </p:blipFill>
+        <p:spPr>
+          <a:xfrm>
+            <a:off x="7260830" y="1572659"/>
+            <a:ext cx="4680740" cy="1048751"/>
           </a:xfrm>
           <a:prstGeom prst="rect">
             <a:avLst/>
@@ -5038,7 +5210,11 @@
           <a:lstStyle/>
           <a:p>
             <a:r>
-              <a:rPr lang="en-GB" dirty="0"/>
+              <a:rPr lang="en-GB" dirty="0">
+                <a:solidFill>
+                  <a:schemeClr val="tx1"/>
+                </a:solidFill>
+              </a:rPr>
               <a:t>Feature Engineering</a:t>
             </a:r>
           </a:p>
@@ -5062,8 +5238,8 @@
         </p:nvSpPr>
         <p:spPr>
           <a:xfrm>
-            <a:off x="1468478" y="1479637"/>
-            <a:ext cx="10543031" cy="4421950"/>
+            <a:off x="1468478" y="1365954"/>
+            <a:ext cx="10543031" cy="5193011"/>
           </a:xfrm>
         </p:spPr>
         <p:txBody>
@@ -5073,18 +5249,120 @@
           <a:lstStyle/>
           <a:p>
             <a:r>
-              <a:rPr lang="en-GB" sz="2000" dirty="0"/>
+              <a:rPr lang="en-GB" sz="2000" dirty="0">
+                <a:solidFill>
+                  <a:schemeClr val="tx1"/>
+                </a:solidFill>
+              </a:rPr>
               <a:t>Feature Selection with Random Forest Classifier:</a:t>
             </a:r>
           </a:p>
           <a:p>
+            <a:endParaRPr lang="en-GB" sz="2000" dirty="0">
+              <a:solidFill>
+                <a:schemeClr val="tx1"/>
+              </a:solidFill>
+            </a:endParaRPr>
+          </a:p>
+          <a:p>
+            <a:endParaRPr lang="en-GB" sz="2000" dirty="0">
+              <a:solidFill>
+                <a:schemeClr val="tx1"/>
+              </a:solidFill>
+            </a:endParaRPr>
+          </a:p>
+          <a:p>
+            <a:endParaRPr lang="en-GB" sz="2000" dirty="0">
+              <a:solidFill>
+                <a:schemeClr val="tx1"/>
+              </a:solidFill>
+            </a:endParaRPr>
+          </a:p>
+          <a:p>
+            <a:endParaRPr lang="en-GB" sz="2000" dirty="0">
+              <a:solidFill>
+                <a:schemeClr val="tx1"/>
+              </a:solidFill>
+            </a:endParaRPr>
+          </a:p>
+          <a:p>
+            <a:endParaRPr lang="en-GB" sz="2000" dirty="0">
+              <a:solidFill>
+                <a:schemeClr val="tx1"/>
+              </a:solidFill>
+            </a:endParaRPr>
+          </a:p>
+          <a:p>
+            <a:endParaRPr lang="en-GB" sz="2000" dirty="0">
+              <a:solidFill>
+                <a:schemeClr val="tx1"/>
+              </a:solidFill>
+            </a:endParaRPr>
+          </a:p>
+          <a:p>
+            <a:endParaRPr lang="en-GB" sz="2000" dirty="0">
+              <a:solidFill>
+                <a:schemeClr val="tx1"/>
+              </a:solidFill>
+            </a:endParaRPr>
+          </a:p>
+          <a:p>
             <a:pPr marL="0" indent="0">
               <a:buNone/>
             </a:pPr>
+            <a:endParaRPr lang="en-GB" sz="2000" dirty="0">
+              <a:solidFill>
+                <a:schemeClr val="tx1"/>
+              </a:solidFill>
+            </a:endParaRPr>
+          </a:p>
+          <a:p>
+            <a:r>
+              <a:rPr lang="en-GB" sz="2000" dirty="0">
+                <a:solidFill>
+                  <a:schemeClr val="tx1"/>
+                </a:solidFill>
+              </a:rPr>
+              <a:t>Dealing with Class Imbalance:</a:t>
+            </a:r>
             <a:br>
-              <a:rPr lang="en-GB" dirty="0"/>
+              <a:rPr lang="en-GB" sz="2000" dirty="0">
+                <a:solidFill>
+                  <a:schemeClr val="tx1"/>
+                </a:solidFill>
+              </a:rPr>
             </a:br>
-            <a:endParaRPr lang="en-GB" dirty="0"/>
+            <a:r>
+              <a:rPr lang="en-GB" sz="2000" dirty="0">
+                <a:solidFill>
+                  <a:schemeClr val="tx1"/>
+                </a:solidFill>
+                <a:sym typeface="Wingdings" panose="05000000000000000000" pitchFamily="2" charset="2"/>
+              </a:rPr>
+              <a:t> up sampling class “hold” 8000x</a:t>
+            </a:r>
+            <a:endParaRPr lang="en-GB" sz="2000" dirty="0">
+              <a:solidFill>
+                <a:schemeClr val="tx1"/>
+              </a:solidFill>
+            </a:endParaRPr>
+          </a:p>
+          <a:p>
+            <a:endParaRPr lang="en-GB" sz="1400" dirty="0">
+              <a:solidFill>
+                <a:schemeClr val="tx1"/>
+              </a:solidFill>
+            </a:endParaRPr>
+          </a:p>
+          <a:p>
+            <a:pPr marL="0" indent="0">
+              <a:buNone/>
+            </a:pPr>
+            <a:endParaRPr lang="en-GB" sz="1800" dirty="0">
+              <a:solidFill>
+                <a:schemeClr val="tx1"/>
+              </a:solidFill>
+            </a:endParaRPr>
           </a:p>
         </p:txBody>
       </p:sp>
@@ -5110,8 +5388,8 @@
         </p:blipFill>
         <p:spPr>
           <a:xfrm>
-            <a:off x="1777315" y="1930237"/>
-            <a:ext cx="9640330" cy="653054"/>
+            <a:off x="1777315" y="1740955"/>
+            <a:ext cx="7445768" cy="504390"/>
           </a:xfrm>
           <a:prstGeom prst="rect">
             <a:avLst/>
@@ -5120,14 +5398,16 @@
       </p:pic>
       <p:pic>
         <p:nvPicPr>
-          <p:cNvPr id="13" name="Grafik 12">
-            <a:extLst>
-              <a:ext uri="{FF2B5EF4-FFF2-40B4-BE49-F238E27FC236}">
-                <a16:creationId xmlns:a16="http://schemas.microsoft.com/office/drawing/2014/main" id="{20BB63BA-EDE6-4767-B68D-9FF8A8329FF2}"/>
-              </a:ext>
-            </a:extLst>
-          </p:cNvPr>
-          <p:cNvPicPr/>
+          <p:cNvPr id="1026" name="Picture 2">
+            <a:extLst>
+              <a:ext uri="{FF2B5EF4-FFF2-40B4-BE49-F238E27FC236}">
+                <a16:creationId xmlns:a16="http://schemas.microsoft.com/office/drawing/2014/main" id="{56484258-3C28-4A5E-B97A-035B113A2FA5}"/>
+              </a:ext>
+            </a:extLst>
+          </p:cNvPr>
+          <p:cNvPicPr>
+            <a:picLocks noChangeAspect="1" noChangeArrowheads="1"/>
+          </p:cNvPicPr>
           <p:nvPr/>
         </p:nvPicPr>
         <p:blipFill>
@@ -5145,127 +5425,30 @@
         </p:blipFill>
         <p:spPr bwMode="auto">
           <a:xfrm>
-            <a:off x="1777315" y="2670810"/>
-            <a:ext cx="5760720" cy="3822065"/>
+            <a:off x="1777314" y="2295611"/>
+            <a:ext cx="4073387" cy="2706403"/>
           </a:xfrm>
           <a:prstGeom prst="rect">
             <a:avLst/>
           </a:prstGeom>
           <a:noFill/>
-          <a:ln>
-            <a:noFill/>
-          </a:ln>
+          <a:extLst>
+            <a:ext uri="{909E8E84-426E-40DD-AFC4-6F175D3DCCD1}">
+              <a14:hiddenFill xmlns:a14="http://schemas.microsoft.com/office/drawing/2010/main">
+                <a:solidFill>
+                  <a:srgbClr val="FFFFFF"/>
+                </a:solidFill>
+              </a14:hiddenFill>
+            </a:ext>
+          </a:extLst>
         </p:spPr>
       </p:pic>
-    </p:spTree>
-    <p:extLst>
-      <p:ext uri="{BB962C8B-B14F-4D97-AF65-F5344CB8AC3E}">
-        <p14:creationId xmlns:p14="http://schemas.microsoft.com/office/powerpoint/2010/main" val="2400801255"/>
-      </p:ext>
-    </p:extLst>
-  </p:cSld>
-  <p:clrMapOvr>
-    <a:masterClrMapping/>
-  </p:clrMapOvr>
-</p:sld>
-</file>
-
-<file path=ppt/slides/slide5.xml><?xml version="1.0" encoding="utf-8"?>
-<p:sld xmlns:a="http://schemas.openxmlformats.org/drawingml/2006/main" xmlns:r="http://schemas.openxmlformats.org/officeDocument/2006/relationships" xmlns:p="http://schemas.openxmlformats.org/presentationml/2006/main">
-  <p:cSld>
-    <p:spTree>
-      <p:nvGrpSpPr>
-        <p:cNvPr id="1" name=""/>
-        <p:cNvGrpSpPr/>
-        <p:nvPr/>
-      </p:nvGrpSpPr>
-      <p:grpSpPr>
-        <a:xfrm>
-          <a:off x="0" y="0"/>
-          <a:ext cx="0" cy="0"/>
-          <a:chOff x="0" y="0"/>
-          <a:chExt cx="0" cy="0"/>
-        </a:xfrm>
-      </p:grpSpPr>
-      <p:sp>
-        <p:nvSpPr>
-          <p:cNvPr id="2" name="Titel 1">
-            <a:extLst>
-              <a:ext uri="{FF2B5EF4-FFF2-40B4-BE49-F238E27FC236}">
-                <a16:creationId xmlns:a16="http://schemas.microsoft.com/office/drawing/2014/main" id="{8B83C582-7289-4534-AC5D-3DA880C335E6}"/>
-              </a:ext>
-            </a:extLst>
-          </p:cNvPr>
-          <p:cNvSpPr>
-            <a:spLocks noGrp="1"/>
-          </p:cNvSpPr>
-          <p:nvPr>
-            <p:ph type="title"/>
-          </p:nvPr>
-        </p:nvSpPr>
-        <p:spPr/>
-        <p:txBody>
-          <a:bodyPr/>
-          <a:lstStyle/>
-          <a:p>
-            <a:r>
-              <a:rPr lang="en-GB" dirty="0"/>
-              <a:t>Feature Engineering</a:t>
-            </a:r>
-          </a:p>
-        </p:txBody>
-      </p:sp>
-      <p:sp>
-        <p:nvSpPr>
-          <p:cNvPr id="3" name="Inhaltsplatzhalter 2">
-            <a:extLst>
-              <a:ext uri="{FF2B5EF4-FFF2-40B4-BE49-F238E27FC236}">
-                <a16:creationId xmlns:a16="http://schemas.microsoft.com/office/drawing/2014/main" id="{7A4B6761-81DA-4FAC-8917-274FE147B674}"/>
-              </a:ext>
-            </a:extLst>
-          </p:cNvPr>
-          <p:cNvSpPr>
-            <a:spLocks noGrp="1"/>
-          </p:cNvSpPr>
-          <p:nvPr>
-            <p:ph idx="1"/>
-          </p:nvPr>
-        </p:nvSpPr>
-        <p:spPr>
-          <a:xfrm>
-            <a:off x="1587102" y="1484579"/>
-            <a:ext cx="10543031" cy="4421950"/>
-          </a:xfrm>
-        </p:spPr>
-        <p:txBody>
-          <a:bodyPr>
-            <a:normAutofit/>
-          </a:bodyPr>
-          <a:lstStyle/>
-          <a:p>
-            <a:r>
-              <a:rPr lang="en-GB" dirty="0"/>
-              <a:t>Dealing with Class Imbalance:</a:t>
-            </a:r>
-            <a:br>
-              <a:rPr lang="en-GB" dirty="0"/>
-            </a:br>
-            <a:r>
-              <a:rPr lang="en-GB" sz="2000" dirty="0">
-                <a:sym typeface="Wingdings" panose="05000000000000000000" pitchFamily="2" charset="2"/>
-              </a:rPr>
-              <a:t> up sampling class “hold” 8000x</a:t>
-            </a:r>
-            <a:endParaRPr lang="en-GB" dirty="0"/>
-          </a:p>
-        </p:txBody>
-      </p:sp>
       <p:grpSp>
         <p:nvGrpSpPr>
-          <p:cNvPr id="4" name="Gruppieren 3">
-            <a:extLst>
-              <a:ext uri="{FF2B5EF4-FFF2-40B4-BE49-F238E27FC236}">
-                <a16:creationId xmlns:a16="http://schemas.microsoft.com/office/drawing/2014/main" id="{753E54B1-1041-478A-9DEF-17969C95B406}"/>
+          <p:cNvPr id="6" name="Gruppieren 5">
+            <a:extLst>
+              <a:ext uri="{FF2B5EF4-FFF2-40B4-BE49-F238E27FC236}">
+                <a16:creationId xmlns:a16="http://schemas.microsoft.com/office/drawing/2014/main" id="{989F10CE-80C6-4E3C-A021-6833A9C6B6D3}"/>
               </a:ext>
             </a:extLst>
           </p:cNvPr>
@@ -5274,18 +5457,18 @@
         </p:nvGrpSpPr>
         <p:grpSpPr>
           <a:xfrm>
-            <a:off x="1962186" y="2239313"/>
-            <a:ext cx="5745134" cy="2379373"/>
+            <a:off x="6159537" y="4957531"/>
+            <a:ext cx="3519565" cy="1171421"/>
             <a:chOff x="1645853" y="3779233"/>
             <a:chExt cx="5745134" cy="2379373"/>
           </a:xfrm>
         </p:grpSpPr>
         <p:pic>
           <p:nvPicPr>
-            <p:cNvPr id="11" name="Grafik 10">
+            <p:cNvPr id="7" name="Grafik 6">
               <a:extLst>
                 <a:ext uri="{FF2B5EF4-FFF2-40B4-BE49-F238E27FC236}">
-                  <a16:creationId xmlns:a16="http://schemas.microsoft.com/office/drawing/2014/main" id="{2457B207-F218-4B83-83FC-3EAD83448217}"/>
+                  <a16:creationId xmlns:a16="http://schemas.microsoft.com/office/drawing/2014/main" id="{360C4CDD-63EC-4A1A-9323-14E78657FCEE}"/>
                 </a:ext>
               </a:extLst>
             </p:cNvPr>
@@ -5293,7 +5476,7 @@
             <p:nvPr/>
           </p:nvPicPr>
           <p:blipFill>
-            <a:blip r:embed="rId2">
+            <a:blip r:embed="rId4">
               <a:extLst>
                 <a:ext uri="{28A0092B-C50C-407E-A947-70E740481C1C}">
                   <a14:useLocalDpi xmlns:a14="http://schemas.microsoft.com/office/drawing/2010/main" val="0"/>
@@ -5321,10 +5504,10 @@
         </p:pic>
         <p:pic>
           <p:nvPicPr>
-            <p:cNvPr id="12" name="Grafik 11">
+            <p:cNvPr id="8" name="Grafik 7">
               <a:extLst>
                 <a:ext uri="{FF2B5EF4-FFF2-40B4-BE49-F238E27FC236}">
-                  <a16:creationId xmlns:a16="http://schemas.microsoft.com/office/drawing/2014/main" id="{4141A3AE-15B5-4EF3-A244-D23654FBC590}"/>
+                  <a16:creationId xmlns:a16="http://schemas.microsoft.com/office/drawing/2014/main" id="{0882FBBE-44A8-4305-ACA4-1F50BE331232}"/>
                 </a:ext>
               </a:extLst>
             </p:cNvPr>
@@ -5332,7 +5515,7 @@
             <p:nvPr/>
           </p:nvPicPr>
           <p:blipFill>
-            <a:blip r:embed="rId3">
+            <a:blip r:embed="rId5">
               <a:extLst>
                 <a:ext uri="{28A0092B-C50C-407E-A947-70E740481C1C}">
                   <a14:useLocalDpi xmlns:a14="http://schemas.microsoft.com/office/drawing/2010/main" val="0"/>
@@ -5359,10 +5542,312 @@
           </p:spPr>
         </p:pic>
       </p:grpSp>
+      <p:sp>
+        <p:nvSpPr>
+          <p:cNvPr id="4" name="Textfeld 3">
+            <a:extLst>
+              <a:ext uri="{FF2B5EF4-FFF2-40B4-BE49-F238E27FC236}">
+                <a16:creationId xmlns:a16="http://schemas.microsoft.com/office/drawing/2014/main" id="{1141AB1D-2040-4686-B540-038DEBC86375}"/>
+              </a:ext>
+            </a:extLst>
+          </p:cNvPr>
+          <p:cNvSpPr txBox="1"/>
+          <p:nvPr/>
+        </p:nvSpPr>
+        <p:spPr>
+          <a:xfrm>
+            <a:off x="9140339" y="3948766"/>
+            <a:ext cx="720354" cy="461665"/>
+          </a:xfrm>
+          <a:prstGeom prst="rect">
+            <a:avLst/>
+          </a:prstGeom>
+          <a:noFill/>
+        </p:spPr>
+        <p:txBody>
+          <a:bodyPr wrap="square" rtlCol="0">
+            <a:spAutoFit/>
+          </a:bodyPr>
+          <a:lstStyle/>
+          <a:p>
+            <a:r>
+              <a:rPr lang="de-CH" sz="1200" dirty="0"/>
+              <a:t>____</a:t>
+            </a:r>
+          </a:p>
+          <a:p>
+            <a:r>
+              <a:rPr lang="de-CH" sz="1200" u="heavy" dirty="0"/>
+              <a:t>67.7%</a:t>
+            </a:r>
+          </a:p>
+        </p:txBody>
+      </p:sp>
+      <p:grpSp>
+        <p:nvGrpSpPr>
+          <p:cNvPr id="13" name="Gruppieren 12">
+            <a:extLst>
+              <a:ext uri="{FF2B5EF4-FFF2-40B4-BE49-F238E27FC236}">
+                <a16:creationId xmlns:a16="http://schemas.microsoft.com/office/drawing/2014/main" id="{A4107481-F4F0-41EA-9B62-69A0AF8D51E5}"/>
+              </a:ext>
+            </a:extLst>
+          </p:cNvPr>
+          <p:cNvGrpSpPr/>
+          <p:nvPr/>
+        </p:nvGrpSpPr>
+        <p:grpSpPr>
+          <a:xfrm>
+            <a:off x="5924626" y="2358210"/>
+            <a:ext cx="3743325" cy="1727356"/>
+            <a:chOff x="5924626" y="2358210"/>
+            <a:chExt cx="3743325" cy="1727356"/>
+          </a:xfrm>
+        </p:grpSpPr>
+        <p:pic>
+          <p:nvPicPr>
+            <p:cNvPr id="9" name="Grafik 8">
+              <a:extLst>
+                <a:ext uri="{FF2B5EF4-FFF2-40B4-BE49-F238E27FC236}">
+                  <a16:creationId xmlns:a16="http://schemas.microsoft.com/office/drawing/2014/main" id="{CA978931-ADCB-4C2B-8CC6-4FEB549DB794}"/>
+                </a:ext>
+              </a:extLst>
+            </p:cNvPr>
+            <p:cNvPicPr/>
+            <p:nvPr/>
+          </p:nvPicPr>
+          <p:blipFill>
+            <a:blip r:embed="rId6"/>
+            <a:stretch>
+              <a:fillRect/>
+            </a:stretch>
+          </p:blipFill>
+          <p:spPr>
+            <a:xfrm>
+              <a:off x="5924626" y="2358210"/>
+              <a:ext cx="3743325" cy="1400175"/>
+            </a:xfrm>
+            <a:prstGeom prst="rect">
+              <a:avLst/>
+            </a:prstGeom>
+          </p:spPr>
+        </p:pic>
+        <p:sp>
+          <p:nvSpPr>
+            <p:cNvPr id="11" name="Textfeld 10">
+              <a:extLst>
+                <a:ext uri="{FF2B5EF4-FFF2-40B4-BE49-F238E27FC236}">
+                  <a16:creationId xmlns:a16="http://schemas.microsoft.com/office/drawing/2014/main" id="{101EB915-2FFC-4367-ACA9-741320736375}"/>
+                </a:ext>
+              </a:extLst>
+            </p:cNvPr>
+            <p:cNvSpPr txBox="1"/>
+            <p:nvPr/>
+          </p:nvSpPr>
+          <p:spPr>
+            <a:xfrm>
+              <a:off x="5990553" y="3676647"/>
+              <a:ext cx="415189" cy="276999"/>
+            </a:xfrm>
+            <a:prstGeom prst="rect">
+              <a:avLst/>
+            </a:prstGeom>
+            <a:noFill/>
+          </p:spPr>
+          <p:txBody>
+            <a:bodyPr wrap="square" rtlCol="0">
+              <a:spAutoFit/>
+            </a:bodyPr>
+            <a:lstStyle/>
+            <a:p>
+              <a:r>
+                <a:rPr lang="de-CH" sz="1200" dirty="0"/>
+                <a:t>…</a:t>
+              </a:r>
+            </a:p>
+          </p:txBody>
+        </p:sp>
+        <p:pic>
+          <p:nvPicPr>
+            <p:cNvPr id="12" name="Grafik 11">
+              <a:extLst>
+                <a:ext uri="{FF2B5EF4-FFF2-40B4-BE49-F238E27FC236}">
+                  <a16:creationId xmlns:a16="http://schemas.microsoft.com/office/drawing/2014/main" id="{940B89E5-A0EA-47D9-AD4E-359C6F27FE12}"/>
+                </a:ext>
+              </a:extLst>
+            </p:cNvPr>
+            <p:cNvPicPr>
+              <a:picLocks noChangeAspect="1"/>
+            </p:cNvPicPr>
+            <p:nvPr/>
+          </p:nvPicPr>
+          <p:blipFill>
+            <a:blip r:embed="rId7"/>
+            <a:stretch>
+              <a:fillRect/>
+            </a:stretch>
+          </p:blipFill>
+          <p:spPr>
+            <a:xfrm>
+              <a:off x="5981951" y="3948766"/>
+              <a:ext cx="3686000" cy="136800"/>
+            </a:xfrm>
+            <a:prstGeom prst="rect">
+              <a:avLst/>
+            </a:prstGeom>
+          </p:spPr>
+        </p:pic>
+      </p:grpSp>
     </p:spTree>
     <p:extLst>
       <p:ext uri="{BB962C8B-B14F-4D97-AF65-F5344CB8AC3E}">
-        <p14:creationId xmlns:p14="http://schemas.microsoft.com/office/powerpoint/2010/main" val="3220439379"/>
+        <p14:creationId xmlns:p14="http://schemas.microsoft.com/office/powerpoint/2010/main" val="2400801255"/>
+      </p:ext>
+    </p:extLst>
+  </p:cSld>
+  <p:clrMapOvr>
+    <a:masterClrMapping/>
+  </p:clrMapOvr>
+</p:sld>
+</file>
+
+<file path=ppt/slides/slide5.xml><?xml version="1.0" encoding="utf-8"?>
+<p:sld xmlns:a="http://schemas.openxmlformats.org/drawingml/2006/main" xmlns:r="http://schemas.openxmlformats.org/officeDocument/2006/relationships" xmlns:p="http://schemas.openxmlformats.org/presentationml/2006/main">
+  <p:cSld>
+    <p:bg>
+      <p:bgPr>
+        <a:solidFill>
+          <a:schemeClr val="bg1"/>
+        </a:solidFill>
+        <a:effectLst/>
+      </p:bgPr>
+    </p:bg>
+    <p:spTree>
+      <p:nvGrpSpPr>
+        <p:cNvPr id="1" name=""/>
+        <p:cNvGrpSpPr/>
+        <p:nvPr/>
+      </p:nvGrpSpPr>
+      <p:grpSpPr>
+        <a:xfrm>
+          <a:off x="0" y="0"/>
+          <a:ext cx="0" cy="0"/>
+          <a:chOff x="0" y="0"/>
+          <a:chExt cx="0" cy="0"/>
+        </a:xfrm>
+      </p:grpSpPr>
+      <p:sp>
+        <p:nvSpPr>
+          <p:cNvPr id="18" name="Titel 1">
+            <a:extLst>
+              <a:ext uri="{FF2B5EF4-FFF2-40B4-BE49-F238E27FC236}">
+                <a16:creationId xmlns:a16="http://schemas.microsoft.com/office/drawing/2014/main" id="{0F1B861B-984C-4C62-83D5-4927D77441DE}"/>
+              </a:ext>
+            </a:extLst>
+          </p:cNvPr>
+          <p:cNvSpPr txBox="1">
+            <a:spLocks/>
+          </p:cNvSpPr>
+          <p:nvPr/>
+        </p:nvSpPr>
+        <p:spPr>
+          <a:xfrm>
+            <a:off x="420624" y="365125"/>
+            <a:ext cx="10543032" cy="1325563"/>
+          </a:xfrm>
+          <a:prstGeom prst="rect">
+            <a:avLst/>
+          </a:prstGeom>
+        </p:spPr>
+        <p:txBody>
+          <a:bodyPr vert="horz" lIns="91440" tIns="45720" rIns="91440" bIns="45720" rtlCol="0" anchor="ctr">
+            <a:normAutofit fontScale="92500"/>
+          </a:bodyPr>
+          <a:lstStyle>
+            <a:lvl1pPr algn="l" defTabSz="914400" rtl="0" eaLnBrk="1" latinLnBrk="0" hangingPunct="1">
+              <a:lnSpc>
+                <a:spcPct val="90000"/>
+              </a:lnSpc>
+              <a:spcBef>
+                <a:spcPct val="0"/>
+              </a:spcBef>
+              <a:buNone/>
+              <a:defRPr sz="5200" kern="1200">
+                <a:solidFill>
+                  <a:schemeClr val="tx2"/>
+                </a:solidFill>
+                <a:latin typeface="+mj-lt"/>
+                <a:ea typeface="+mj-ea"/>
+                <a:cs typeface="+mj-cs"/>
+              </a:defRPr>
+            </a:lvl1pPr>
+          </a:lstStyle>
+          <a:p>
+            <a:r>
+              <a:rPr lang="en-US" sz="5400" dirty="0">
+                <a:solidFill>
+                  <a:schemeClr val="tx1"/>
+                </a:solidFill>
+              </a:rPr>
+              <a:t>Trained and Tested Classifiers (</a:t>
+            </a:r>
+            <a:r>
+              <a:rPr lang="en-US" sz="5400" dirty="0" err="1">
+                <a:solidFill>
+                  <a:schemeClr val="tx1"/>
+                </a:solidFill>
+              </a:rPr>
+              <a:t>tbd</a:t>
+            </a:r>
+            <a:r>
+              <a:rPr lang="en-US" sz="5400" dirty="0">
+                <a:solidFill>
+                  <a:schemeClr val="tx1"/>
+                </a:solidFill>
+              </a:rPr>
+              <a:t>)</a:t>
+            </a:r>
+            <a:endParaRPr lang="en-GB" dirty="0">
+              <a:solidFill>
+                <a:schemeClr val="tx1"/>
+              </a:solidFill>
+            </a:endParaRPr>
+          </a:p>
+        </p:txBody>
+      </p:sp>
+      <p:pic>
+        <p:nvPicPr>
+          <p:cNvPr id="16" name="Grafik 15">
+            <a:extLst>
+              <a:ext uri="{FF2B5EF4-FFF2-40B4-BE49-F238E27FC236}">
+                <a16:creationId xmlns:a16="http://schemas.microsoft.com/office/drawing/2014/main" id="{EB746322-17FF-4CB6-AC2B-8B4DC5776387}"/>
+              </a:ext>
+            </a:extLst>
+          </p:cNvPr>
+          <p:cNvPicPr>
+            <a:picLocks noChangeAspect="1"/>
+          </p:cNvPicPr>
+          <p:nvPr/>
+        </p:nvPicPr>
+        <p:blipFill>
+          <a:blip r:embed="rId2"/>
+          <a:stretch>
+            <a:fillRect/>
+          </a:stretch>
+        </p:blipFill>
+        <p:spPr>
+          <a:xfrm>
+            <a:off x="94935" y="1753701"/>
+            <a:ext cx="11894414" cy="3693158"/>
+          </a:xfrm>
+          <a:prstGeom prst="rect">
+            <a:avLst/>
+          </a:prstGeom>
+        </p:spPr>
+      </p:pic>
+    </p:spTree>
+    <p:extLst>
+      <p:ext uri="{BB962C8B-B14F-4D97-AF65-F5344CB8AC3E}">
+        <p14:creationId xmlns:p14="http://schemas.microsoft.com/office/powerpoint/2010/main" val="3629285196"/>
       </p:ext>
     </p:extLst>
   </p:cSld>
@@ -5411,1049 +5896,176 @@
           <a:lstStyle/>
           <a:p>
             <a:r>
-              <a:rPr lang="en-GB" dirty="0"/>
-              <a:t>Trained and Tested Classifiers</a:t>
-            </a:r>
-          </a:p>
-        </p:txBody>
-      </p:sp>
-      <p:graphicFrame>
-        <p:nvGraphicFramePr>
-          <p:cNvPr id="6" name="Tabelle 6">
-            <a:extLst>
-              <a:ext uri="{FF2B5EF4-FFF2-40B4-BE49-F238E27FC236}">
-                <a16:creationId xmlns:a16="http://schemas.microsoft.com/office/drawing/2014/main" id="{B8F039E1-800C-4554-A909-C4BCAE013653}"/>
-              </a:ext>
-            </a:extLst>
-          </p:cNvPr>
-          <p:cNvGraphicFramePr>
-            <a:graphicFrameLocks noGrp="1"/>
-          </p:cNvGraphicFramePr>
-          <p:nvPr>
-            <p:extLst>
-              <p:ext uri="{D42A27DB-BD31-4B8C-83A1-F6EECF244321}">
-                <p14:modId xmlns:p14="http://schemas.microsoft.com/office/powerpoint/2010/main" val="1969596830"/>
-              </p:ext>
-            </p:extLst>
-          </p:nvPr>
-        </p:nvGraphicFramePr>
-        <p:xfrm>
-          <a:off x="528869" y="1604408"/>
-          <a:ext cx="11005548" cy="4724400"/>
-        </p:xfrm>
-        <a:graphic>
-          <a:graphicData uri="http://schemas.openxmlformats.org/drawingml/2006/table">
-            <a:tbl>
-              <a:tblPr firstRow="1" bandRow="1">
-                <a:tableStyleId>{5940675A-B579-460E-94D1-54222C63F5DA}</a:tableStyleId>
-              </a:tblPr>
-              <a:tblGrid>
-                <a:gridCol w="2180508">
-                  <a:extLst>
-                    <a:ext uri="{9D8B030D-6E8A-4147-A177-3AD203B41FA5}">
-                      <a16:colId xmlns:a16="http://schemas.microsoft.com/office/drawing/2014/main" val="2719954638"/>
-                    </a:ext>
-                  </a:extLst>
-                </a:gridCol>
-                <a:gridCol w="2206260">
-                  <a:extLst>
-                    <a:ext uri="{9D8B030D-6E8A-4147-A177-3AD203B41FA5}">
-                      <a16:colId xmlns:a16="http://schemas.microsoft.com/office/drawing/2014/main" val="421186257"/>
-                    </a:ext>
-                  </a:extLst>
-                </a:gridCol>
-                <a:gridCol w="2206260">
-                  <a:extLst>
-                    <a:ext uri="{9D8B030D-6E8A-4147-A177-3AD203B41FA5}">
-                      <a16:colId xmlns:a16="http://schemas.microsoft.com/office/drawing/2014/main" val="1127444215"/>
-                    </a:ext>
-                  </a:extLst>
-                </a:gridCol>
-                <a:gridCol w="2206260">
-                  <a:extLst>
-                    <a:ext uri="{9D8B030D-6E8A-4147-A177-3AD203B41FA5}">
-                      <a16:colId xmlns:a16="http://schemas.microsoft.com/office/drawing/2014/main" val="3982447329"/>
-                    </a:ext>
-                  </a:extLst>
-                </a:gridCol>
-                <a:gridCol w="2206260">
-                  <a:extLst>
-                    <a:ext uri="{9D8B030D-6E8A-4147-A177-3AD203B41FA5}">
-                      <a16:colId xmlns:a16="http://schemas.microsoft.com/office/drawing/2014/main" val="1861831230"/>
-                    </a:ext>
-                  </a:extLst>
-                </a:gridCol>
-              </a:tblGrid>
-              <a:tr h="370840">
-                <a:tc>
-                  <a:txBody>
-                    <a:bodyPr/>
-                    <a:lstStyle/>
-                    <a:p>
-                      <a:endParaRPr lang="de-CH" sz="1400" b="1" dirty="0"/>
-                    </a:p>
-                  </a:txBody>
-                  <a:tcPr>
-                    <a:solidFill>
-                      <a:schemeClr val="bg2">
-                        <a:lumMod val="90000"/>
-                      </a:schemeClr>
-                    </a:solidFill>
-                  </a:tcPr>
-                </a:tc>
-                <a:tc>
-                  <a:txBody>
-                    <a:bodyPr/>
-                    <a:lstStyle/>
-                    <a:p>
-                      <a:r>
-                        <a:rPr lang="de-CH" sz="1400" b="1" dirty="0"/>
-                        <a:t>Balanced</a:t>
-                      </a:r>
-                    </a:p>
-                  </a:txBody>
-                  <a:tcPr>
-                    <a:solidFill>
-                      <a:schemeClr val="bg2">
-                        <a:lumMod val="90000"/>
-                      </a:schemeClr>
-                    </a:solidFill>
-                  </a:tcPr>
-                </a:tc>
-                <a:tc>
-                  <a:txBody>
-                    <a:bodyPr/>
-                    <a:lstStyle/>
-                    <a:p>
-                      <a:r>
-                        <a:rPr lang="de-CH" sz="1400" b="1" dirty="0" err="1"/>
-                        <a:t>Unbalanced</a:t>
-                      </a:r>
-                      <a:endParaRPr lang="de-CH" sz="1400" b="1" dirty="0"/>
-                    </a:p>
-                  </a:txBody>
-                  <a:tcPr>
-                    <a:solidFill>
-                      <a:schemeClr val="bg2">
-                        <a:lumMod val="90000"/>
-                      </a:schemeClr>
-                    </a:solidFill>
-                  </a:tcPr>
-                </a:tc>
-                <a:tc>
-                  <a:txBody>
-                    <a:bodyPr/>
-                    <a:lstStyle/>
-                    <a:p>
-                      <a:r>
-                        <a:rPr lang="de-CH" sz="1400" b="1" dirty="0"/>
-                        <a:t>With </a:t>
-                      </a:r>
-                      <a:r>
-                        <a:rPr lang="de-CH" sz="1400" b="1" dirty="0" err="1"/>
-                        <a:t>bagging</a:t>
-                      </a:r>
-                      <a:endParaRPr lang="de-CH" sz="1400" b="1" dirty="0"/>
-                    </a:p>
-                  </a:txBody>
-                  <a:tcPr>
-                    <a:solidFill>
-                      <a:schemeClr val="bg2">
-                        <a:lumMod val="90000"/>
-                      </a:schemeClr>
-                    </a:solidFill>
-                  </a:tcPr>
-                </a:tc>
-                <a:tc>
-                  <a:txBody>
-                    <a:bodyPr/>
-                    <a:lstStyle/>
-                    <a:p>
-                      <a:r>
-                        <a:rPr lang="de-CH" sz="1400" b="1" dirty="0"/>
-                        <a:t>Overfitting?</a:t>
-                      </a:r>
-                    </a:p>
-                  </a:txBody>
-                  <a:tcPr>
-                    <a:solidFill>
-                      <a:schemeClr val="bg2">
-                        <a:lumMod val="90000"/>
-                      </a:schemeClr>
-                    </a:solidFill>
-                  </a:tcPr>
-                </a:tc>
-                <a:extLst>
-                  <a:ext uri="{0D108BD9-81ED-4DB2-BD59-A6C34878D82A}">
-                    <a16:rowId xmlns:a16="http://schemas.microsoft.com/office/drawing/2014/main" val="730083807"/>
-                  </a:ext>
-                </a:extLst>
-              </a:tr>
-              <a:tr h="370840">
-                <a:tc>
-                  <a:txBody>
-                    <a:bodyPr/>
-                    <a:lstStyle/>
-                    <a:p>
-                      <a:r>
-                        <a:rPr lang="de-CH" sz="1400" b="1" dirty="0" err="1"/>
-                        <a:t>Decision</a:t>
-                      </a:r>
-                      <a:r>
-                        <a:rPr lang="de-CH" sz="1400" b="1" dirty="0"/>
-                        <a:t> </a:t>
-                      </a:r>
-                      <a:r>
-                        <a:rPr lang="de-CH" sz="1400" b="1" dirty="0" err="1"/>
-                        <a:t>Tree</a:t>
-                      </a:r>
-                      <a:endParaRPr lang="de-CH" sz="1400" b="1" dirty="0"/>
-                    </a:p>
-                  </a:txBody>
-                  <a:tcPr>
-                    <a:solidFill>
-                      <a:schemeClr val="bg2">
-                        <a:lumMod val="90000"/>
-                      </a:schemeClr>
-                    </a:solidFill>
-                  </a:tcPr>
-                </a:tc>
-                <a:tc>
-                  <a:txBody>
-                    <a:bodyPr/>
-                    <a:lstStyle/>
-                    <a:p>
-                      <a:endParaRPr lang="de-CH" sz="1400" b="1" dirty="0"/>
-                    </a:p>
-                  </a:txBody>
-                  <a:tcPr/>
-                </a:tc>
-                <a:tc>
-                  <a:txBody>
-                    <a:bodyPr/>
-                    <a:lstStyle/>
-                    <a:p>
-                      <a:endParaRPr lang="de-CH" sz="1400" b="1" dirty="0"/>
-                    </a:p>
-                  </a:txBody>
-                  <a:tcPr/>
-                </a:tc>
-                <a:tc>
-                  <a:txBody>
-                    <a:bodyPr/>
-                    <a:lstStyle/>
-                    <a:p>
-                      <a:endParaRPr lang="de-CH" sz="1400" b="1" dirty="0"/>
-                    </a:p>
-                  </a:txBody>
-                  <a:tcPr/>
-                </a:tc>
-                <a:tc>
-                  <a:txBody>
-                    <a:bodyPr/>
-                    <a:lstStyle/>
-                    <a:p>
-                      <a:endParaRPr lang="de-CH" sz="1400" b="1" dirty="0"/>
-                    </a:p>
-                  </a:txBody>
-                  <a:tcPr/>
-                </a:tc>
-                <a:extLst>
-                  <a:ext uri="{0D108BD9-81ED-4DB2-BD59-A6C34878D82A}">
-                    <a16:rowId xmlns:a16="http://schemas.microsoft.com/office/drawing/2014/main" val="3581400860"/>
-                  </a:ext>
-                </a:extLst>
-              </a:tr>
-              <a:tr h="370840">
-                <a:tc>
-                  <a:txBody>
-                    <a:bodyPr/>
-                    <a:lstStyle/>
-                    <a:p>
-                      <a:r>
-                        <a:rPr lang="de-CH" sz="1400" b="1" dirty="0"/>
-                        <a:t>Random Forest</a:t>
-                      </a:r>
-                    </a:p>
-                  </a:txBody>
-                  <a:tcPr>
-                    <a:solidFill>
-                      <a:schemeClr val="bg2">
-                        <a:lumMod val="90000"/>
-                      </a:schemeClr>
-                    </a:solidFill>
-                  </a:tcPr>
-                </a:tc>
-                <a:tc>
-                  <a:txBody>
-                    <a:bodyPr/>
-                    <a:lstStyle/>
-                    <a:p>
-                      <a:endParaRPr lang="de-CH" sz="1400" b="1" dirty="0"/>
-                    </a:p>
-                  </a:txBody>
-                  <a:tcPr/>
-                </a:tc>
-                <a:tc>
-                  <a:txBody>
-                    <a:bodyPr/>
-                    <a:lstStyle/>
-                    <a:p>
-                      <a:endParaRPr lang="de-CH" sz="1400" b="1" dirty="0"/>
-                    </a:p>
-                  </a:txBody>
-                  <a:tcPr/>
-                </a:tc>
-                <a:tc>
-                  <a:txBody>
-                    <a:bodyPr/>
-                    <a:lstStyle/>
-                    <a:p>
-                      <a:endParaRPr lang="de-CH" sz="1400" b="1" dirty="0"/>
-                    </a:p>
-                  </a:txBody>
-                  <a:tcPr/>
-                </a:tc>
-                <a:tc>
-                  <a:txBody>
-                    <a:bodyPr/>
-                    <a:lstStyle/>
-                    <a:p>
-                      <a:endParaRPr lang="de-CH" sz="1400" b="1" dirty="0"/>
-                    </a:p>
-                  </a:txBody>
-                  <a:tcPr/>
-                </a:tc>
-                <a:extLst>
-                  <a:ext uri="{0D108BD9-81ED-4DB2-BD59-A6C34878D82A}">
-                    <a16:rowId xmlns:a16="http://schemas.microsoft.com/office/drawing/2014/main" val="633678888"/>
-                  </a:ext>
-                </a:extLst>
-              </a:tr>
-              <a:tr h="370840">
-                <a:tc>
-                  <a:txBody>
-                    <a:bodyPr/>
-                    <a:lstStyle/>
-                    <a:p>
-                      <a:r>
-                        <a:rPr lang="de-CH" sz="1400" b="1" dirty="0"/>
-                        <a:t>Gradient </a:t>
-                      </a:r>
-                      <a:r>
-                        <a:rPr lang="de-CH" sz="1400" b="1" dirty="0" err="1"/>
-                        <a:t>Boosting</a:t>
-                      </a:r>
-                      <a:endParaRPr lang="de-CH" sz="1400" b="1" dirty="0"/>
-                    </a:p>
-                  </a:txBody>
-                  <a:tcPr>
-                    <a:solidFill>
-                      <a:schemeClr val="bg2">
-                        <a:lumMod val="90000"/>
-                      </a:schemeClr>
-                    </a:solidFill>
-                  </a:tcPr>
-                </a:tc>
-                <a:tc>
-                  <a:txBody>
-                    <a:bodyPr/>
-                    <a:lstStyle/>
-                    <a:p>
-                      <a:endParaRPr lang="de-CH" sz="1400" b="1" dirty="0"/>
-                    </a:p>
-                  </a:txBody>
-                  <a:tcPr/>
-                </a:tc>
-                <a:tc>
-                  <a:txBody>
-                    <a:bodyPr/>
-                    <a:lstStyle/>
-                    <a:p>
-                      <a:endParaRPr lang="de-CH" sz="1400" b="1" dirty="0"/>
-                    </a:p>
-                  </a:txBody>
-                  <a:tcPr/>
-                </a:tc>
-                <a:tc>
-                  <a:txBody>
-                    <a:bodyPr/>
-                    <a:lstStyle/>
-                    <a:p>
-                      <a:endParaRPr lang="de-CH" sz="1400" b="1" dirty="0"/>
-                    </a:p>
-                  </a:txBody>
-                  <a:tcPr/>
-                </a:tc>
-                <a:tc>
-                  <a:txBody>
-                    <a:bodyPr/>
-                    <a:lstStyle/>
-                    <a:p>
-                      <a:endParaRPr lang="de-CH" sz="1400" b="1" dirty="0"/>
-                    </a:p>
-                  </a:txBody>
-                  <a:tcPr/>
-                </a:tc>
-                <a:extLst>
-                  <a:ext uri="{0D108BD9-81ED-4DB2-BD59-A6C34878D82A}">
-                    <a16:rowId xmlns:a16="http://schemas.microsoft.com/office/drawing/2014/main" val="1754530012"/>
-                  </a:ext>
-                </a:extLst>
-              </a:tr>
-              <a:tr h="370840">
-                <a:tc>
-                  <a:txBody>
-                    <a:bodyPr/>
-                    <a:lstStyle/>
-                    <a:p>
-                      <a:pPr marL="0" marR="0" lvl="0" indent="0" algn="l" defTabSz="914400" rtl="0" eaLnBrk="1" fontAlgn="auto" latinLnBrk="0" hangingPunct="1">
-                        <a:lnSpc>
-                          <a:spcPct val="100000"/>
-                        </a:lnSpc>
-                        <a:spcBef>
-                          <a:spcPts val="0"/>
-                        </a:spcBef>
-                        <a:spcAft>
-                          <a:spcPts val="0"/>
-                        </a:spcAft>
-                        <a:buClrTx/>
-                        <a:buSzTx/>
-                        <a:buFontTx/>
-                        <a:buNone/>
-                        <a:tabLst/>
-                        <a:defRPr/>
-                      </a:pPr>
-                      <a:r>
-                        <a:rPr lang="de-CH" sz="1400" b="1" i="0" kern="1200" dirty="0" err="1">
-                          <a:solidFill>
-                            <a:schemeClr val="tx1"/>
-                          </a:solidFill>
-                          <a:effectLst/>
-                          <a:latin typeface="+mn-lt"/>
-                          <a:ea typeface="+mn-ea"/>
-                          <a:cs typeface="+mn-cs"/>
-                        </a:rPr>
-                        <a:t>Logistic</a:t>
-                      </a:r>
-                      <a:r>
-                        <a:rPr lang="de-CH" sz="1400" b="1" i="0" kern="1200" dirty="0">
-                          <a:solidFill>
-                            <a:schemeClr val="tx1"/>
-                          </a:solidFill>
-                          <a:effectLst/>
-                          <a:latin typeface="+mn-lt"/>
-                          <a:ea typeface="+mn-ea"/>
-                          <a:cs typeface="+mn-cs"/>
-                        </a:rPr>
-                        <a:t> Regression</a:t>
-                      </a:r>
-                    </a:p>
-                  </a:txBody>
-                  <a:tcPr>
-                    <a:solidFill>
-                      <a:schemeClr val="bg2">
-                        <a:lumMod val="90000"/>
-                      </a:schemeClr>
-                    </a:solidFill>
-                  </a:tcPr>
-                </a:tc>
-                <a:tc>
-                  <a:txBody>
-                    <a:bodyPr/>
-                    <a:lstStyle/>
-                    <a:p>
-                      <a:endParaRPr lang="de-CH" sz="1400" b="1" dirty="0"/>
-                    </a:p>
-                  </a:txBody>
-                  <a:tcPr/>
-                </a:tc>
-                <a:tc>
-                  <a:txBody>
-                    <a:bodyPr/>
-                    <a:lstStyle/>
-                    <a:p>
-                      <a:endParaRPr lang="de-CH" sz="1400" b="1" dirty="0"/>
-                    </a:p>
-                  </a:txBody>
-                  <a:tcPr/>
-                </a:tc>
-                <a:tc>
-                  <a:txBody>
-                    <a:bodyPr/>
-                    <a:lstStyle/>
-                    <a:p>
-                      <a:endParaRPr lang="de-CH" sz="1400" b="1" dirty="0"/>
-                    </a:p>
-                  </a:txBody>
-                  <a:tcPr/>
-                </a:tc>
-                <a:tc>
-                  <a:txBody>
-                    <a:bodyPr/>
-                    <a:lstStyle/>
-                    <a:p>
-                      <a:endParaRPr lang="de-CH" sz="1400" b="1" dirty="0"/>
-                    </a:p>
-                  </a:txBody>
-                  <a:tcPr/>
-                </a:tc>
-                <a:extLst>
-                  <a:ext uri="{0D108BD9-81ED-4DB2-BD59-A6C34878D82A}">
-                    <a16:rowId xmlns:a16="http://schemas.microsoft.com/office/drawing/2014/main" val="4039662384"/>
-                  </a:ext>
-                </a:extLst>
-              </a:tr>
-              <a:tr h="370840">
-                <a:tc>
-                  <a:txBody>
-                    <a:bodyPr/>
-                    <a:lstStyle/>
-                    <a:p>
-                      <a:pPr marL="0" marR="0" lvl="0" indent="0" algn="l" defTabSz="914400" rtl="0" eaLnBrk="1" fontAlgn="auto" latinLnBrk="0" hangingPunct="1">
-                        <a:lnSpc>
-                          <a:spcPct val="100000"/>
-                        </a:lnSpc>
-                        <a:spcBef>
-                          <a:spcPts val="0"/>
-                        </a:spcBef>
-                        <a:spcAft>
-                          <a:spcPts val="0"/>
-                        </a:spcAft>
-                        <a:buClrTx/>
-                        <a:buSzTx/>
-                        <a:buFontTx/>
-                        <a:buNone/>
-                        <a:tabLst/>
-                        <a:defRPr/>
-                      </a:pPr>
-                      <a:r>
-                        <a:rPr lang="de-CH" sz="1400" b="1" i="0" kern="1200" dirty="0">
-                          <a:solidFill>
-                            <a:schemeClr val="tx1"/>
-                          </a:solidFill>
-                          <a:effectLst/>
-                          <a:latin typeface="+mn-lt"/>
-                          <a:ea typeface="+mn-ea"/>
-                          <a:cs typeface="+mn-cs"/>
-                        </a:rPr>
-                        <a:t>Linear </a:t>
-                      </a:r>
-                      <a:r>
-                        <a:rPr lang="de-CH" sz="1400" b="1" i="0" kern="1200" dirty="0" err="1">
-                          <a:solidFill>
-                            <a:schemeClr val="tx1"/>
-                          </a:solidFill>
-                          <a:effectLst/>
-                          <a:latin typeface="+mn-lt"/>
-                          <a:ea typeface="+mn-ea"/>
-                          <a:cs typeface="+mn-cs"/>
-                        </a:rPr>
-                        <a:t>Discriminant</a:t>
-                      </a:r>
-                      <a:r>
-                        <a:rPr lang="de-CH" sz="1400" b="1" i="0" kern="1200" dirty="0">
-                          <a:solidFill>
-                            <a:schemeClr val="tx1"/>
-                          </a:solidFill>
-                          <a:effectLst/>
-                          <a:latin typeface="+mn-lt"/>
-                          <a:ea typeface="+mn-ea"/>
-                          <a:cs typeface="+mn-cs"/>
-                        </a:rPr>
-                        <a:t> Analysis</a:t>
-                      </a:r>
-                    </a:p>
-                  </a:txBody>
-                  <a:tcPr>
-                    <a:solidFill>
-                      <a:schemeClr val="bg2">
-                        <a:lumMod val="90000"/>
-                      </a:schemeClr>
-                    </a:solidFill>
-                  </a:tcPr>
-                </a:tc>
-                <a:tc>
-                  <a:txBody>
-                    <a:bodyPr/>
-                    <a:lstStyle/>
-                    <a:p>
-                      <a:endParaRPr lang="de-CH" sz="1400" b="1" dirty="0"/>
-                    </a:p>
-                  </a:txBody>
-                  <a:tcPr/>
-                </a:tc>
-                <a:tc>
-                  <a:txBody>
-                    <a:bodyPr/>
-                    <a:lstStyle/>
-                    <a:p>
-                      <a:endParaRPr lang="de-CH" sz="1400" b="1"/>
-                    </a:p>
-                  </a:txBody>
-                  <a:tcPr/>
-                </a:tc>
-                <a:tc>
-                  <a:txBody>
-                    <a:bodyPr/>
-                    <a:lstStyle/>
-                    <a:p>
-                      <a:endParaRPr lang="de-CH" sz="1400" b="1"/>
-                    </a:p>
-                  </a:txBody>
-                  <a:tcPr/>
-                </a:tc>
-                <a:tc>
-                  <a:txBody>
-                    <a:bodyPr/>
-                    <a:lstStyle/>
-                    <a:p>
-                      <a:endParaRPr lang="de-CH" sz="1400" b="1"/>
-                    </a:p>
-                  </a:txBody>
-                  <a:tcPr/>
-                </a:tc>
-                <a:extLst>
-                  <a:ext uri="{0D108BD9-81ED-4DB2-BD59-A6C34878D82A}">
-                    <a16:rowId xmlns:a16="http://schemas.microsoft.com/office/drawing/2014/main" val="57469617"/>
-                  </a:ext>
-                </a:extLst>
-              </a:tr>
-              <a:tr h="370840">
-                <a:tc>
-                  <a:txBody>
-                    <a:bodyPr/>
-                    <a:lstStyle/>
-                    <a:p>
-                      <a:pPr marL="0" marR="0" lvl="0" indent="0" algn="l" defTabSz="914400" rtl="0" eaLnBrk="1" fontAlgn="auto" latinLnBrk="0" hangingPunct="1">
-                        <a:lnSpc>
-                          <a:spcPct val="100000"/>
-                        </a:lnSpc>
-                        <a:spcBef>
-                          <a:spcPts val="0"/>
-                        </a:spcBef>
-                        <a:spcAft>
-                          <a:spcPts val="0"/>
-                        </a:spcAft>
-                        <a:buClrTx/>
-                        <a:buSzTx/>
-                        <a:buFontTx/>
-                        <a:buNone/>
-                        <a:tabLst/>
-                        <a:defRPr/>
-                      </a:pPr>
-                      <a:r>
-                        <a:rPr lang="de-CH" sz="1400" b="1" i="0" kern="1200" dirty="0" err="1">
-                          <a:solidFill>
-                            <a:schemeClr val="tx1"/>
-                          </a:solidFill>
-                          <a:effectLst/>
-                          <a:latin typeface="+mn-lt"/>
-                          <a:ea typeface="+mn-ea"/>
-                          <a:cs typeface="+mn-cs"/>
-                        </a:rPr>
-                        <a:t>Quadratic</a:t>
-                      </a:r>
-                      <a:r>
-                        <a:rPr lang="de-CH" sz="1400" b="1" i="0" kern="1200" dirty="0">
-                          <a:solidFill>
-                            <a:schemeClr val="tx1"/>
-                          </a:solidFill>
-                          <a:effectLst/>
-                          <a:latin typeface="+mn-lt"/>
-                          <a:ea typeface="+mn-ea"/>
-                          <a:cs typeface="+mn-cs"/>
-                        </a:rPr>
-                        <a:t> </a:t>
-                      </a:r>
-                      <a:r>
-                        <a:rPr lang="de-CH" sz="1400" b="1" i="0" kern="1200" dirty="0" err="1">
-                          <a:solidFill>
-                            <a:schemeClr val="tx1"/>
-                          </a:solidFill>
-                          <a:effectLst/>
-                          <a:latin typeface="+mn-lt"/>
-                          <a:ea typeface="+mn-ea"/>
-                          <a:cs typeface="+mn-cs"/>
-                        </a:rPr>
-                        <a:t>Discriminant</a:t>
-                      </a:r>
-                      <a:r>
-                        <a:rPr lang="de-CH" sz="1400" b="1" i="0" kern="1200" dirty="0">
-                          <a:solidFill>
-                            <a:schemeClr val="tx1"/>
-                          </a:solidFill>
-                          <a:effectLst/>
-                          <a:latin typeface="+mn-lt"/>
-                          <a:ea typeface="+mn-ea"/>
-                          <a:cs typeface="+mn-cs"/>
-                        </a:rPr>
-                        <a:t> Analysis</a:t>
-                      </a:r>
-                    </a:p>
-                  </a:txBody>
-                  <a:tcPr>
-                    <a:solidFill>
-                      <a:schemeClr val="bg2">
-                        <a:lumMod val="90000"/>
-                      </a:schemeClr>
-                    </a:solidFill>
-                  </a:tcPr>
-                </a:tc>
-                <a:tc>
-                  <a:txBody>
-                    <a:bodyPr/>
-                    <a:lstStyle/>
-                    <a:p>
-                      <a:endParaRPr lang="de-CH" sz="1400" b="1" dirty="0"/>
-                    </a:p>
-                  </a:txBody>
-                  <a:tcPr/>
-                </a:tc>
-                <a:tc>
-                  <a:txBody>
-                    <a:bodyPr/>
-                    <a:lstStyle/>
-                    <a:p>
-                      <a:endParaRPr lang="de-CH" sz="1400" b="1"/>
-                    </a:p>
-                  </a:txBody>
-                  <a:tcPr/>
-                </a:tc>
-                <a:tc>
-                  <a:txBody>
-                    <a:bodyPr/>
-                    <a:lstStyle/>
-                    <a:p>
-                      <a:endParaRPr lang="de-CH" sz="1400" b="1" dirty="0"/>
-                    </a:p>
-                  </a:txBody>
-                  <a:tcPr/>
-                </a:tc>
-                <a:tc>
-                  <a:txBody>
-                    <a:bodyPr/>
-                    <a:lstStyle/>
-                    <a:p>
-                      <a:endParaRPr lang="de-CH" sz="1400" b="1" dirty="0"/>
-                    </a:p>
-                  </a:txBody>
-                  <a:tcPr/>
-                </a:tc>
-                <a:extLst>
-                  <a:ext uri="{0D108BD9-81ED-4DB2-BD59-A6C34878D82A}">
-                    <a16:rowId xmlns:a16="http://schemas.microsoft.com/office/drawing/2014/main" val="3880470705"/>
-                  </a:ext>
-                </a:extLst>
-              </a:tr>
-              <a:tr h="370840">
-                <a:tc>
-                  <a:txBody>
-                    <a:bodyPr/>
-                    <a:lstStyle/>
-                    <a:p>
-                      <a:r>
-                        <a:rPr lang="de-CH" sz="1400" b="1" dirty="0"/>
-                        <a:t>Support Vector Machines </a:t>
-                      </a:r>
-                    </a:p>
-                  </a:txBody>
-                  <a:tcPr>
-                    <a:solidFill>
-                      <a:schemeClr val="bg2">
-                        <a:lumMod val="90000"/>
-                      </a:schemeClr>
-                    </a:solidFill>
-                  </a:tcPr>
-                </a:tc>
-                <a:tc>
-                  <a:txBody>
-                    <a:bodyPr/>
-                    <a:lstStyle/>
-                    <a:p>
-                      <a:endParaRPr lang="de-CH" sz="1400" b="1"/>
-                    </a:p>
-                  </a:txBody>
-                  <a:tcPr/>
-                </a:tc>
-                <a:tc>
-                  <a:txBody>
-                    <a:bodyPr/>
-                    <a:lstStyle/>
-                    <a:p>
-                      <a:endParaRPr lang="de-CH" sz="1400" b="1"/>
-                    </a:p>
-                  </a:txBody>
-                  <a:tcPr/>
-                </a:tc>
-                <a:tc>
-                  <a:txBody>
-                    <a:bodyPr/>
-                    <a:lstStyle/>
-                    <a:p>
-                      <a:endParaRPr lang="de-CH" sz="1400" b="1"/>
-                    </a:p>
-                  </a:txBody>
-                  <a:tcPr/>
-                </a:tc>
-                <a:tc>
-                  <a:txBody>
-                    <a:bodyPr/>
-                    <a:lstStyle/>
-                    <a:p>
-                      <a:endParaRPr lang="de-CH" sz="1400" b="1"/>
-                    </a:p>
-                  </a:txBody>
-                  <a:tcPr/>
-                </a:tc>
-                <a:extLst>
-                  <a:ext uri="{0D108BD9-81ED-4DB2-BD59-A6C34878D82A}">
-                    <a16:rowId xmlns:a16="http://schemas.microsoft.com/office/drawing/2014/main" val="1656435687"/>
-                  </a:ext>
-                </a:extLst>
-              </a:tr>
-              <a:tr h="370840">
-                <a:tc>
-                  <a:txBody>
-                    <a:bodyPr/>
-                    <a:lstStyle/>
-                    <a:p>
-                      <a:r>
-                        <a:rPr lang="de-CH" sz="1400" b="1" dirty="0"/>
-                        <a:t>k-</a:t>
-                      </a:r>
-                      <a:r>
-                        <a:rPr lang="de-CH" sz="1400" b="1" dirty="0" err="1"/>
-                        <a:t>Nearest</a:t>
-                      </a:r>
-                      <a:r>
-                        <a:rPr lang="de-CH" sz="1400" b="1" dirty="0"/>
-                        <a:t> </a:t>
-                      </a:r>
-                      <a:r>
-                        <a:rPr lang="de-CH" sz="1400" b="1" dirty="0" err="1"/>
-                        <a:t>Neighbors</a:t>
-                      </a:r>
-                      <a:endParaRPr lang="de-CH" sz="1400" b="1" dirty="0"/>
-                    </a:p>
-                  </a:txBody>
-                  <a:tcPr>
-                    <a:solidFill>
-                      <a:schemeClr val="bg2">
-                        <a:lumMod val="90000"/>
-                      </a:schemeClr>
-                    </a:solidFill>
-                  </a:tcPr>
-                </a:tc>
-                <a:tc>
-                  <a:txBody>
-                    <a:bodyPr/>
-                    <a:lstStyle/>
-                    <a:p>
-                      <a:endParaRPr lang="de-CH" sz="1400" b="1"/>
-                    </a:p>
-                  </a:txBody>
-                  <a:tcPr/>
-                </a:tc>
-                <a:tc>
-                  <a:txBody>
-                    <a:bodyPr/>
-                    <a:lstStyle/>
-                    <a:p>
-                      <a:endParaRPr lang="de-CH" sz="1400" b="1"/>
-                    </a:p>
-                  </a:txBody>
-                  <a:tcPr/>
-                </a:tc>
-                <a:tc>
-                  <a:txBody>
-                    <a:bodyPr/>
-                    <a:lstStyle/>
-                    <a:p>
-                      <a:endParaRPr lang="de-CH" sz="1400" b="1"/>
-                    </a:p>
-                  </a:txBody>
-                  <a:tcPr/>
-                </a:tc>
-                <a:tc>
-                  <a:txBody>
-                    <a:bodyPr/>
-                    <a:lstStyle/>
-                    <a:p>
-                      <a:endParaRPr lang="de-CH" sz="1400" b="1"/>
-                    </a:p>
-                  </a:txBody>
-                  <a:tcPr/>
-                </a:tc>
-                <a:extLst>
-                  <a:ext uri="{0D108BD9-81ED-4DB2-BD59-A6C34878D82A}">
-                    <a16:rowId xmlns:a16="http://schemas.microsoft.com/office/drawing/2014/main" val="1245784679"/>
-                  </a:ext>
-                </a:extLst>
-              </a:tr>
-              <a:tr h="370840">
-                <a:tc>
-                  <a:txBody>
-                    <a:bodyPr/>
-                    <a:lstStyle/>
-                    <a:p>
-                      <a:pPr marL="0" marR="0" lvl="0" indent="0" algn="l" defTabSz="914400" rtl="0" eaLnBrk="1" fontAlgn="auto" latinLnBrk="0" hangingPunct="1">
-                        <a:lnSpc>
-                          <a:spcPct val="100000"/>
-                        </a:lnSpc>
-                        <a:spcBef>
-                          <a:spcPts val="0"/>
-                        </a:spcBef>
-                        <a:spcAft>
-                          <a:spcPts val="0"/>
-                        </a:spcAft>
-                        <a:buClrTx/>
-                        <a:buSzTx/>
-                        <a:buFontTx/>
-                        <a:buNone/>
-                        <a:tabLst/>
-                        <a:defRPr/>
-                      </a:pPr>
-                      <a:r>
-                        <a:rPr lang="de-CH" sz="1400" b="1" i="0" kern="1200" dirty="0">
-                          <a:solidFill>
-                            <a:schemeClr val="tx1"/>
-                          </a:solidFill>
-                          <a:effectLst/>
-                          <a:latin typeface="+mn-lt"/>
-                          <a:ea typeface="+mn-ea"/>
-                          <a:cs typeface="+mn-cs"/>
-                        </a:rPr>
-                        <a:t>Simple </a:t>
-                      </a:r>
-                      <a:r>
-                        <a:rPr lang="de-CH" sz="1400" b="1" i="0" kern="1200" dirty="0" err="1">
-                          <a:solidFill>
-                            <a:schemeClr val="tx1"/>
-                          </a:solidFill>
-                          <a:effectLst/>
-                          <a:latin typeface="+mn-lt"/>
-                          <a:ea typeface="+mn-ea"/>
-                          <a:cs typeface="+mn-cs"/>
-                        </a:rPr>
-                        <a:t>Neural</a:t>
-                      </a:r>
-                      <a:r>
-                        <a:rPr lang="de-CH" sz="1400" b="1" i="0" kern="1200" dirty="0">
-                          <a:solidFill>
-                            <a:schemeClr val="tx1"/>
-                          </a:solidFill>
-                          <a:effectLst/>
-                          <a:latin typeface="+mn-lt"/>
-                          <a:ea typeface="+mn-ea"/>
-                          <a:cs typeface="+mn-cs"/>
-                        </a:rPr>
-                        <a:t> Network (Multi Layer </a:t>
-                      </a:r>
-                      <a:r>
-                        <a:rPr lang="de-CH" sz="1400" b="1" i="0" kern="1200" dirty="0" err="1">
-                          <a:solidFill>
-                            <a:schemeClr val="tx1"/>
-                          </a:solidFill>
-                          <a:effectLst/>
-                          <a:latin typeface="+mn-lt"/>
-                          <a:ea typeface="+mn-ea"/>
-                          <a:cs typeface="+mn-cs"/>
-                        </a:rPr>
-                        <a:t>Perceptron</a:t>
-                      </a:r>
-                      <a:r>
-                        <a:rPr lang="de-CH" sz="1400" b="1" i="0" kern="1200" dirty="0">
-                          <a:solidFill>
-                            <a:schemeClr val="tx1"/>
-                          </a:solidFill>
-                          <a:effectLst/>
-                          <a:latin typeface="+mn-lt"/>
-                          <a:ea typeface="+mn-ea"/>
-                          <a:cs typeface="+mn-cs"/>
-                        </a:rPr>
-                        <a:t>)</a:t>
-                      </a:r>
-                    </a:p>
-                  </a:txBody>
-                  <a:tcPr>
-                    <a:solidFill>
-                      <a:schemeClr val="bg2">
-                        <a:lumMod val="90000"/>
-                      </a:schemeClr>
-                    </a:solidFill>
-                  </a:tcPr>
-                </a:tc>
-                <a:tc>
-                  <a:txBody>
-                    <a:bodyPr/>
-                    <a:lstStyle/>
-                    <a:p>
-                      <a:endParaRPr lang="de-CH" sz="1400" b="1" dirty="0"/>
-                    </a:p>
-                  </a:txBody>
-                  <a:tcPr>
-                    <a:solidFill>
-                      <a:schemeClr val="bg1"/>
-                    </a:solidFill>
-                  </a:tcPr>
-                </a:tc>
-                <a:tc>
-                  <a:txBody>
-                    <a:bodyPr/>
-                    <a:lstStyle/>
-                    <a:p>
-                      <a:endParaRPr lang="de-CH" sz="1400" b="1" dirty="0"/>
-                    </a:p>
-                  </a:txBody>
-                  <a:tcPr>
-                    <a:solidFill>
-                      <a:schemeClr val="bg1"/>
-                    </a:solidFill>
-                  </a:tcPr>
-                </a:tc>
-                <a:tc>
-                  <a:txBody>
-                    <a:bodyPr/>
-                    <a:lstStyle/>
-                    <a:p>
-                      <a:endParaRPr lang="de-CH" sz="1400" b="1" dirty="0"/>
-                    </a:p>
-                  </a:txBody>
-                  <a:tcPr>
-                    <a:solidFill>
-                      <a:schemeClr val="bg1"/>
-                    </a:solidFill>
-                  </a:tcPr>
-                </a:tc>
-                <a:tc>
-                  <a:txBody>
-                    <a:bodyPr/>
-                    <a:lstStyle/>
-                    <a:p>
-                      <a:endParaRPr lang="de-CH" sz="1400" b="1" dirty="0"/>
-                    </a:p>
-                  </a:txBody>
-                  <a:tcPr>
-                    <a:solidFill>
-                      <a:schemeClr val="bg1"/>
-                    </a:solidFill>
-                  </a:tcPr>
-                </a:tc>
-                <a:extLst>
-                  <a:ext uri="{0D108BD9-81ED-4DB2-BD59-A6C34878D82A}">
-                    <a16:rowId xmlns:a16="http://schemas.microsoft.com/office/drawing/2014/main" val="318994830"/>
-                  </a:ext>
-                </a:extLst>
-              </a:tr>
-            </a:tbl>
-          </a:graphicData>
-        </a:graphic>
-      </p:graphicFrame>
+              <a:rPr lang="en-GB" dirty="0">
+                <a:solidFill>
+                  <a:schemeClr val="tx1"/>
+                </a:solidFill>
+              </a:rPr>
+              <a:t>Training &amp; Testing of Model (</a:t>
+            </a:r>
+            <a:r>
+              <a:rPr lang="en-GB" dirty="0" err="1">
+                <a:solidFill>
+                  <a:schemeClr val="tx1"/>
+                </a:solidFill>
+              </a:rPr>
+              <a:t>tbd</a:t>
+            </a:r>
+            <a:r>
+              <a:rPr lang="en-GB" dirty="0">
+                <a:solidFill>
+                  <a:schemeClr val="tx1"/>
+                </a:solidFill>
+              </a:rPr>
+              <a:t>)</a:t>
+            </a:r>
+          </a:p>
+        </p:txBody>
+      </p:sp>
+      <p:grpSp>
+        <p:nvGrpSpPr>
+          <p:cNvPr id="8" name="Gruppieren 7">
+            <a:extLst>
+              <a:ext uri="{FF2B5EF4-FFF2-40B4-BE49-F238E27FC236}">
+                <a16:creationId xmlns:a16="http://schemas.microsoft.com/office/drawing/2014/main" id="{2B4B8608-4473-4BB0-89A9-6B92E1DD2B28}"/>
+              </a:ext>
+            </a:extLst>
+          </p:cNvPr>
+          <p:cNvGrpSpPr/>
+          <p:nvPr/>
+        </p:nvGrpSpPr>
+        <p:grpSpPr>
+          <a:xfrm>
+            <a:off x="6268995" y="1690688"/>
+            <a:ext cx="5655675" cy="3896833"/>
+            <a:chOff x="3180726" y="115407"/>
+            <a:chExt cx="7782930" cy="4933116"/>
+          </a:xfrm>
+        </p:grpSpPr>
+        <p:pic>
+          <p:nvPicPr>
+            <p:cNvPr id="5" name="Grafik 4">
+              <a:extLst>
+                <a:ext uri="{FF2B5EF4-FFF2-40B4-BE49-F238E27FC236}">
+                  <a16:creationId xmlns:a16="http://schemas.microsoft.com/office/drawing/2014/main" id="{FD649AB2-4870-48F6-8D1E-F0029F069B53}"/>
+                </a:ext>
+              </a:extLst>
+            </p:cNvPr>
+            <p:cNvPicPr>
+              <a:picLocks noChangeAspect="1"/>
+            </p:cNvPicPr>
+            <p:nvPr/>
+          </p:nvPicPr>
+          <p:blipFill>
+            <a:blip r:embed="rId2"/>
+            <a:stretch>
+              <a:fillRect/>
+            </a:stretch>
+          </p:blipFill>
+          <p:spPr>
+            <a:xfrm>
+              <a:off x="3180727" y="115407"/>
+              <a:ext cx="7782929" cy="3813838"/>
+            </a:xfrm>
+            <a:prstGeom prst="rect">
+              <a:avLst/>
+            </a:prstGeom>
+          </p:spPr>
+        </p:pic>
+        <p:pic>
+          <p:nvPicPr>
+            <p:cNvPr id="7" name="Grafik 6">
+              <a:extLst>
+                <a:ext uri="{FF2B5EF4-FFF2-40B4-BE49-F238E27FC236}">
+                  <a16:creationId xmlns:a16="http://schemas.microsoft.com/office/drawing/2014/main" id="{22F19B84-23E9-4014-BDA1-9B0F0CF1C6E5}"/>
+                </a:ext>
+              </a:extLst>
+            </p:cNvPr>
+            <p:cNvPicPr>
+              <a:picLocks noChangeAspect="1"/>
+            </p:cNvPicPr>
+            <p:nvPr/>
+          </p:nvPicPr>
+          <p:blipFill>
+            <a:blip r:embed="rId3"/>
+            <a:stretch>
+              <a:fillRect/>
+            </a:stretch>
+          </p:blipFill>
+          <p:spPr>
+            <a:xfrm>
+              <a:off x="3180726" y="3985638"/>
+              <a:ext cx="7782929" cy="1062885"/>
+            </a:xfrm>
+            <a:prstGeom prst="rect">
+              <a:avLst/>
+            </a:prstGeom>
+          </p:spPr>
+        </p:pic>
+      </p:grpSp>
+      <p:sp>
+        <p:nvSpPr>
+          <p:cNvPr id="3" name="Inhaltsplatzhalter 2">
+            <a:extLst>
+              <a:ext uri="{FF2B5EF4-FFF2-40B4-BE49-F238E27FC236}">
+                <a16:creationId xmlns:a16="http://schemas.microsoft.com/office/drawing/2014/main" id="{ABBC937A-AC69-41A6-807A-E9E9230A23AF}"/>
+              </a:ext>
+            </a:extLst>
+          </p:cNvPr>
+          <p:cNvSpPr>
+            <a:spLocks noGrp="1"/>
+          </p:cNvSpPr>
+          <p:nvPr>
+            <p:ph idx="1"/>
+          </p:nvPr>
+        </p:nvSpPr>
+        <p:spPr>
+          <a:xfrm>
+            <a:off x="1572275" y="1656337"/>
+            <a:ext cx="4966921" cy="1772663"/>
+          </a:xfrm>
+        </p:spPr>
+        <p:txBody>
+          <a:bodyPr>
+            <a:normAutofit/>
+          </a:bodyPr>
+          <a:lstStyle/>
+          <a:p>
+            <a:r>
+              <a:rPr lang="en-GB" sz="1800" dirty="0">
+                <a:solidFill>
+                  <a:schemeClr val="tx1"/>
+                </a:solidFill>
+              </a:rPr>
+              <a:t>Hyperparameter Tuning</a:t>
+            </a:r>
+          </a:p>
+          <a:p>
+            <a:r>
+              <a:rPr lang="en-GB" sz="1800" dirty="0">
+                <a:solidFill>
+                  <a:schemeClr val="tx1"/>
+                </a:solidFill>
+              </a:rPr>
+              <a:t>Reducing Overfitting by in-/decreasing parameters manually</a:t>
+            </a:r>
+          </a:p>
+          <a:p>
+            <a:r>
+              <a:rPr lang="en-GB" sz="1800" dirty="0">
+                <a:solidFill>
+                  <a:schemeClr val="tx1"/>
+                </a:solidFill>
+              </a:rPr>
+              <a:t>Bagging Method</a:t>
+            </a:r>
+          </a:p>
+        </p:txBody>
+      </p:sp>
     </p:spTree>
     <p:extLst>
       <p:ext uri="{BB962C8B-B14F-4D97-AF65-F5344CB8AC3E}">
-        <p14:creationId xmlns:p14="http://schemas.microsoft.com/office/powerpoint/2010/main" val="3629285196"/>
+        <p14:creationId xmlns:p14="http://schemas.microsoft.com/office/powerpoint/2010/main" val="2402285307"/>
       </p:ext>
     </p:extLst>
   </p:cSld>
@@ -6485,7 +6097,7 @@
           <p:cNvPr id="2" name="Titel 1">
             <a:extLst>
               <a:ext uri="{FF2B5EF4-FFF2-40B4-BE49-F238E27FC236}">
-                <a16:creationId xmlns:a16="http://schemas.microsoft.com/office/drawing/2014/main" id="{334D1E80-6305-4A6E-9629-527E53E459D4}"/>
+                <a16:creationId xmlns:a16="http://schemas.microsoft.com/office/drawing/2014/main" id="{44064D1C-9F5A-41FE-A42D-E866774E4476}"/>
               </a:ext>
             </a:extLst>
           </p:cNvPr>
@@ -6502,8 +6114,28 @@
           <a:lstStyle/>
           <a:p>
             <a:r>
-              <a:rPr lang="en-GB" dirty="0"/>
-              <a:t>Training &amp; Testing of Model</a:t>
+              <a:rPr lang="en-GB" dirty="0">
+                <a:solidFill>
+                  <a:schemeClr val="tx1"/>
+                </a:solidFill>
+              </a:rPr>
+              <a:t>Results (</a:t>
+            </a:r>
+            <a:r>
+              <a:rPr lang="en-GB" dirty="0" err="1">
+                <a:solidFill>
+                  <a:schemeClr val="tx1"/>
+                </a:solidFill>
+              </a:rPr>
+              <a:t>tbd</a:t>
+            </a:r>
+            <a:r>
+              <a:rPr lang="en-GB" dirty="0">
+                <a:solidFill>
+                  <a:schemeClr val="tx1"/>
+                </a:solidFill>
+              </a:rPr>
+              <a:t>)</a:t>
             </a:r>
           </a:p>
         </p:txBody>
@@ -6513,7 +6145,7 @@
           <p:cNvPr id="3" name="Inhaltsplatzhalter 2">
             <a:extLst>
               <a:ext uri="{FF2B5EF4-FFF2-40B4-BE49-F238E27FC236}">
-                <a16:creationId xmlns:a16="http://schemas.microsoft.com/office/drawing/2014/main" id="{ABBC937A-AC69-41A6-807A-E9E9230A23AF}"/>
+                <a16:creationId xmlns:a16="http://schemas.microsoft.com/office/drawing/2014/main" id="{97F4FAA9-045A-477F-B15B-12F3FB2EBEFE}"/>
               </a:ext>
             </a:extLst>
           </p:cNvPr>
@@ -6526,7 +6158,7 @@
         </p:nvSpPr>
         <p:spPr>
           <a:xfrm>
-            <a:off x="1601931" y="1613088"/>
+            <a:off x="1572275" y="1825625"/>
             <a:ext cx="10543031" cy="4206383"/>
           </a:xfrm>
         </p:spPr>
@@ -6534,14 +6166,31 @@
           <a:bodyPr/>
           <a:lstStyle/>
           <a:p>
-            <a:endParaRPr lang="en-GB" dirty="0"/>
+            <a:r>
+              <a:rPr lang="en-GB" dirty="0">
+                <a:solidFill>
+                  <a:schemeClr val="tx1"/>
+                </a:solidFill>
+              </a:rPr>
+              <a:t>**Overall Results plot**</a:t>
+            </a:r>
+          </a:p>
+          <a:p>
+            <a:pPr marL="0" indent="0">
+              <a:buNone/>
+            </a:pPr>
+            <a:endParaRPr lang="en-GB" dirty="0">
+              <a:solidFill>
+                <a:schemeClr val="tx1"/>
+              </a:solidFill>
+            </a:endParaRPr>
           </a:p>
         </p:txBody>
       </p:sp>
     </p:spTree>
     <p:extLst>
       <p:ext uri="{BB962C8B-B14F-4D97-AF65-F5344CB8AC3E}">
-        <p14:creationId xmlns:p14="http://schemas.microsoft.com/office/powerpoint/2010/main" val="2402285307"/>
+        <p14:creationId xmlns:p14="http://schemas.microsoft.com/office/powerpoint/2010/main" val="1361184277"/>
       </p:ext>
     </p:extLst>
   </p:cSld>
@@ -6590,8 +6239,28 @@
           <a:lstStyle/>
           <a:p>
             <a:r>
-              <a:rPr lang="en-GB" dirty="0"/>
-              <a:t>Results / Insights</a:t>
+              <a:rPr lang="en-GB" dirty="0">
+                <a:solidFill>
+                  <a:schemeClr val="tx1"/>
+                </a:solidFill>
+              </a:rPr>
+              <a:t>Best Classifier (</a:t>
+            </a:r>
+            <a:r>
+              <a:rPr lang="en-GB" dirty="0" err="1">
+                <a:solidFill>
+                  <a:schemeClr val="tx1"/>
+                </a:solidFill>
+              </a:rPr>
+              <a:t>tbd</a:t>
+            </a:r>
+            <a:r>
+              <a:rPr lang="en-GB" dirty="0">
+                <a:solidFill>
+                  <a:schemeClr val="tx1"/>
+                </a:solidFill>
+              </a:rPr>
+              <a:t>)</a:t>
             </a:r>
           </a:p>
         </p:txBody>
@@ -6612,42 +6281,262 @@
             <p:ph idx="1"/>
           </p:nvPr>
         </p:nvSpPr>
-        <p:spPr/>
+        <p:spPr>
+          <a:xfrm>
+            <a:off x="1597603" y="1543890"/>
+            <a:ext cx="5036119" cy="709981"/>
+          </a:xfrm>
+        </p:spPr>
         <p:txBody>
           <a:bodyPr/>
           <a:lstStyle/>
           <a:p>
             <a:r>
-              <a:rPr lang="en-GB" dirty="0"/>
-              <a:t>Overall Results plot</a:t>
-            </a:r>
-          </a:p>
-          <a:p>
-            <a:r>
-              <a:rPr lang="en-GB" dirty="0"/>
-              <a:t>Best </a:t>
-            </a:r>
-            <a:r>
-              <a:rPr lang="en-GB" dirty="0" err="1"/>
-              <a:t>Classifie</a:t>
-            </a:r>
-            <a:r>
-              <a:rPr lang="en-GB" dirty="0"/>
-              <a:t> insights</a:t>
+              <a:rPr lang="en-GB" dirty="0">
+                <a:solidFill>
+                  <a:schemeClr val="tx1"/>
+                </a:solidFill>
+              </a:rPr>
+              <a:t>Gradient Boosting</a:t>
             </a:r>
           </a:p>
           <a:p>
             <a:pPr marL="0" indent="0">
               <a:buNone/>
             </a:pPr>
-            <a:endParaRPr lang="en-GB" dirty="0"/>
-          </a:p>
-        </p:txBody>
-      </p:sp>
+            <a:endParaRPr lang="en-GB" dirty="0">
+              <a:solidFill>
+                <a:schemeClr val="tx1"/>
+              </a:solidFill>
+            </a:endParaRPr>
+          </a:p>
+        </p:txBody>
+      </p:sp>
+      <p:pic>
+        <p:nvPicPr>
+          <p:cNvPr id="2050" name="Picture 2">
+            <a:extLst>
+              <a:ext uri="{FF2B5EF4-FFF2-40B4-BE49-F238E27FC236}">
+                <a16:creationId xmlns:a16="http://schemas.microsoft.com/office/drawing/2014/main" id="{1717F33B-2B2B-494E-87B1-49AABEA4D0B3}"/>
+              </a:ext>
+            </a:extLst>
+          </p:cNvPr>
+          <p:cNvPicPr>
+            <a:picLocks noChangeAspect="1" noChangeArrowheads="1"/>
+          </p:cNvPicPr>
+          <p:nvPr/>
+        </p:nvPicPr>
+        <p:blipFill>
+          <a:blip r:embed="rId2">
+            <a:extLst>
+              <a:ext uri="{28A0092B-C50C-407E-A947-70E740481C1C}">
+                <a14:useLocalDpi xmlns:a14="http://schemas.microsoft.com/office/drawing/2010/main" val="0"/>
+              </a:ext>
+            </a:extLst>
+          </a:blip>
+          <a:srcRect/>
+          <a:stretch>
+            <a:fillRect/>
+          </a:stretch>
+        </p:blipFill>
+        <p:spPr bwMode="auto">
+          <a:xfrm>
+            <a:off x="1934323" y="2640878"/>
+            <a:ext cx="3403797" cy="3031797"/>
+          </a:xfrm>
+          <a:prstGeom prst="rect">
+            <a:avLst/>
+          </a:prstGeom>
+          <a:noFill/>
+          <a:extLst>
+            <a:ext uri="{909E8E84-426E-40DD-AFC4-6F175D3DCCD1}">
+              <a14:hiddenFill xmlns:a14="http://schemas.microsoft.com/office/drawing/2010/main">
+                <a:solidFill>
+                  <a:srgbClr val="FFFFFF"/>
+                </a:solidFill>
+              </a14:hiddenFill>
+            </a:ext>
+          </a:extLst>
+        </p:spPr>
+      </p:pic>
+      <mc:AlternateContent xmlns:mc="http://schemas.openxmlformats.org/markup-compatibility/2006">
+        <mc:Choice xmlns:p14="http://schemas.microsoft.com/office/powerpoint/2010/main" Requires="p14">
+          <p:contentPart p14:bwMode="auto" r:id="rId3">
+            <p14:nvContentPartPr>
+              <p14:cNvPr id="8" name="Freihand 7">
+                <a:extLst>
+                  <a:ext uri="{FF2B5EF4-FFF2-40B4-BE49-F238E27FC236}">
+                    <a16:creationId xmlns:a16="http://schemas.microsoft.com/office/drawing/2014/main" id="{88C65630-CFE4-4E72-B4E9-35A52DC2DAE8}"/>
+                  </a:ext>
+                </a:extLst>
+              </p14:cNvPr>
+              <p14:cNvContentPartPr/>
+              <p14:nvPr/>
+            </p14:nvContentPartPr>
+            <p14:xfrm>
+              <a:off x="3560546" y="2390157"/>
+              <a:ext cx="1216080" cy="694800"/>
+            </p14:xfrm>
+          </p:contentPart>
+        </mc:Choice>
+        <mc:Fallback>
+          <p:pic>
+            <p:nvPicPr>
+              <p:cNvPr id="8" name="Freihand 7">
+                <a:extLst>
+                  <a:ext uri="{FF2B5EF4-FFF2-40B4-BE49-F238E27FC236}">
+                    <a16:creationId xmlns:a16="http://schemas.microsoft.com/office/drawing/2014/main" id="{88C65630-CFE4-4E72-B4E9-35A52DC2DAE8}"/>
+                  </a:ext>
+                </a:extLst>
+              </p:cNvPr>
+              <p:cNvPicPr/>
+              <p:nvPr/>
+            </p:nvPicPr>
+            <p:blipFill>
+              <a:blip r:embed="rId4"/>
+              <a:stretch>
+                <a:fillRect/>
+              </a:stretch>
+            </p:blipFill>
+            <p:spPr>
+              <a:xfrm>
+                <a:off x="3556226" y="2385837"/>
+                <a:ext cx="1224720" cy="703440"/>
+              </a:xfrm>
+              <a:prstGeom prst="rect">
+                <a:avLst/>
+              </a:prstGeom>
+            </p:spPr>
+          </p:pic>
+        </mc:Fallback>
+      </mc:AlternateContent>
+      <p:grpSp>
+        <p:nvGrpSpPr>
+          <p:cNvPr id="11" name="Gruppieren 10">
+            <a:extLst>
+              <a:ext uri="{FF2B5EF4-FFF2-40B4-BE49-F238E27FC236}">
+                <a16:creationId xmlns:a16="http://schemas.microsoft.com/office/drawing/2014/main" id="{6198BD6C-28B8-4DF4-B683-C8E1AD62037D}"/>
+              </a:ext>
+            </a:extLst>
+          </p:cNvPr>
+          <p:cNvGrpSpPr/>
+          <p:nvPr/>
+        </p:nvGrpSpPr>
+        <p:grpSpPr>
+          <a:xfrm>
+            <a:off x="1563986" y="4146237"/>
+            <a:ext cx="937800" cy="1342800"/>
+            <a:chOff x="1563986" y="4146237"/>
+            <a:chExt cx="937800" cy="1342800"/>
+          </a:xfrm>
+        </p:grpSpPr>
+        <mc:AlternateContent xmlns:mc="http://schemas.openxmlformats.org/markup-compatibility/2006">
+          <mc:Choice xmlns:p14="http://schemas.microsoft.com/office/powerpoint/2010/main" Requires="p14">
+            <p:contentPart p14:bwMode="auto" r:id="rId5">
+              <p14:nvContentPartPr>
+                <p14:cNvPr id="9" name="Freihand 8">
+                  <a:extLst>
+                    <a:ext uri="{FF2B5EF4-FFF2-40B4-BE49-F238E27FC236}">
+                      <a16:creationId xmlns:a16="http://schemas.microsoft.com/office/drawing/2014/main" id="{D87FBA2B-EA36-4C74-B0A6-BFAA5547AC34}"/>
+                    </a:ext>
+                  </a:extLst>
+                </p14:cNvPr>
+                <p14:cNvContentPartPr/>
+                <p14:nvPr/>
+              </p14:nvContentPartPr>
+              <p14:xfrm>
+                <a:off x="1592786" y="4146237"/>
+                <a:ext cx="790200" cy="1342800"/>
+              </p14:xfrm>
+            </p:contentPart>
+          </mc:Choice>
+          <mc:Fallback>
+            <p:pic>
+              <p:nvPicPr>
+                <p:cNvPr id="9" name="Freihand 8">
+                  <a:extLst>
+                    <a:ext uri="{FF2B5EF4-FFF2-40B4-BE49-F238E27FC236}">
+                      <a16:creationId xmlns:a16="http://schemas.microsoft.com/office/drawing/2014/main" id="{D87FBA2B-EA36-4C74-B0A6-BFAA5547AC34}"/>
+                    </a:ext>
+                  </a:extLst>
+                </p:cNvPr>
+                <p:cNvPicPr/>
+                <p:nvPr/>
+              </p:nvPicPr>
+              <p:blipFill>
+                <a:blip r:embed="rId6"/>
+                <a:stretch>
+                  <a:fillRect/>
+                </a:stretch>
+              </p:blipFill>
+              <p:spPr>
+                <a:xfrm>
+                  <a:off x="1588466" y="4141917"/>
+                  <a:ext cx="798840" cy="1351440"/>
+                </a:xfrm>
+                <a:prstGeom prst="rect">
+                  <a:avLst/>
+                </a:prstGeom>
+              </p:spPr>
+            </p:pic>
+          </mc:Fallback>
+        </mc:AlternateContent>
+        <mc:AlternateContent xmlns:mc="http://schemas.openxmlformats.org/markup-compatibility/2006">
+          <mc:Choice xmlns:p14="http://schemas.microsoft.com/office/powerpoint/2010/main" Requires="p14">
+            <p:contentPart p14:bwMode="auto" r:id="rId7">
+              <p14:nvContentPartPr>
+                <p14:cNvPr id="10" name="Freihand 9">
+                  <a:extLst>
+                    <a:ext uri="{FF2B5EF4-FFF2-40B4-BE49-F238E27FC236}">
+                      <a16:creationId xmlns:a16="http://schemas.microsoft.com/office/drawing/2014/main" id="{62A9C9E8-82F3-4650-B3D6-B8BD1F5B77E2}"/>
+                    </a:ext>
+                  </a:extLst>
+                </p14:cNvPr>
+                <p14:cNvContentPartPr/>
+                <p14:nvPr/>
+              </p14:nvContentPartPr>
+              <p14:xfrm>
+                <a:off x="1563986" y="4463397"/>
+                <a:ext cx="937800" cy="1019160"/>
+              </p14:xfrm>
+            </p:contentPart>
+          </mc:Choice>
+          <mc:Fallback>
+            <p:pic>
+              <p:nvPicPr>
+                <p:cNvPr id="10" name="Freihand 9">
+                  <a:extLst>
+                    <a:ext uri="{FF2B5EF4-FFF2-40B4-BE49-F238E27FC236}">
+                      <a16:creationId xmlns:a16="http://schemas.microsoft.com/office/drawing/2014/main" id="{62A9C9E8-82F3-4650-B3D6-B8BD1F5B77E2}"/>
+                    </a:ext>
+                  </a:extLst>
+                </p:cNvPr>
+                <p:cNvPicPr/>
+                <p:nvPr/>
+              </p:nvPicPr>
+              <p:blipFill>
+                <a:blip r:embed="rId8"/>
+                <a:stretch>
+                  <a:fillRect/>
+                </a:stretch>
+              </p:blipFill>
+              <p:spPr>
+                <a:xfrm>
+                  <a:off x="1559666" y="4459077"/>
+                  <a:ext cx="946440" cy="1027800"/>
+                </a:xfrm>
+                <a:prstGeom prst="rect">
+                  <a:avLst/>
+                </a:prstGeom>
+              </p:spPr>
+            </p:pic>
+          </mc:Fallback>
+        </mc:AlternateContent>
+      </p:grpSp>
     </p:spTree>
     <p:extLst>
       <p:ext uri="{BB962C8B-B14F-4D97-AF65-F5344CB8AC3E}">
-        <p14:creationId xmlns:p14="http://schemas.microsoft.com/office/powerpoint/2010/main" val="1361184277"/>
+        <p14:creationId xmlns:p14="http://schemas.microsoft.com/office/powerpoint/2010/main" val="1336107129"/>
       </p:ext>
     </p:extLst>
   </p:cSld>
@@ -6690,53 +6579,396 @@
             <p:ph type="title"/>
           </p:nvPr>
         </p:nvSpPr>
-        <p:spPr/>
-        <p:txBody>
-          <a:bodyPr/>
-          <a:lstStyle/>
-          <a:p>
-            <a:r>
-              <a:rPr lang="en-GB" dirty="0"/>
-              <a:t>Difficulties</a:t>
-            </a:r>
-          </a:p>
-        </p:txBody>
-      </p:sp>
-      <p:sp>
-        <p:nvSpPr>
-          <p:cNvPr id="3" name="Inhaltsplatzhalter 2">
-            <a:extLst>
-              <a:ext uri="{FF2B5EF4-FFF2-40B4-BE49-F238E27FC236}">
-                <a16:creationId xmlns:a16="http://schemas.microsoft.com/office/drawing/2014/main" id="{5CC1DEF8-D3C0-457D-AC2D-5125B1DC11F1}"/>
-              </a:ext>
-            </a:extLst>
-          </p:cNvPr>
-          <p:cNvSpPr>
-            <a:spLocks noGrp="1"/>
-          </p:cNvSpPr>
-          <p:nvPr>
-            <p:ph idx="1"/>
-          </p:nvPr>
-        </p:nvSpPr>
         <p:spPr>
           <a:xfrm>
-            <a:off x="1517905" y="1499407"/>
-            <a:ext cx="10543031" cy="4206383"/>
+            <a:off x="424743" y="3179834"/>
+            <a:ext cx="5866494" cy="1073201"/>
           </a:xfrm>
         </p:spPr>
         <p:txBody>
-          <a:bodyPr/>
+          <a:bodyPr>
+            <a:normAutofit/>
+          </a:bodyPr>
           <a:lstStyle/>
           <a:p>
             <a:r>
-              <a:rPr lang="en-GB" dirty="0"/>
+              <a:rPr lang="en-GB" sz="4800" dirty="0">
+                <a:solidFill>
+                  <a:schemeClr val="tx1"/>
+                </a:solidFill>
+              </a:rPr>
+              <a:t>Further Actions</a:t>
+            </a:r>
+          </a:p>
+        </p:txBody>
+      </p:sp>
+      <p:sp>
+        <p:nvSpPr>
+          <p:cNvPr id="3" name="Inhaltsplatzhalter 2">
+            <a:extLst>
+              <a:ext uri="{FF2B5EF4-FFF2-40B4-BE49-F238E27FC236}">
+                <a16:creationId xmlns:a16="http://schemas.microsoft.com/office/drawing/2014/main" id="{5CC1DEF8-D3C0-457D-AC2D-5125B1DC11F1}"/>
+              </a:ext>
+            </a:extLst>
+          </p:cNvPr>
+          <p:cNvSpPr>
+            <a:spLocks noGrp="1"/>
+          </p:cNvSpPr>
+          <p:nvPr>
+            <p:ph idx="1"/>
+          </p:nvPr>
+        </p:nvSpPr>
+        <p:spPr>
+          <a:xfrm>
+            <a:off x="1542617" y="4276002"/>
+            <a:ext cx="6657325" cy="1757835"/>
+          </a:xfrm>
+        </p:spPr>
+        <p:txBody>
+          <a:bodyPr>
+            <a:normAutofit/>
+          </a:bodyPr>
+          <a:lstStyle/>
+          <a:p>
+            <a:r>
+              <a:rPr lang="en-GB" sz="2000" dirty="0">
+                <a:solidFill>
+                  <a:schemeClr val="tx1"/>
+                </a:solidFill>
+              </a:rPr>
+              <a:t>Apply more Imputing Methods</a:t>
+            </a:r>
+          </a:p>
+          <a:p>
+            <a:r>
+              <a:rPr lang="en-GB" sz="2000" dirty="0">
+                <a:solidFill>
+                  <a:schemeClr val="tx1"/>
+                </a:solidFill>
+              </a:rPr>
+              <a:t>Causality-based feature selection</a:t>
+            </a:r>
+          </a:p>
+          <a:p>
+            <a:r>
+              <a:rPr lang="en-GB" sz="2000" dirty="0">
+                <a:solidFill>
+                  <a:schemeClr val="tx1"/>
+                </a:solidFill>
+              </a:rPr>
+              <a:t>Hyperparameter tuning including all values at once</a:t>
+            </a:r>
+          </a:p>
+        </p:txBody>
+      </p:sp>
+      <p:sp>
+        <p:nvSpPr>
+          <p:cNvPr id="4" name="Titel 1">
+            <a:extLst>
+              <a:ext uri="{FF2B5EF4-FFF2-40B4-BE49-F238E27FC236}">
+                <a16:creationId xmlns:a16="http://schemas.microsoft.com/office/drawing/2014/main" id="{FABDE08B-3F6A-422E-A839-531B90C1E820}"/>
+              </a:ext>
+            </a:extLst>
+          </p:cNvPr>
+          <p:cNvSpPr txBox="1">
+            <a:spLocks/>
+          </p:cNvSpPr>
+          <p:nvPr/>
+        </p:nvSpPr>
+        <p:spPr>
+          <a:xfrm>
+            <a:off x="424743" y="375006"/>
+            <a:ext cx="10543032" cy="1325563"/>
+          </a:xfrm>
+          <a:prstGeom prst="rect">
+            <a:avLst/>
+          </a:prstGeom>
+        </p:spPr>
+        <p:txBody>
+          <a:bodyPr vert="horz" lIns="91440" tIns="45720" rIns="91440" bIns="45720" rtlCol="0" anchor="ctr">
+            <a:normAutofit/>
+          </a:bodyPr>
+          <a:lstStyle>
+            <a:lvl1pPr algn="l" defTabSz="914400" rtl="0" eaLnBrk="1" latinLnBrk="0" hangingPunct="1">
+              <a:lnSpc>
+                <a:spcPct val="90000"/>
+              </a:lnSpc>
+              <a:spcBef>
+                <a:spcPct val="0"/>
+              </a:spcBef>
+              <a:buNone/>
+              <a:defRPr sz="5200" kern="1200">
+                <a:solidFill>
+                  <a:schemeClr val="tx2"/>
+                </a:solidFill>
+                <a:latin typeface="+mj-lt"/>
+                <a:ea typeface="+mj-ea"/>
+                <a:cs typeface="+mj-cs"/>
+              </a:defRPr>
+            </a:lvl1pPr>
+          </a:lstStyle>
+          <a:p>
+            <a:r>
+              <a:rPr lang="en-GB" sz="4800" dirty="0">
+                <a:solidFill>
+                  <a:schemeClr val="tx1"/>
+                </a:solidFill>
+              </a:rPr>
+              <a:t>Difficulties (</a:t>
+            </a:r>
+            <a:r>
+              <a:rPr lang="en-GB" sz="4800" dirty="0" err="1">
+                <a:solidFill>
+                  <a:schemeClr val="tx1"/>
+                </a:solidFill>
+              </a:rPr>
+              <a:t>tbd</a:t>
+            </a:r>
+            <a:r>
+              <a:rPr lang="en-GB" sz="4800" dirty="0">
+                <a:solidFill>
+                  <a:schemeClr val="tx1"/>
+                </a:solidFill>
+              </a:rPr>
+              <a:t>)</a:t>
+            </a:r>
+          </a:p>
+        </p:txBody>
+      </p:sp>
+      <p:sp>
+        <p:nvSpPr>
+          <p:cNvPr id="5" name="Inhaltsplatzhalter 2">
+            <a:extLst>
+              <a:ext uri="{FF2B5EF4-FFF2-40B4-BE49-F238E27FC236}">
+                <a16:creationId xmlns:a16="http://schemas.microsoft.com/office/drawing/2014/main" id="{66ABDECF-CF52-4F46-AAF6-8282C80392B3}"/>
+              </a:ext>
+            </a:extLst>
+          </p:cNvPr>
+          <p:cNvSpPr txBox="1">
+            <a:spLocks/>
+          </p:cNvSpPr>
+          <p:nvPr/>
+        </p:nvSpPr>
+        <p:spPr>
+          <a:xfrm>
+            <a:off x="1542617" y="1492293"/>
+            <a:ext cx="5312912" cy="1799548"/>
+          </a:xfrm>
+          <a:prstGeom prst="rect">
+            <a:avLst/>
+          </a:prstGeom>
+        </p:spPr>
+        <p:txBody>
+          <a:bodyPr vert="horz" lIns="91440" tIns="45720" rIns="91440" bIns="45720" rtlCol="0">
+            <a:normAutofit/>
+          </a:bodyPr>
+          <a:lstStyle>
+            <a:lvl1pPr marL="228600" indent="-228600" algn="l" defTabSz="914400" rtl="0" eaLnBrk="1" latinLnBrk="0" hangingPunct="1">
+              <a:lnSpc>
+                <a:spcPct val="100000"/>
+              </a:lnSpc>
+              <a:spcBef>
+                <a:spcPts val="1000"/>
+              </a:spcBef>
+              <a:buClr>
+                <a:schemeClr val="accent2"/>
+              </a:buClr>
+              <a:buFont typeface="Wingdings 2" panose="05020102010507070707" pitchFamily="18" charset="2"/>
+              <a:buChar char=""/>
+              <a:defRPr sz="2400" kern="1200">
+                <a:solidFill>
+                  <a:schemeClr val="tx2"/>
+                </a:solidFill>
+                <a:latin typeface="+mn-lt"/>
+                <a:ea typeface="+mn-ea"/>
+                <a:cs typeface="+mn-cs"/>
+              </a:defRPr>
+            </a:lvl1pPr>
+            <a:lvl2pPr marL="685800" indent="-228600" algn="l" defTabSz="914400" rtl="0" eaLnBrk="1" latinLnBrk="0" hangingPunct="1">
+              <a:lnSpc>
+                <a:spcPct val="100000"/>
+              </a:lnSpc>
+              <a:spcBef>
+                <a:spcPts val="500"/>
+              </a:spcBef>
+              <a:buClr>
+                <a:schemeClr val="accent2"/>
+              </a:buClr>
+              <a:buFont typeface="Wingdings 2" panose="05020102010507070707" pitchFamily="18" charset="2"/>
+              <a:buChar char=""/>
+              <a:defRPr sz="2200" kern="1200">
+                <a:solidFill>
+                  <a:schemeClr val="tx2"/>
+                </a:solidFill>
+                <a:latin typeface="+mn-lt"/>
+                <a:ea typeface="+mn-ea"/>
+                <a:cs typeface="+mn-cs"/>
+              </a:defRPr>
+            </a:lvl2pPr>
+            <a:lvl3pPr marL="1143000" indent="-228600" algn="l" defTabSz="914400" rtl="0" eaLnBrk="1" latinLnBrk="0" hangingPunct="1">
+              <a:lnSpc>
+                <a:spcPct val="100000"/>
+              </a:lnSpc>
+              <a:spcBef>
+                <a:spcPts val="500"/>
+              </a:spcBef>
+              <a:buClr>
+                <a:schemeClr val="accent2"/>
+              </a:buClr>
+              <a:buFont typeface="Wingdings 2" panose="05020102010507070707" pitchFamily="18" charset="2"/>
+              <a:buChar char=""/>
+              <a:defRPr sz="1600" kern="1200">
+                <a:solidFill>
+                  <a:schemeClr val="tx2"/>
+                </a:solidFill>
+                <a:latin typeface="+mn-lt"/>
+                <a:ea typeface="+mn-ea"/>
+                <a:cs typeface="+mn-cs"/>
+              </a:defRPr>
+            </a:lvl3pPr>
+            <a:lvl4pPr marL="1600200" indent="-228600" algn="l" defTabSz="914400" rtl="0" eaLnBrk="1" latinLnBrk="0" hangingPunct="1">
+              <a:lnSpc>
+                <a:spcPct val="100000"/>
+              </a:lnSpc>
+              <a:spcBef>
+                <a:spcPts val="500"/>
+              </a:spcBef>
+              <a:buClr>
+                <a:schemeClr val="accent2"/>
+              </a:buClr>
+              <a:buFont typeface="Wingdings 2" panose="05020102010507070707" pitchFamily="18" charset="2"/>
+              <a:buChar char=""/>
+              <a:defRPr sz="1400" kern="1200">
+                <a:solidFill>
+                  <a:schemeClr val="tx2"/>
+                </a:solidFill>
+                <a:latin typeface="+mn-lt"/>
+                <a:ea typeface="+mn-ea"/>
+                <a:cs typeface="+mn-cs"/>
+              </a:defRPr>
+            </a:lvl4pPr>
+            <a:lvl5pPr marL="2057400" indent="-228600" algn="l" defTabSz="914400" rtl="0" eaLnBrk="1" latinLnBrk="0" hangingPunct="1">
+              <a:lnSpc>
+                <a:spcPct val="100000"/>
+              </a:lnSpc>
+              <a:spcBef>
+                <a:spcPts val="500"/>
+              </a:spcBef>
+              <a:buClr>
+                <a:schemeClr val="accent2"/>
+              </a:buClr>
+              <a:buFont typeface="Wingdings 2" panose="05020102010507070707" pitchFamily="18" charset="2"/>
+              <a:buChar char=""/>
+              <a:defRPr sz="1200" kern="1200">
+                <a:solidFill>
+                  <a:schemeClr val="tx2"/>
+                </a:solidFill>
+                <a:latin typeface="+mn-lt"/>
+                <a:ea typeface="+mn-ea"/>
+                <a:cs typeface="+mn-cs"/>
+              </a:defRPr>
+            </a:lvl5pPr>
+            <a:lvl6pPr marL="2514600" indent="-228600" algn="l" defTabSz="914400" rtl="0" eaLnBrk="1" latinLnBrk="0" hangingPunct="1">
+              <a:lnSpc>
+                <a:spcPct val="90000"/>
+              </a:lnSpc>
+              <a:spcBef>
+                <a:spcPts val="500"/>
+              </a:spcBef>
+              <a:buFont typeface="Arial" panose="020B0604020202020204" pitchFamily="34" charset="0"/>
+              <a:buChar char="•"/>
+              <a:defRPr sz="1800" kern="1200">
+                <a:solidFill>
+                  <a:schemeClr val="tx1"/>
+                </a:solidFill>
+                <a:latin typeface="+mn-lt"/>
+                <a:ea typeface="+mn-ea"/>
+                <a:cs typeface="+mn-cs"/>
+              </a:defRPr>
+            </a:lvl6pPr>
+            <a:lvl7pPr marL="2971800" indent="-228600" algn="l" defTabSz="914400" rtl="0" eaLnBrk="1" latinLnBrk="0" hangingPunct="1">
+              <a:lnSpc>
+                <a:spcPct val="90000"/>
+              </a:lnSpc>
+              <a:spcBef>
+                <a:spcPts val="500"/>
+              </a:spcBef>
+              <a:buFont typeface="Arial" panose="020B0604020202020204" pitchFamily="34" charset="0"/>
+              <a:buChar char="•"/>
+              <a:defRPr sz="1800" kern="1200">
+                <a:solidFill>
+                  <a:schemeClr val="tx1"/>
+                </a:solidFill>
+                <a:latin typeface="+mn-lt"/>
+                <a:ea typeface="+mn-ea"/>
+                <a:cs typeface="+mn-cs"/>
+              </a:defRPr>
+            </a:lvl7pPr>
+            <a:lvl8pPr marL="3429000" indent="-228600" algn="l" defTabSz="914400" rtl="0" eaLnBrk="1" latinLnBrk="0" hangingPunct="1">
+              <a:lnSpc>
+                <a:spcPct val="90000"/>
+              </a:lnSpc>
+              <a:spcBef>
+                <a:spcPts val="500"/>
+              </a:spcBef>
+              <a:buFont typeface="Arial" panose="020B0604020202020204" pitchFamily="34" charset="0"/>
+              <a:buChar char="•"/>
+              <a:defRPr sz="1800" kern="1200">
+                <a:solidFill>
+                  <a:schemeClr val="tx1"/>
+                </a:solidFill>
+                <a:latin typeface="+mn-lt"/>
+                <a:ea typeface="+mn-ea"/>
+                <a:cs typeface="+mn-cs"/>
+              </a:defRPr>
+            </a:lvl8pPr>
+            <a:lvl9pPr marL="3886200" indent="-228600" algn="l" defTabSz="914400" rtl="0" eaLnBrk="1" latinLnBrk="0" hangingPunct="1">
+              <a:lnSpc>
+                <a:spcPct val="90000"/>
+              </a:lnSpc>
+              <a:spcBef>
+                <a:spcPts val="500"/>
+              </a:spcBef>
+              <a:buFont typeface="Arial" panose="020B0604020202020204" pitchFamily="34" charset="0"/>
+              <a:buChar char="•"/>
+              <a:defRPr sz="1800" kern="1200">
+                <a:solidFill>
+                  <a:schemeClr val="tx1"/>
+                </a:solidFill>
+                <a:latin typeface="+mn-lt"/>
+                <a:ea typeface="+mn-ea"/>
+                <a:cs typeface="+mn-cs"/>
+              </a:defRPr>
+            </a:lvl9pPr>
+          </a:lstStyle>
+          <a:p>
+            <a:r>
+              <a:rPr lang="en-GB" sz="2000" dirty="0">
+                <a:solidFill>
+                  <a:schemeClr val="tx1"/>
+                </a:solidFill>
+              </a:rPr>
               <a:t>Lack of Processing Power</a:t>
             </a:r>
           </a:p>
           <a:p>
             <a:r>
-              <a:rPr lang="en-GB" dirty="0"/>
+              <a:rPr lang="en-GB" sz="2000" dirty="0">
+                <a:solidFill>
+                  <a:schemeClr val="tx1"/>
+                </a:solidFill>
+              </a:rPr>
               <a:t>Overfitting </a:t>
+            </a:r>
+          </a:p>
+          <a:p>
+            <a:r>
+              <a:rPr lang="en-GB" sz="2000" dirty="0">
+                <a:solidFill>
+                  <a:schemeClr val="tx1"/>
+                </a:solidFill>
+              </a:rPr>
+              <a:t>Finding optimal parameters</a:t>
             </a:r>
           </a:p>
         </p:txBody>
@@ -6744,7 +6976,7 @@
     </p:spTree>
     <p:extLst>
       <p:ext uri="{BB962C8B-B14F-4D97-AF65-F5344CB8AC3E}">
-        <p14:creationId xmlns:p14="http://schemas.microsoft.com/office/powerpoint/2010/main" val="2166392057"/>
+        <p14:creationId xmlns:p14="http://schemas.microsoft.com/office/powerpoint/2010/main" val="2435305934"/>
       </p:ext>
     </p:extLst>
   </p:cSld>

--- a/Group2_ML_Project_Presentation.pptx
+++ b/Group2_ML_Project_Presentation.pptx
@@ -9,8 +9,8 @@
     <p:sldId id="257" r:id="rId3"/>
     <p:sldId id="264" r:id="rId4"/>
     <p:sldId id="263" r:id="rId5"/>
-    <p:sldId id="259" r:id="rId6"/>
-    <p:sldId id="265" r:id="rId7"/>
+    <p:sldId id="265" r:id="rId6"/>
+    <p:sldId id="259" r:id="rId7"/>
     <p:sldId id="260" r:id="rId8"/>
     <p:sldId id="267" r:id="rId9"/>
     <p:sldId id="266" r:id="rId10"/>
@@ -122,8 +122,8 @@
             <p14:sldId id="257"/>
             <p14:sldId id="264"/>
             <p14:sldId id="263"/>
+            <p14:sldId id="265"/>
             <p14:sldId id="259"/>
-            <p14:sldId id="265"/>
             <p14:sldId id="260"/>
             <p14:sldId id="267"/>
             <p14:sldId id="266"/>
@@ -5713,14 +5713,6 @@
 <file path=ppt/slides/slide5.xml><?xml version="1.0" encoding="utf-8"?>
 <p:sld xmlns:a="http://schemas.openxmlformats.org/drawingml/2006/main" xmlns:r="http://schemas.openxmlformats.org/officeDocument/2006/relationships" xmlns:p="http://schemas.openxmlformats.org/presentationml/2006/main">
   <p:cSld>
-    <p:bg>
-      <p:bgPr>
-        <a:solidFill>
-          <a:schemeClr val="bg1"/>
-        </a:solidFill>
-        <a:effectLst/>
-      </p:bgPr>
-    </p:bg>
     <p:spTree>
       <p:nvGrpSpPr>
         <p:cNvPr id="1" name=""/>
@@ -5737,145 +5729,6 @@
       </p:grpSpPr>
       <p:sp>
         <p:nvSpPr>
-          <p:cNvPr id="18" name="Titel 1">
-            <a:extLst>
-              <a:ext uri="{FF2B5EF4-FFF2-40B4-BE49-F238E27FC236}">
-                <a16:creationId xmlns:a16="http://schemas.microsoft.com/office/drawing/2014/main" id="{0F1B861B-984C-4C62-83D5-4927D77441DE}"/>
-              </a:ext>
-            </a:extLst>
-          </p:cNvPr>
-          <p:cNvSpPr txBox="1">
-            <a:spLocks/>
-          </p:cNvSpPr>
-          <p:nvPr/>
-        </p:nvSpPr>
-        <p:spPr>
-          <a:xfrm>
-            <a:off x="420624" y="365125"/>
-            <a:ext cx="10543032" cy="1325563"/>
-          </a:xfrm>
-          <a:prstGeom prst="rect">
-            <a:avLst/>
-          </a:prstGeom>
-        </p:spPr>
-        <p:txBody>
-          <a:bodyPr vert="horz" lIns="91440" tIns="45720" rIns="91440" bIns="45720" rtlCol="0" anchor="ctr">
-            <a:normAutofit fontScale="92500"/>
-          </a:bodyPr>
-          <a:lstStyle>
-            <a:lvl1pPr algn="l" defTabSz="914400" rtl="0" eaLnBrk="1" latinLnBrk="0" hangingPunct="1">
-              <a:lnSpc>
-                <a:spcPct val="90000"/>
-              </a:lnSpc>
-              <a:spcBef>
-                <a:spcPct val="0"/>
-              </a:spcBef>
-              <a:buNone/>
-              <a:defRPr sz="5200" kern="1200">
-                <a:solidFill>
-                  <a:schemeClr val="tx2"/>
-                </a:solidFill>
-                <a:latin typeface="+mj-lt"/>
-                <a:ea typeface="+mj-ea"/>
-                <a:cs typeface="+mj-cs"/>
-              </a:defRPr>
-            </a:lvl1pPr>
-          </a:lstStyle>
-          <a:p>
-            <a:r>
-              <a:rPr lang="en-US" sz="5400" dirty="0">
-                <a:solidFill>
-                  <a:schemeClr val="tx1"/>
-                </a:solidFill>
-              </a:rPr>
-              <a:t>Trained and Tested Classifiers (</a:t>
-            </a:r>
-            <a:r>
-              <a:rPr lang="en-US" sz="5400" dirty="0" err="1">
-                <a:solidFill>
-                  <a:schemeClr val="tx1"/>
-                </a:solidFill>
-              </a:rPr>
-              <a:t>tbd</a:t>
-            </a:r>
-            <a:r>
-              <a:rPr lang="en-US" sz="5400" dirty="0">
-                <a:solidFill>
-                  <a:schemeClr val="tx1"/>
-                </a:solidFill>
-              </a:rPr>
-              <a:t>)</a:t>
-            </a:r>
-            <a:endParaRPr lang="en-GB" dirty="0">
-              <a:solidFill>
-                <a:schemeClr val="tx1"/>
-              </a:solidFill>
-            </a:endParaRPr>
-          </a:p>
-        </p:txBody>
-      </p:sp>
-      <p:pic>
-        <p:nvPicPr>
-          <p:cNvPr id="16" name="Grafik 15">
-            <a:extLst>
-              <a:ext uri="{FF2B5EF4-FFF2-40B4-BE49-F238E27FC236}">
-                <a16:creationId xmlns:a16="http://schemas.microsoft.com/office/drawing/2014/main" id="{EB746322-17FF-4CB6-AC2B-8B4DC5776387}"/>
-              </a:ext>
-            </a:extLst>
-          </p:cNvPr>
-          <p:cNvPicPr>
-            <a:picLocks noChangeAspect="1"/>
-          </p:cNvPicPr>
-          <p:nvPr/>
-        </p:nvPicPr>
-        <p:blipFill>
-          <a:blip r:embed="rId2"/>
-          <a:stretch>
-            <a:fillRect/>
-          </a:stretch>
-        </p:blipFill>
-        <p:spPr>
-          <a:xfrm>
-            <a:off x="94935" y="1753701"/>
-            <a:ext cx="11894414" cy="3693158"/>
-          </a:xfrm>
-          <a:prstGeom prst="rect">
-            <a:avLst/>
-          </a:prstGeom>
-        </p:spPr>
-      </p:pic>
-    </p:spTree>
-    <p:extLst>
-      <p:ext uri="{BB962C8B-B14F-4D97-AF65-F5344CB8AC3E}">
-        <p14:creationId xmlns:p14="http://schemas.microsoft.com/office/powerpoint/2010/main" val="3629285196"/>
-      </p:ext>
-    </p:extLst>
-  </p:cSld>
-  <p:clrMapOvr>
-    <a:masterClrMapping/>
-  </p:clrMapOvr>
-</p:sld>
-</file>
-
-<file path=ppt/slides/slide6.xml><?xml version="1.0" encoding="utf-8"?>
-<p:sld xmlns:a="http://schemas.openxmlformats.org/drawingml/2006/main" xmlns:r="http://schemas.openxmlformats.org/officeDocument/2006/relationships" xmlns:p="http://schemas.openxmlformats.org/presentationml/2006/main">
-  <p:cSld>
-    <p:spTree>
-      <p:nvGrpSpPr>
-        <p:cNvPr id="1" name=""/>
-        <p:cNvGrpSpPr/>
-        <p:nvPr/>
-      </p:nvGrpSpPr>
-      <p:grpSpPr>
-        <a:xfrm>
-          <a:off x="0" y="0"/>
-          <a:ext cx="0" cy="0"/>
-          <a:chOff x="0" y="0"/>
-          <a:chExt cx="0" cy="0"/>
-        </a:xfrm>
-      </p:grpSpPr>
-      <p:sp>
-        <p:nvSpPr>
           <p:cNvPr id="2" name="Titel 1">
             <a:extLst>
               <a:ext uri="{FF2B5EF4-FFF2-40B4-BE49-F238E27FC236}">
@@ -5936,8 +5789,8 @@
         </p:nvGrpSpPr>
         <p:grpSpPr>
           <a:xfrm>
-            <a:off x="6268995" y="1690688"/>
-            <a:ext cx="5655675" cy="3896833"/>
+            <a:off x="6000441" y="1611604"/>
+            <a:ext cx="5993427" cy="4172524"/>
             <a:chOff x="3180726" y="115407"/>
             <a:chExt cx="7782930" cy="4933116"/>
           </a:xfrm>
@@ -6022,7 +5875,7 @@
         <p:spPr>
           <a:xfrm>
             <a:off x="1572275" y="1656337"/>
-            <a:ext cx="4966921" cy="1772663"/>
+            <a:ext cx="4966921" cy="4388588"/>
           </a:xfrm>
         </p:spPr>
         <p:txBody>
@@ -6037,7 +5890,7 @@
                   <a:schemeClr val="tx1"/>
                 </a:solidFill>
               </a:rPr>
-              <a:t>Hyperparameter Tuning</a:t>
+              <a:t>Hyperparameter tuning</a:t>
             </a:r>
           </a:p>
           <a:p>
@@ -6047,7 +5900,7 @@
                   <a:schemeClr val="tx1"/>
                 </a:solidFill>
               </a:rPr>
-              <a:t>Reducing Overfitting by in-/decreasing parameters manually</a:t>
+              <a:t>Reducing overfitting by in-/decreasing parameters manually</a:t>
             </a:r>
           </a:p>
           <a:p>
@@ -6057,7 +5910,54 @@
                   <a:schemeClr val="tx1"/>
                 </a:solidFill>
               </a:rPr>
-              <a:t>Bagging Method</a:t>
+              <a:t>Bagging method</a:t>
+            </a:r>
+          </a:p>
+          <a:p>
+            <a:r>
+              <a:rPr lang="en-GB" sz="1800" dirty="0">
+                <a:solidFill>
+                  <a:schemeClr val="tx1"/>
+                </a:solidFill>
+              </a:rPr>
+              <a:t>Balanced/Unbalanced data set</a:t>
+            </a:r>
+          </a:p>
+          <a:p>
+            <a:endParaRPr lang="en-GB" sz="1800" dirty="0">
+              <a:solidFill>
+                <a:schemeClr val="tx1"/>
+              </a:solidFill>
+            </a:endParaRPr>
+          </a:p>
+          <a:p>
+            <a:pPr>
+              <a:buFont typeface="Wingdings" panose="05000000000000000000" pitchFamily="2" charset="2"/>
+              <a:buChar char="à"/>
+            </a:pPr>
+            <a:r>
+              <a:rPr lang="en-GB" sz="1800" dirty="0">
+                <a:solidFill>
+                  <a:schemeClr val="tx1"/>
+                </a:solidFill>
+                <a:sym typeface="Wingdings" panose="05000000000000000000" pitchFamily="2" charset="2"/>
+              </a:rPr>
+              <a:t> Train/Test Score</a:t>
+            </a:r>
+          </a:p>
+          <a:p>
+            <a:pPr>
+              <a:buFont typeface="Wingdings" panose="05000000000000000000" pitchFamily="2" charset="2"/>
+              <a:buChar char="à"/>
+            </a:pPr>
+            <a:r>
+              <a:rPr lang="en-GB" sz="1800" dirty="0">
+                <a:solidFill>
+                  <a:schemeClr val="tx1"/>
+                </a:solidFill>
+                <a:sym typeface="Wingdings" panose="05000000000000000000" pitchFamily="2" charset="2"/>
+              </a:rPr>
+              <a:t> Confusion Matrix</a:t>
             </a:r>
           </a:p>
         </p:txBody>
@@ -6066,6 +5966,153 @@
     <p:extLst>
       <p:ext uri="{BB962C8B-B14F-4D97-AF65-F5344CB8AC3E}">
         <p14:creationId xmlns:p14="http://schemas.microsoft.com/office/powerpoint/2010/main" val="2402285307"/>
+      </p:ext>
+    </p:extLst>
+  </p:cSld>
+  <p:clrMapOvr>
+    <a:masterClrMapping/>
+  </p:clrMapOvr>
+</p:sld>
+</file>
+
+<file path=ppt/slides/slide6.xml><?xml version="1.0" encoding="utf-8"?>
+<p:sld xmlns:a="http://schemas.openxmlformats.org/drawingml/2006/main" xmlns:r="http://schemas.openxmlformats.org/officeDocument/2006/relationships" xmlns:p="http://schemas.openxmlformats.org/presentationml/2006/main">
+  <p:cSld>
+    <p:bg>
+      <p:bgPr>
+        <a:solidFill>
+          <a:schemeClr val="bg1"/>
+        </a:solidFill>
+        <a:effectLst/>
+      </p:bgPr>
+    </p:bg>
+    <p:spTree>
+      <p:nvGrpSpPr>
+        <p:cNvPr id="1" name=""/>
+        <p:cNvGrpSpPr/>
+        <p:nvPr/>
+      </p:nvGrpSpPr>
+      <p:grpSpPr>
+        <a:xfrm>
+          <a:off x="0" y="0"/>
+          <a:ext cx="0" cy="0"/>
+          <a:chOff x="0" y="0"/>
+          <a:chExt cx="0" cy="0"/>
+        </a:xfrm>
+      </p:grpSpPr>
+      <p:sp>
+        <p:nvSpPr>
+          <p:cNvPr id="18" name="Titel 1">
+            <a:extLst>
+              <a:ext uri="{FF2B5EF4-FFF2-40B4-BE49-F238E27FC236}">
+                <a16:creationId xmlns:a16="http://schemas.microsoft.com/office/drawing/2014/main" id="{0F1B861B-984C-4C62-83D5-4927D77441DE}"/>
+              </a:ext>
+            </a:extLst>
+          </p:cNvPr>
+          <p:cNvSpPr txBox="1">
+            <a:spLocks/>
+          </p:cNvSpPr>
+          <p:nvPr/>
+        </p:nvSpPr>
+        <p:spPr>
+          <a:xfrm>
+            <a:off x="420624" y="365125"/>
+            <a:ext cx="10543032" cy="1325563"/>
+          </a:xfrm>
+          <a:prstGeom prst="rect">
+            <a:avLst/>
+          </a:prstGeom>
+        </p:spPr>
+        <p:txBody>
+          <a:bodyPr vert="horz" lIns="91440" tIns="45720" rIns="91440" bIns="45720" rtlCol="0" anchor="ctr">
+            <a:normAutofit fontScale="92500"/>
+          </a:bodyPr>
+          <a:lstStyle>
+            <a:lvl1pPr algn="l" defTabSz="914400" rtl="0" eaLnBrk="1" latinLnBrk="0" hangingPunct="1">
+              <a:lnSpc>
+                <a:spcPct val="90000"/>
+              </a:lnSpc>
+              <a:spcBef>
+                <a:spcPct val="0"/>
+              </a:spcBef>
+              <a:buNone/>
+              <a:defRPr sz="5200" kern="1200">
+                <a:solidFill>
+                  <a:schemeClr val="tx2"/>
+                </a:solidFill>
+                <a:latin typeface="+mj-lt"/>
+                <a:ea typeface="+mj-ea"/>
+                <a:cs typeface="+mj-cs"/>
+              </a:defRPr>
+            </a:lvl1pPr>
+          </a:lstStyle>
+          <a:p>
+            <a:r>
+              <a:rPr lang="en-US" sz="5400" dirty="0">
+                <a:solidFill>
+                  <a:schemeClr val="tx1"/>
+                </a:solidFill>
+              </a:rPr>
+              <a:t>Trained and Tested Classifiers (</a:t>
+            </a:r>
+            <a:r>
+              <a:rPr lang="en-US" sz="5400" dirty="0" err="1">
+                <a:solidFill>
+                  <a:schemeClr val="tx1"/>
+                </a:solidFill>
+              </a:rPr>
+              <a:t>tbd</a:t>
+            </a:r>
+            <a:r>
+              <a:rPr lang="en-US" sz="5400" dirty="0">
+                <a:solidFill>
+                  <a:schemeClr val="tx1"/>
+                </a:solidFill>
+              </a:rPr>
+              <a:t>)</a:t>
+            </a:r>
+            <a:endParaRPr lang="en-GB" dirty="0">
+              <a:solidFill>
+                <a:schemeClr val="tx1"/>
+              </a:solidFill>
+            </a:endParaRPr>
+          </a:p>
+        </p:txBody>
+      </p:sp>
+      <p:pic>
+        <p:nvPicPr>
+          <p:cNvPr id="16" name="Grafik 15">
+            <a:extLst>
+              <a:ext uri="{FF2B5EF4-FFF2-40B4-BE49-F238E27FC236}">
+                <a16:creationId xmlns:a16="http://schemas.microsoft.com/office/drawing/2014/main" id="{EB746322-17FF-4CB6-AC2B-8B4DC5776387}"/>
+              </a:ext>
+            </a:extLst>
+          </p:cNvPr>
+          <p:cNvPicPr>
+            <a:picLocks noChangeAspect="1"/>
+          </p:cNvPicPr>
+          <p:nvPr/>
+        </p:nvPicPr>
+        <p:blipFill>
+          <a:blip r:embed="rId2"/>
+          <a:stretch>
+            <a:fillRect/>
+          </a:stretch>
+        </p:blipFill>
+        <p:spPr>
+          <a:xfrm>
+            <a:off x="94935" y="1753701"/>
+            <a:ext cx="11894414" cy="3693158"/>
+          </a:xfrm>
+          <a:prstGeom prst="rect">
+            <a:avLst/>
+          </a:prstGeom>
+        </p:spPr>
+      </p:pic>
+    </p:spTree>
+    <p:extLst>
+      <p:ext uri="{BB962C8B-B14F-4D97-AF65-F5344CB8AC3E}">
+        <p14:creationId xmlns:p14="http://schemas.microsoft.com/office/powerpoint/2010/main" val="3629285196"/>
       </p:ext>
     </p:extLst>
   </p:cSld>
@@ -6581,7 +6628,7 @@
         </p:nvSpPr>
         <p:spPr>
           <a:xfrm>
-            <a:off x="424743" y="3179834"/>
+            <a:off x="424743" y="2575663"/>
             <a:ext cx="5866494" cy="1073201"/>
           </a:xfrm>
         </p:spPr>
@@ -6620,13 +6667,13 @@
         </p:nvSpPr>
         <p:spPr>
           <a:xfrm>
-            <a:off x="1542617" y="4276002"/>
-            <a:ext cx="6657325" cy="1757835"/>
+            <a:off x="1542617" y="3442592"/>
+            <a:ext cx="10487921" cy="2609183"/>
           </a:xfrm>
         </p:spPr>
         <p:txBody>
           <a:bodyPr>
-            <a:normAutofit/>
+            <a:noAutofit/>
           </a:bodyPr>
           <a:lstStyle/>
           <a:p>
@@ -6646,6 +6693,32 @@
                   <a:schemeClr val="tx1"/>
                 </a:solidFill>
               </a:rPr>
+              <a:t>Create new features</a:t>
+            </a:r>
+            <a:r>
+              <a:rPr lang="en-GB" sz="2000" dirty="0">
+                <a:solidFill>
+                  <a:schemeClr val="tx1"/>
+                </a:solidFill>
+                <a:effectLst/>
+                <a:ea typeface="Calibri" panose="020F0502020204030204" pitchFamily="34" charset="0"/>
+                <a:cs typeface="Times New Roman" panose="02020603050405020304" pitchFamily="18" charset="0"/>
+              </a:rPr>
+              <a:t> , complementing our inflation and momentum terms</a:t>
+            </a:r>
+            <a:endParaRPr lang="en-GB" sz="2000" dirty="0">
+              <a:solidFill>
+                <a:schemeClr val="tx1"/>
+              </a:solidFill>
+            </a:endParaRPr>
+          </a:p>
+          <a:p>
+            <a:r>
+              <a:rPr lang="en-GB" sz="2000" dirty="0">
+                <a:solidFill>
+                  <a:schemeClr val="tx1"/>
+                </a:solidFill>
+              </a:rPr>
               <a:t>Causality-based feature selection</a:t>
             </a:r>
           </a:p>
@@ -6656,8 +6729,49 @@
                   <a:schemeClr val="tx1"/>
                 </a:solidFill>
               </a:rPr>
-              <a:t>Hyperparameter tuning including all values at once</a:t>
-            </a:r>
+              <a:t>Hyperparameter tuning including more values at once</a:t>
+            </a:r>
+          </a:p>
+          <a:p>
+            <a:r>
+              <a:rPr lang="en-GB" sz="2000" dirty="0">
+                <a:solidFill>
+                  <a:schemeClr val="tx1"/>
+                </a:solidFill>
+                <a:effectLst/>
+                <a:ea typeface="Calibri" panose="020F0502020204030204" pitchFamily="34" charset="0"/>
+                <a:cs typeface="Times New Roman" panose="02020603050405020304" pitchFamily="18" charset="0"/>
+              </a:rPr>
+              <a:t>Check the validity of the models with more/different performance metrics</a:t>
+            </a:r>
+          </a:p>
+          <a:p>
+            <a:r>
+              <a:rPr lang="en-US" sz="2000" dirty="0">
+                <a:solidFill>
+                  <a:schemeClr val="tx1"/>
+                </a:solidFill>
+                <a:effectLst/>
+                <a:ea typeface="Calibri" panose="020F0502020204030204" pitchFamily="34" charset="0"/>
+                <a:cs typeface="Times New Roman" panose="02020603050405020304" pitchFamily="18" charset="0"/>
+              </a:rPr>
+              <a:t>Try to reduce the overfitting of our best model and improve performance further</a:t>
+            </a:r>
+            <a:endParaRPr lang="de-CH" sz="2000" dirty="0">
+              <a:solidFill>
+                <a:schemeClr val="tx1"/>
+              </a:solidFill>
+              <a:effectLst/>
+              <a:ea typeface="Calibri" panose="020F0502020204030204" pitchFamily="34" charset="0"/>
+              <a:cs typeface="Times New Roman" panose="02020603050405020304" pitchFamily="18" charset="0"/>
+            </a:endParaRPr>
+          </a:p>
+          <a:p>
+            <a:endParaRPr lang="en-GB" sz="2000" dirty="0">
+              <a:solidFill>
+                <a:schemeClr val="tx1"/>
+              </a:solidFill>
+            </a:endParaRPr>
           </a:p>
         </p:txBody>
       </p:sp>
@@ -6751,7 +6865,7 @@
         </p:nvSpPr>
         <p:spPr>
           <a:xfrm>
-            <a:off x="1542617" y="1492293"/>
+            <a:off x="1542617" y="1359439"/>
             <a:ext cx="5312912" cy="1799548"/>
           </a:xfrm>
           <a:prstGeom prst="rect">
@@ -6962,6 +7076,7 @@
             </a:r>
           </a:p>
           <a:p>
+            <a:pPr lvl="1"/>
             <a:r>
               <a:rPr lang="en-GB" sz="2000" dirty="0">
                 <a:solidFill>

--- a/Group2_ML_Project_Presentation.pptx
+++ b/Group2_ML_Project_Presentation.pptx
@@ -8,12 +8,13 @@
     <p:sldId id="256" r:id="rId2"/>
     <p:sldId id="257" r:id="rId3"/>
     <p:sldId id="264" r:id="rId4"/>
-    <p:sldId id="263" r:id="rId5"/>
-    <p:sldId id="265" r:id="rId6"/>
-    <p:sldId id="259" r:id="rId7"/>
+    <p:sldId id="268" r:id="rId5"/>
+    <p:sldId id="269" r:id="rId6"/>
+    <p:sldId id="270" r:id="rId7"/>
     <p:sldId id="260" r:id="rId8"/>
     <p:sldId id="267" r:id="rId9"/>
-    <p:sldId id="266" r:id="rId10"/>
+    <p:sldId id="271" r:id="rId10"/>
+    <p:sldId id="262" r:id="rId11"/>
   </p:sldIdLst>
   <p:sldSz cx="12192000" cy="6858000"/>
   <p:notesSz cx="6858000" cy="9144000"/>
@@ -120,12 +121,13 @@
             <p14:sldId id="256"/>
             <p14:sldId id="257"/>
             <p14:sldId id="264"/>
-            <p14:sldId id="263"/>
-            <p14:sldId id="265"/>
-            <p14:sldId id="259"/>
+            <p14:sldId id="268"/>
+            <p14:sldId id="269"/>
+            <p14:sldId id="270"/>
             <p14:sldId id="260"/>
             <p14:sldId id="267"/>
-            <p14:sldId id="266"/>
+            <p14:sldId id="271"/>
+            <p14:sldId id="262"/>
           </p14:sldIdLst>
         </p14:section>
       </p14:sectionLst>
@@ -137,100 +139,1026 @@
 </p:presentation>
 </file>
 
-<file path=ppt/ink/ink1.xml><?xml version="1.0" encoding="utf-8"?>
-<inkml:ink xmlns:inkml="http://www.w3.org/2003/InkML">
-  <inkml:definitions>
-    <inkml:context xml:id="ctx0">
-      <inkml:inkSource xml:id="inkSrc0">
-        <inkml:traceFormat>
-          <inkml:channel name="X" type="integer" min="-2.14748E9" max="2.14748E9" units="cm"/>
-          <inkml:channel name="Y" type="integer" min="-2.14748E9" max="2.14748E9" units="cm"/>
-          <inkml:channel name="F" type="integer" max="32767" units="dev"/>
-          <inkml:channel name="OA" type="integer" max="360" units="deg"/>
-          <inkml:channel name="OE" type="integer" max="90" units="deg"/>
-        </inkml:traceFormat>
-        <inkml:channelProperties>
-          <inkml:channelProperty channel="X" name="resolution" value="1000" units="1/cm"/>
-          <inkml:channelProperty channel="Y" name="resolution" value="1000" units="1/cm"/>
-          <inkml:channelProperty channel="F" name="resolution" value="0" units="1/dev"/>
-          <inkml:channelProperty channel="OA" name="resolution" value="1000" units="1/deg"/>
-          <inkml:channelProperty channel="OE" name="resolution" value="1000" units="1/deg"/>
-        </inkml:channelProperties>
-      </inkml:inkSource>
-      <inkml:timestamp xml:id="ts0" timeString="2021-04-18T14:49:31.977"/>
-    </inkml:context>
-    <inkml:brush xml:id="br0">
-      <inkml:brushProperty name="width" value="0.025" units="cm"/>
-      <inkml:brushProperty name="height" value="0.025" units="cm"/>
-      <inkml:brushProperty name="color" value="#E71224"/>
-    </inkml:brush>
-  </inkml:definitions>
-  <inkml:trace contextRef="#ctx0" brushRef="#br0">2348 524 12528 0 0,'5'-5'602'0'0,"5"-9"-467"0"0,-3 7 2 0 0,-2-1 0 0 0,11-15 0 0 0,-15 21-125 0 0,0 0 0 0 0,0 0 1 0 0,0-1-1 0 0,-1 1 0 0 0,1 0 0 0 0,0 0 0 0 0,-1 0 1 0 0,0-1-1 0 0,1 1 0 0 0,-1 0 0 0 0,0-1 0 0 0,0 1 1 0 0,0 0-1 0 0,0-1 0 0 0,-1 1 0 0 0,1 0 0 0 0,-2-4 1 0 0,0 2-13 0 0,0-1 0 0 0,0 1 0 0 0,0-1 0 0 0,-1 1 0 0 0,0 0 0 0 0,0-1 0 0 0,0 2 0 0 0,0-1 0 0 0,-1 0 0 0 0,0 1 0 0 0,1-1 0 0 0,-1 1 0 0 0,-9-5 0 0 0,-5-3 0 0 0,-19-12 32 0 0,-72-31 0 0 0,20 17 13 0 0,-54-21 51 0 0,97 42-71 0 0,-56-12 1 0 0,19 11 80 0 0,-132-9 0 0 0,159 24-41 0 0,0 2 0 0 0,0 2 0 0 0,-75 14 0 0 0,28 5 79 0 0,-140 49 0 0 0,183-48-112 0 0,1 2 1 0 0,1 3 0 0 0,1 3 0 0 0,1 2 0 0 0,2 3-1 0 0,2 2 1 0 0,1 2 0 0 0,2 2 0 0 0,-74 80 0 0 0,91-81-64 0 0,1 0 1 0 0,3 2-1 0 0,1 1 1 0 0,-22 47 0 0 0,36-63 25 0 0,2 1 0 0 0,1-1 0 0 0,1 2 0 0 0,1-1 0 0 0,2 1 0 0 0,0 0 0 0 0,2 0 0 0 0,2 1 0 0 0,0-1 0 0 0,2 1 0 0 0,1 0 0 0 0,6 30 1 0 0,-2-30-31 0 0,1 0 1 0 0,2 0-1 0 0,1-1 0 0 0,1 0 1 0 0,1-1-1 0 0,2 0 1 0 0,1-1-1 0 0,25 38 1 0 0,-19-39 4 0 0,0-1 0 0 0,1 0 0 0 0,2-2 0 0 0,0 0 0 0 0,1-2 0 0 0,2 0 0 0 0,0-2 0 0 0,1-1 0 0 0,0-1 1 0 0,55 24-1 0 0,-21-17 14 0 0,1-3 0 0 0,1-3 0 0 0,127 21 0 0 0,-148-35 16 0 0,74-3 0 0 0,42-13 0 0 0,-48-3 113 0 0,-2-5 1 0 0,-1-5-1 0 0,0-4 1 0 0,153-65 0 0 0,-76 5 231 0 0,-5-13-61 0 0,-79 43-161 0 0,-23 16-50 0 0,191-115 142 0 0,-219 125-215 0 0,50-44 0 0 0,36-44 0 0 0,-104 92 0 0 0,39-37-44 0 0,106-128 0 0 0,-150 162 24 0 0,-2-2 1 0 0,-2-1-1 0 0,-1-1 1 0 0,-2-1-1 0 0,-1 0 1 0 0,20-64 0 0 0,-34 86 22 0 0,0 0 0 0 0,-1-1 0 0 0,-1 1 1 0 0,0-1-1 0 0,-1 1 0 0 0,-1-1 0 0 0,-1 0 1 0 0,0 1-1 0 0,-6-28 0 0 0,4 31-9 0 0,0 0-1 0 0,-1 0 0 0 0,-1 0 1 0 0,0 1-1 0 0,-1-1 1 0 0,0 1-1 0 0,0 1 0 0 0,-1-1 1 0 0,-1 1-1 0 0,0 0 0 0 0,0 1 1 0 0,-15-13-1 0 0,10 10-195 0 0,-2 2-1 0 0,1 0 1 0 0,-1 0-1 0 0,-1 1 1 0 0,-20-8 0 0 0,11 8-1618 0 0,-32-10 1 0 0,-24 0-2826 0 0</inkml:trace>
-</inkml:ink>
+<file path=ppt/charts/chart1.xml><?xml version="1.0" encoding="utf-8"?>
+<c:chartSpace xmlns:c="http://schemas.openxmlformats.org/drawingml/2006/chart" xmlns:a="http://schemas.openxmlformats.org/drawingml/2006/main" xmlns:r="http://schemas.openxmlformats.org/officeDocument/2006/relationships" xmlns:c16r2="http://schemas.microsoft.com/office/drawing/2015/06/chart">
+  <c:date1904 val="0"/>
+  <c:lang val="de-DE"/>
+  <c:roundedCorners val="0"/>
+  <mc:AlternateContent xmlns:mc="http://schemas.openxmlformats.org/markup-compatibility/2006">
+    <mc:Choice xmlns:c14="http://schemas.microsoft.com/office/drawing/2007/8/2/chart" Requires="c14">
+      <c14:style val="102"/>
+    </mc:Choice>
+    <mc:Fallback>
+      <c:style val="2"/>
+    </mc:Fallback>
+  </mc:AlternateContent>
+  <c:chart>
+    <c:title>
+      <c:tx>
+        <c:rich>
+          <a:bodyPr rot="0" spcFirstLastPara="1" vertOverflow="ellipsis" vert="horz" wrap="square" anchor="ctr" anchorCtr="1"/>
+          <a:lstStyle/>
+          <a:p>
+            <a:pPr>
+              <a:defRPr sz="1400" b="0" i="0" u="none" strike="noStrike" kern="1200" spc="0" baseline="0">
+                <a:solidFill>
+                  <a:schemeClr val="tx1">
+                    <a:lumMod val="65000"/>
+                    <a:lumOff val="35000"/>
+                  </a:schemeClr>
+                </a:solidFill>
+                <a:latin typeface="+mn-lt"/>
+                <a:ea typeface="+mn-ea"/>
+                <a:cs typeface="+mn-cs"/>
+              </a:defRPr>
+            </a:pPr>
+            <a:r>
+              <a:rPr lang="de-CH" sz="2000" dirty="0">
+                <a:solidFill>
+                  <a:schemeClr val="tx1"/>
+                </a:solidFill>
+              </a:rPr>
+              <a:t>Overall </a:t>
+            </a:r>
+            <a:r>
+              <a:rPr lang="de-CH" sz="2000" dirty="0" err="1">
+                <a:solidFill>
+                  <a:schemeClr val="tx1"/>
+                </a:solidFill>
+              </a:rPr>
+              <a:t>Results</a:t>
+            </a:r>
+            <a:endParaRPr lang="de-CH" sz="2000" dirty="0">
+              <a:solidFill>
+                <a:schemeClr val="tx1"/>
+              </a:solidFill>
+            </a:endParaRPr>
+          </a:p>
+        </c:rich>
+      </c:tx>
+      <c:overlay val="0"/>
+      <c:spPr>
+        <a:noFill/>
+        <a:ln>
+          <a:noFill/>
+        </a:ln>
+        <a:effectLst/>
+      </c:spPr>
+      <c:txPr>
+        <a:bodyPr rot="0" spcFirstLastPara="1" vertOverflow="ellipsis" vert="horz" wrap="square" anchor="ctr" anchorCtr="1"/>
+        <a:lstStyle/>
+        <a:p>
+          <a:pPr>
+            <a:defRPr sz="1400" b="0" i="0" u="none" strike="noStrike" kern="1200" spc="0" baseline="0">
+              <a:solidFill>
+                <a:schemeClr val="tx1">
+                  <a:lumMod val="65000"/>
+                  <a:lumOff val="35000"/>
+                </a:schemeClr>
+              </a:solidFill>
+              <a:latin typeface="+mn-lt"/>
+              <a:ea typeface="+mn-ea"/>
+              <a:cs typeface="+mn-cs"/>
+            </a:defRPr>
+          </a:pPr>
+          <a:endParaRPr lang="de-DE"/>
+        </a:p>
+      </c:txPr>
+    </c:title>
+    <c:autoTitleDeleted val="0"/>
+    <c:plotArea>
+      <c:layout/>
+      <c:barChart>
+        <c:barDir val="bar"/>
+        <c:grouping val="clustered"/>
+        <c:varyColors val="0"/>
+        <c:ser>
+          <c:idx val="0"/>
+          <c:order val="0"/>
+          <c:spPr>
+            <a:solidFill>
+              <a:schemeClr val="accent2">
+                <a:lumMod val="75000"/>
+              </a:schemeClr>
+            </a:solidFill>
+            <a:ln>
+              <a:noFill/>
+            </a:ln>
+            <a:effectLst/>
+          </c:spPr>
+          <c:invertIfNegative val="0"/>
+          <c:dLbls>
+            <c:spPr>
+              <a:noFill/>
+              <a:ln>
+                <a:noFill/>
+              </a:ln>
+              <a:effectLst/>
+            </c:spPr>
+            <c:txPr>
+              <a:bodyPr rot="0" spcFirstLastPara="1" vertOverflow="ellipsis" vert="horz" wrap="square" lIns="38100" tIns="19050" rIns="38100" bIns="19050" anchor="ctr" anchorCtr="1">
+                <a:spAutoFit/>
+              </a:bodyPr>
+              <a:lstStyle/>
+              <a:p>
+                <a:pPr>
+                  <a:defRPr sz="900" b="0" i="0" u="none" strike="noStrike" kern="1200" baseline="0">
+                    <a:solidFill>
+                      <a:schemeClr val="tx1"/>
+                    </a:solidFill>
+                    <a:latin typeface="+mn-lt"/>
+                    <a:ea typeface="+mn-ea"/>
+                    <a:cs typeface="+mn-cs"/>
+                  </a:defRPr>
+                </a:pPr>
+                <a:endParaRPr lang="de-DE"/>
+              </a:p>
+            </c:txPr>
+            <c:dLblPos val="outEnd"/>
+            <c:showLegendKey val="0"/>
+            <c:showVal val="1"/>
+            <c:showCatName val="0"/>
+            <c:showSerName val="0"/>
+            <c:showPercent val="0"/>
+            <c:showBubbleSize val="0"/>
+            <c:showLeaderLines val="0"/>
+            <c:extLst>
+              <c:ext xmlns:c15="http://schemas.microsoft.com/office/drawing/2012/chart" uri="{CE6537A1-D6FC-4f65-9D91-7224C49458BB}">
+                <c15:showLeaderLines val="1"/>
+                <c15:leaderLines>
+                  <c:spPr>
+                    <a:ln w="9525" cap="flat" cmpd="sng" algn="ctr">
+                      <a:solidFill>
+                        <a:schemeClr val="tx1">
+                          <a:lumMod val="35000"/>
+                          <a:lumOff val="65000"/>
+                        </a:schemeClr>
+                      </a:solidFill>
+                      <a:round/>
+                    </a:ln>
+                    <a:effectLst/>
+                  </c:spPr>
+                </c15:leaderLines>
+              </c:ext>
+            </c:extLst>
+          </c:dLbls>
+          <c:cat>
+            <c:strRef>
+              <c:f>Tabelle1!$A$18:$A$32</c:f>
+              <c:strCache>
+                <c:ptCount val="15"/>
+                <c:pt idx="0">
+                  <c:v>LR</c:v>
+                </c:pt>
+                <c:pt idx="1">
+                  <c:v>LDA (with bagging)</c:v>
+                </c:pt>
+                <c:pt idx="2">
+                  <c:v>LDA </c:v>
+                </c:pt>
+                <c:pt idx="3">
+                  <c:v>QDA</c:v>
+                </c:pt>
+                <c:pt idx="4">
+                  <c:v>QDA (with bagging)</c:v>
+                </c:pt>
+                <c:pt idx="5">
+                  <c:v>KNN (with bagging)</c:v>
+                </c:pt>
+                <c:pt idx="6">
+                  <c:v>KNN </c:v>
+                </c:pt>
+                <c:pt idx="7">
+                  <c:v>DT</c:v>
+                </c:pt>
+                <c:pt idx="8">
+                  <c:v>MLP</c:v>
+                </c:pt>
+                <c:pt idx="9">
+                  <c:v>SVM</c:v>
+                </c:pt>
+                <c:pt idx="10">
+                  <c:v>SVM (with bagging)</c:v>
+                </c:pt>
+                <c:pt idx="11">
+                  <c:v>MLP (with bagging)</c:v>
+                </c:pt>
+                <c:pt idx="12">
+                  <c:v>RF (Randomized Search)</c:v>
+                </c:pt>
+                <c:pt idx="13">
+                  <c:v>RF</c:v>
+                </c:pt>
+                <c:pt idx="14">
+                  <c:v>GB</c:v>
+                </c:pt>
+              </c:strCache>
+            </c:strRef>
+          </c:cat>
+          <c:val>
+            <c:numRef>
+              <c:f>Tabelle1!$B$18:$B$32</c:f>
+              <c:numCache>
+                <c:formatCode>General</c:formatCode>
+                <c:ptCount val="15"/>
+                <c:pt idx="0">
+                  <c:v>0.42970000000000003</c:v>
+                </c:pt>
+                <c:pt idx="1">
+                  <c:v>0.43580000000000002</c:v>
+                </c:pt>
+                <c:pt idx="2">
+                  <c:v>0.43669999999999998</c:v>
+                </c:pt>
+                <c:pt idx="3">
+                  <c:v>0.48110000000000003</c:v>
+                </c:pt>
+                <c:pt idx="4">
+                  <c:v>0.48930000000000001</c:v>
+                </c:pt>
+                <c:pt idx="5">
+                  <c:v>0.61780000000000002</c:v>
+                </c:pt>
+                <c:pt idx="6">
+                  <c:v>0.6351</c:v>
+                </c:pt>
+                <c:pt idx="7">
+                  <c:v>0.67959999999999998</c:v>
+                </c:pt>
+                <c:pt idx="8">
+                  <c:v>0.68889999999999996</c:v>
+                </c:pt>
+                <c:pt idx="9">
+                  <c:v>0.72470000000000001</c:v>
+                </c:pt>
+                <c:pt idx="10">
+                  <c:v>0.72560000000000002</c:v>
+                </c:pt>
+                <c:pt idx="11">
+                  <c:v>0.75</c:v>
+                </c:pt>
+                <c:pt idx="12">
+                  <c:v>0.75049999999999994</c:v>
+                </c:pt>
+                <c:pt idx="13">
+                  <c:v>0.75349999999999995</c:v>
+                </c:pt>
+                <c:pt idx="14">
+                  <c:v>0.76319999999999999</c:v>
+                </c:pt>
+              </c:numCache>
+            </c:numRef>
+          </c:val>
+          <c:extLst>
+            <c:ext xmlns:c16="http://schemas.microsoft.com/office/drawing/2014/chart" uri="{C3380CC4-5D6E-409C-BE32-E72D297353CC}">
+              <c16:uniqueId val="{00000000-9478-4F7B-B3A2-C6F77D47E31A}"/>
+            </c:ext>
+          </c:extLst>
+        </c:ser>
+        <c:dLbls>
+          <c:showLegendKey val="0"/>
+          <c:showVal val="0"/>
+          <c:showCatName val="0"/>
+          <c:showSerName val="0"/>
+          <c:showPercent val="0"/>
+          <c:showBubbleSize val="0"/>
+        </c:dLbls>
+        <c:gapWidth val="182"/>
+        <c:axId val="2045810399"/>
+        <c:axId val="2045834943"/>
+      </c:barChart>
+      <c:catAx>
+        <c:axId val="2045810399"/>
+        <c:scaling>
+          <c:orientation val="minMax"/>
+        </c:scaling>
+        <c:delete val="0"/>
+        <c:axPos val="l"/>
+        <c:numFmt formatCode="General" sourceLinked="1"/>
+        <c:majorTickMark val="none"/>
+        <c:minorTickMark val="none"/>
+        <c:tickLblPos val="nextTo"/>
+        <c:spPr>
+          <a:noFill/>
+          <a:ln w="9525" cap="flat" cmpd="sng" algn="ctr">
+            <a:solidFill>
+              <a:schemeClr val="tx1">
+                <a:lumMod val="15000"/>
+                <a:lumOff val="85000"/>
+              </a:schemeClr>
+            </a:solidFill>
+            <a:round/>
+          </a:ln>
+          <a:effectLst/>
+        </c:spPr>
+        <c:txPr>
+          <a:bodyPr rot="-60000000" spcFirstLastPara="1" vertOverflow="ellipsis" vert="horz" wrap="square" anchor="ctr" anchorCtr="1"/>
+          <a:lstStyle/>
+          <a:p>
+            <a:pPr>
+              <a:defRPr sz="900" b="0" i="0" u="none" strike="noStrike" kern="1200" baseline="0">
+                <a:solidFill>
+                  <a:schemeClr val="tx1"/>
+                </a:solidFill>
+                <a:latin typeface="+mn-lt"/>
+                <a:ea typeface="+mn-ea"/>
+                <a:cs typeface="+mn-cs"/>
+              </a:defRPr>
+            </a:pPr>
+            <a:endParaRPr lang="de-DE"/>
+          </a:p>
+        </c:txPr>
+        <c:crossAx val="2045834943"/>
+        <c:crosses val="autoZero"/>
+        <c:auto val="1"/>
+        <c:lblAlgn val="ctr"/>
+        <c:lblOffset val="100"/>
+        <c:noMultiLvlLbl val="0"/>
+      </c:catAx>
+      <c:valAx>
+        <c:axId val="2045834943"/>
+        <c:scaling>
+          <c:orientation val="minMax"/>
+        </c:scaling>
+        <c:delete val="0"/>
+        <c:axPos val="b"/>
+        <c:majorGridlines>
+          <c:spPr>
+            <a:ln w="9525" cap="flat" cmpd="sng" algn="ctr">
+              <a:solidFill>
+                <a:schemeClr val="tx1">
+                  <a:lumMod val="15000"/>
+                  <a:lumOff val="85000"/>
+                </a:schemeClr>
+              </a:solidFill>
+              <a:round/>
+            </a:ln>
+            <a:effectLst/>
+          </c:spPr>
+        </c:majorGridlines>
+        <c:title>
+          <c:tx>
+            <c:rich>
+              <a:bodyPr rot="0" spcFirstLastPara="1" vertOverflow="ellipsis" vert="horz" wrap="square" anchor="ctr" anchorCtr="1"/>
+              <a:lstStyle/>
+              <a:p>
+                <a:pPr>
+                  <a:defRPr sz="1000" b="0" i="0" u="none" strike="noStrike" kern="1200" baseline="0">
+                    <a:solidFill>
+                      <a:schemeClr val="tx1"/>
+                    </a:solidFill>
+                    <a:latin typeface="+mn-lt"/>
+                    <a:ea typeface="+mn-ea"/>
+                    <a:cs typeface="+mn-cs"/>
+                  </a:defRPr>
+                </a:pPr>
+                <a:r>
+                  <a:rPr lang="en-US">
+                    <a:solidFill>
+                      <a:schemeClr val="tx1"/>
+                    </a:solidFill>
+                  </a:rPr>
+                  <a:t>Test Score</a:t>
+                </a:r>
+              </a:p>
+            </c:rich>
+          </c:tx>
+          <c:overlay val="0"/>
+          <c:spPr>
+            <a:noFill/>
+            <a:ln>
+              <a:noFill/>
+            </a:ln>
+            <a:effectLst/>
+          </c:spPr>
+          <c:txPr>
+            <a:bodyPr rot="0" spcFirstLastPara="1" vertOverflow="ellipsis" vert="horz" wrap="square" anchor="ctr" anchorCtr="1"/>
+            <a:lstStyle/>
+            <a:p>
+              <a:pPr>
+                <a:defRPr sz="1000" b="0" i="0" u="none" strike="noStrike" kern="1200" baseline="0">
+                  <a:solidFill>
+                    <a:schemeClr val="tx1"/>
+                  </a:solidFill>
+                  <a:latin typeface="+mn-lt"/>
+                  <a:ea typeface="+mn-ea"/>
+                  <a:cs typeface="+mn-cs"/>
+                </a:defRPr>
+              </a:pPr>
+              <a:endParaRPr lang="de-DE"/>
+            </a:p>
+          </c:txPr>
+        </c:title>
+        <c:numFmt formatCode="General" sourceLinked="1"/>
+        <c:majorTickMark val="none"/>
+        <c:minorTickMark val="none"/>
+        <c:tickLblPos val="nextTo"/>
+        <c:spPr>
+          <a:noFill/>
+          <a:ln>
+            <a:noFill/>
+          </a:ln>
+          <a:effectLst/>
+        </c:spPr>
+        <c:txPr>
+          <a:bodyPr rot="-60000000" spcFirstLastPara="1" vertOverflow="ellipsis" vert="horz" wrap="square" anchor="ctr" anchorCtr="1"/>
+          <a:lstStyle/>
+          <a:p>
+            <a:pPr>
+              <a:defRPr sz="900" b="0" i="0" u="none" strike="noStrike" kern="1200" baseline="0">
+                <a:solidFill>
+                  <a:schemeClr val="tx1"/>
+                </a:solidFill>
+                <a:latin typeface="+mn-lt"/>
+                <a:ea typeface="+mn-ea"/>
+                <a:cs typeface="+mn-cs"/>
+              </a:defRPr>
+            </a:pPr>
+            <a:endParaRPr lang="de-DE"/>
+          </a:p>
+        </c:txPr>
+        <c:crossAx val="2045810399"/>
+        <c:crosses val="autoZero"/>
+        <c:crossBetween val="between"/>
+      </c:valAx>
+      <c:spPr>
+        <a:noFill/>
+        <a:ln>
+          <a:noFill/>
+        </a:ln>
+        <a:effectLst/>
+      </c:spPr>
+    </c:plotArea>
+    <c:plotVisOnly val="1"/>
+    <c:dispBlanksAs val="gap"/>
+    <c:showDLblsOverMax val="0"/>
+  </c:chart>
+  <c:spPr>
+    <a:noFill/>
+    <a:ln>
+      <a:noFill/>
+    </a:ln>
+    <a:effectLst/>
+  </c:spPr>
+  <c:txPr>
+    <a:bodyPr/>
+    <a:lstStyle/>
+    <a:p>
+      <a:pPr>
+        <a:defRPr/>
+      </a:pPr>
+      <a:endParaRPr lang="de-DE"/>
+    </a:p>
+  </c:txPr>
+  <c:externalData r:id="rId3">
+    <c:autoUpdate val="0"/>
+  </c:externalData>
+</c:chartSpace>
 </file>
 
-<file path=ppt/ink/ink2.xml><?xml version="1.0" encoding="utf-8"?>
-<inkml:ink xmlns:inkml="http://www.w3.org/2003/InkML">
-  <inkml:definitions>
-    <inkml:context xml:id="ctx0">
-      <inkml:inkSource xml:id="inkSrc0">
-        <inkml:traceFormat>
-          <inkml:channel name="X" type="integer" min="-2.14748E9" max="2.14748E9" units="cm"/>
-          <inkml:channel name="Y" type="integer" min="-2.14748E9" max="2.14748E9" units="cm"/>
-          <inkml:channel name="F" type="integer" max="32767" units="dev"/>
-          <inkml:channel name="OA" type="integer" max="360" units="deg"/>
-          <inkml:channel name="OE" type="integer" max="90" units="deg"/>
-        </inkml:traceFormat>
-        <inkml:channelProperties>
-          <inkml:channelProperty channel="X" name="resolution" value="1000" units="1/cm"/>
-          <inkml:channelProperty channel="Y" name="resolution" value="1000" units="1/cm"/>
-          <inkml:channelProperty channel="F" name="resolution" value="0" units="1/dev"/>
-          <inkml:channelProperty channel="OA" name="resolution" value="1000" units="1/deg"/>
-          <inkml:channelProperty channel="OE" name="resolution" value="1000" units="1/deg"/>
-        </inkml:channelProperties>
-      </inkml:inkSource>
-      <inkml:timestamp xml:id="ts0" timeString="2021-04-18T14:49:32.501"/>
-    </inkml:context>
-    <inkml:brush xml:id="br0">
-      <inkml:brushProperty name="width" value="0.025" units="cm"/>
-      <inkml:brushProperty name="height" value="0.025" units="cm"/>
-      <inkml:brushProperty name="color" value="#E71224"/>
-    </inkml:brush>
-  </inkml:definitions>
-  <inkml:trace contextRef="#ctx0" brushRef="#br0">3 3730 12752 0 0,'-1'-5'60'0'0,"0"0"0"0"0,1 0 0 0 0,-1 0 0 0 0,1 0 1 0 0,1 1-1 0 0,-1-1 0 0 0,1 0 0 0 0,-1 0 0 0 0,3-5 1 0 0,2-6 290 0 0,9-20 1 0 0,-5 15-257 0 0,14-33-41 0 0,46-77 0 0 0,43-46 143 0 0,-55 89-125 0 0,154-255 182 0 0,60-92 27 0 0,-165 273-301 0 0,391-583-287 0 0,-251 381-608 0 0,-29 18-463 0 0,-14-49-869 0 0,-196 381 2151 0 0,91-216-1151 0 0,-96 223 1217 0 0,40-104-610 0 0</inkml:trace>
-</inkml:ink>
+<file path=ppt/charts/colors1.xml><?xml version="1.0" encoding="utf-8"?>
+<cs:colorStyle xmlns:cs="http://schemas.microsoft.com/office/drawing/2012/chartStyle" xmlns:a="http://schemas.openxmlformats.org/drawingml/2006/main" meth="cycle" id="10">
+  <a:schemeClr val="accent1"/>
+  <a:schemeClr val="accent2"/>
+  <a:schemeClr val="accent3"/>
+  <a:schemeClr val="accent4"/>
+  <a:schemeClr val="accent5"/>
+  <a:schemeClr val="accent6"/>
+  <cs:variation/>
+  <cs:variation>
+    <a:lumMod val="60000"/>
+  </cs:variation>
+  <cs:variation>
+    <a:lumMod val="80000"/>
+    <a:lumOff val="20000"/>
+  </cs:variation>
+  <cs:variation>
+    <a:lumMod val="80000"/>
+  </cs:variation>
+  <cs:variation>
+    <a:lumMod val="60000"/>
+    <a:lumOff val="40000"/>
+  </cs:variation>
+  <cs:variation>
+    <a:lumMod val="50000"/>
+  </cs:variation>
+  <cs:variation>
+    <a:lumMod val="70000"/>
+    <a:lumOff val="30000"/>
+  </cs:variation>
+  <cs:variation>
+    <a:lumMod val="70000"/>
+  </cs:variation>
+  <cs:variation>
+    <a:lumMod val="50000"/>
+    <a:lumOff val="50000"/>
+  </cs:variation>
+</cs:colorStyle>
 </file>
 
-<file path=ppt/ink/ink3.xml><?xml version="1.0" encoding="utf-8"?>
-<inkml:ink xmlns:inkml="http://www.w3.org/2003/InkML">
-  <inkml:definitions>
-    <inkml:context xml:id="ctx0">
-      <inkml:inkSource xml:id="inkSrc0">
-        <inkml:traceFormat>
-          <inkml:channel name="X" type="integer" min="-2.14748E9" max="2.14748E9" units="cm"/>
-          <inkml:channel name="Y" type="integer" min="-2.14748E9" max="2.14748E9" units="cm"/>
-          <inkml:channel name="F" type="integer" max="32767" units="dev"/>
-          <inkml:channel name="OA" type="integer" max="360" units="deg"/>
-          <inkml:channel name="OE" type="integer" max="90" units="deg"/>
-        </inkml:traceFormat>
-        <inkml:channelProperties>
-          <inkml:channelProperty channel="X" name="resolution" value="1000" units="1/cm"/>
-          <inkml:channelProperty channel="Y" name="resolution" value="1000" units="1/cm"/>
-          <inkml:channelProperty channel="F" name="resolution" value="0" units="1/dev"/>
-          <inkml:channelProperty channel="OA" name="resolution" value="1000" units="1/deg"/>
-          <inkml:channelProperty channel="OE" name="resolution" value="1000" units="1/deg"/>
-        </inkml:channelProperties>
-      </inkml:inkSource>
-      <inkml:timestamp xml:id="ts0" timeString="2021-04-18T14:49:32.842"/>
-    </inkml:context>
-    <inkml:brush xml:id="br0">
-      <inkml:brushProperty name="width" value="0.025" units="cm"/>
-      <inkml:brushProperty name="height" value="0.025" units="cm"/>
-      <inkml:brushProperty name="color" value="#E71224"/>
-    </inkml:brush>
-  </inkml:definitions>
-  <inkml:trace contextRef="#ctx0" brushRef="#br0">142 1 10864 0 0,'-27'11'173'0'0,"-23"11"213"0"0,44-19-358 0 0,1 0 1 0 0,-1 1 0 0 0,1 0-1 0 0,0 0 1 0 0,0 0 0 0 0,-5 6 0 0 0,8-8-6 0 0,0 0 0 0 0,0 1 0 0 0,0-1-1 0 0,0 0 1 0 0,0 1 0 0 0,1 0 0 0 0,-1-1 0 0 0,1 1 0 0 0,0 0 0 0 0,0 0 0 0 0,0 0 0 0 0,0-1 0 0 0,0 1 0 0 0,1 0 0 0 0,-1 0 0 0 0,1 0 0 0 0,0 0 0 0 0,0 0 0 0 0,0 0 0 0 0,0 1 0 0 0,0-1 0 0 0,2 3 0 0 0,3 7 95 0 0,0 0 1 0 0,2-1 0 0 0,-1 0 0 0 0,1-1 0 0 0,1 1-1 0 0,13 14 1 0 0,0 2 74 0 0,118 134 515 0 0,-84-101-536 0 0,171 213 94 0 0,86 137-327 0 0,-121-163-168 0 0,260 306-2173 0 0,-334-429 1120 0 0,4-5 0 0 0,162 122 0 0 0,-187-169 828 0 0,4-5 1 0 0,136 71 0 0 0,-136-89-1120 0 0,-5-7-518 0 0</inkml:trace>
-</inkml:ink>
+<file path=ppt/charts/style1.xml><?xml version="1.0" encoding="utf-8"?>
+<cs:chartStyle xmlns:cs="http://schemas.microsoft.com/office/drawing/2012/chartStyle" xmlns:a="http://schemas.openxmlformats.org/drawingml/2006/main" id="216">
+  <cs:axisTitle>
+    <cs:lnRef idx="0"/>
+    <cs:fillRef idx="0"/>
+    <cs:effectRef idx="0"/>
+    <cs:fontRef idx="minor">
+      <a:schemeClr val="tx1">
+        <a:lumMod val="65000"/>
+        <a:lumOff val="35000"/>
+      </a:schemeClr>
+    </cs:fontRef>
+    <cs:defRPr sz="1000" kern="1200"/>
+  </cs:axisTitle>
+  <cs:categoryAxis>
+    <cs:lnRef idx="0"/>
+    <cs:fillRef idx="0"/>
+    <cs:effectRef idx="0"/>
+    <cs:fontRef idx="minor">
+      <a:schemeClr val="tx1">
+        <a:lumMod val="65000"/>
+        <a:lumOff val="35000"/>
+      </a:schemeClr>
+    </cs:fontRef>
+    <cs:spPr>
+      <a:ln w="9525" cap="flat" cmpd="sng" algn="ctr">
+        <a:solidFill>
+          <a:schemeClr val="tx1">
+            <a:lumMod val="15000"/>
+            <a:lumOff val="85000"/>
+          </a:schemeClr>
+        </a:solidFill>
+        <a:round/>
+      </a:ln>
+    </cs:spPr>
+    <cs:defRPr sz="900" kern="1200"/>
+  </cs:categoryAxis>
+  <cs:chartArea mods="allowNoFillOverride allowNoLineOverride">
+    <cs:lnRef idx="0"/>
+    <cs:fillRef idx="0"/>
+    <cs:effectRef idx="0"/>
+    <cs:fontRef idx="minor">
+      <a:schemeClr val="tx1"/>
+    </cs:fontRef>
+    <cs:spPr>
+      <a:solidFill>
+        <a:schemeClr val="bg1"/>
+      </a:solidFill>
+      <a:ln w="9525" cap="flat" cmpd="sng" algn="ctr">
+        <a:solidFill>
+          <a:schemeClr val="tx1">
+            <a:lumMod val="15000"/>
+            <a:lumOff val="85000"/>
+          </a:schemeClr>
+        </a:solidFill>
+        <a:round/>
+      </a:ln>
+    </cs:spPr>
+    <cs:defRPr sz="1000" kern="1200"/>
+  </cs:chartArea>
+  <cs:dataLabel>
+    <cs:lnRef idx="0"/>
+    <cs:fillRef idx="0"/>
+    <cs:effectRef idx="0"/>
+    <cs:fontRef idx="minor">
+      <a:schemeClr val="tx1">
+        <a:lumMod val="75000"/>
+        <a:lumOff val="25000"/>
+      </a:schemeClr>
+    </cs:fontRef>
+    <cs:defRPr sz="900" kern="1200"/>
+  </cs:dataLabel>
+  <cs:dataLabelCallout>
+    <cs:lnRef idx="0"/>
+    <cs:fillRef idx="0"/>
+    <cs:effectRef idx="0"/>
+    <cs:fontRef idx="minor">
+      <a:schemeClr val="dk1">
+        <a:lumMod val="65000"/>
+        <a:lumOff val="35000"/>
+      </a:schemeClr>
+    </cs:fontRef>
+    <cs:spPr>
+      <a:solidFill>
+        <a:schemeClr val="lt1"/>
+      </a:solidFill>
+      <a:ln>
+        <a:solidFill>
+          <a:schemeClr val="dk1">
+            <a:lumMod val="25000"/>
+            <a:lumOff val="75000"/>
+          </a:schemeClr>
+        </a:solidFill>
+      </a:ln>
+    </cs:spPr>
+    <cs:defRPr sz="900" kern="1200"/>
+    <cs:bodyPr rot="0" spcFirstLastPara="1" vertOverflow="clip" horzOverflow="clip" vert="horz" wrap="square" lIns="36576" tIns="18288" rIns="36576" bIns="18288" anchor="ctr" anchorCtr="1">
+      <a:spAutoFit/>
+    </cs:bodyPr>
+  </cs:dataLabelCallout>
+  <cs:dataPoint>
+    <cs:lnRef idx="0"/>
+    <cs:fillRef idx="1">
+      <cs:styleClr val="auto"/>
+    </cs:fillRef>
+    <cs:effectRef idx="0"/>
+    <cs:fontRef idx="minor">
+      <a:schemeClr val="tx1"/>
+    </cs:fontRef>
+  </cs:dataPoint>
+  <cs:dataPoint3D>
+    <cs:lnRef idx="0"/>
+    <cs:fillRef idx="1">
+      <cs:styleClr val="auto"/>
+    </cs:fillRef>
+    <cs:effectRef idx="0"/>
+    <cs:fontRef idx="minor">
+      <a:schemeClr val="tx1"/>
+    </cs:fontRef>
+  </cs:dataPoint3D>
+  <cs:dataPointLine>
+    <cs:lnRef idx="0">
+      <cs:styleClr val="auto"/>
+    </cs:lnRef>
+    <cs:fillRef idx="1"/>
+    <cs:effectRef idx="0"/>
+    <cs:fontRef idx="minor">
+      <a:schemeClr val="tx1"/>
+    </cs:fontRef>
+    <cs:spPr>
+      <a:ln w="28575" cap="rnd">
+        <a:solidFill>
+          <a:schemeClr val="phClr"/>
+        </a:solidFill>
+        <a:round/>
+      </a:ln>
+    </cs:spPr>
+  </cs:dataPointLine>
+  <cs:dataPointMarker>
+    <cs:lnRef idx="0">
+      <cs:styleClr val="auto"/>
+    </cs:lnRef>
+    <cs:fillRef idx="1">
+      <cs:styleClr val="auto"/>
+    </cs:fillRef>
+    <cs:effectRef idx="0"/>
+    <cs:fontRef idx="minor">
+      <a:schemeClr val="tx1"/>
+    </cs:fontRef>
+    <cs:spPr>
+      <a:ln w="9525">
+        <a:solidFill>
+          <a:schemeClr val="phClr"/>
+        </a:solidFill>
+      </a:ln>
+    </cs:spPr>
+  </cs:dataPointMarker>
+  <cs:dataPointMarkerLayout symbol="circle" size="5"/>
+  <cs:dataPointWireframe>
+    <cs:lnRef idx="0">
+      <cs:styleClr val="auto"/>
+    </cs:lnRef>
+    <cs:fillRef idx="1"/>
+    <cs:effectRef idx="0"/>
+    <cs:fontRef idx="minor">
+      <a:schemeClr val="tx1"/>
+    </cs:fontRef>
+    <cs:spPr>
+      <a:ln w="9525" cap="rnd">
+        <a:solidFill>
+          <a:schemeClr val="phClr"/>
+        </a:solidFill>
+        <a:round/>
+      </a:ln>
+    </cs:spPr>
+  </cs:dataPointWireframe>
+  <cs:dataTable>
+    <cs:lnRef idx="0"/>
+    <cs:fillRef idx="0"/>
+    <cs:effectRef idx="0"/>
+    <cs:fontRef idx="minor">
+      <a:schemeClr val="tx1">
+        <a:lumMod val="65000"/>
+        <a:lumOff val="35000"/>
+      </a:schemeClr>
+    </cs:fontRef>
+    <cs:spPr>
+      <a:noFill/>
+      <a:ln w="9525" cap="flat" cmpd="sng" algn="ctr">
+        <a:solidFill>
+          <a:schemeClr val="tx1">
+            <a:lumMod val="15000"/>
+            <a:lumOff val="85000"/>
+          </a:schemeClr>
+        </a:solidFill>
+        <a:round/>
+      </a:ln>
+    </cs:spPr>
+    <cs:defRPr sz="900" kern="1200"/>
+  </cs:dataTable>
+  <cs:downBar>
+    <cs:lnRef idx="0"/>
+    <cs:fillRef idx="0"/>
+    <cs:effectRef idx="0"/>
+    <cs:fontRef idx="minor">
+      <a:schemeClr val="tx1"/>
+    </cs:fontRef>
+    <cs:spPr>
+      <a:solidFill>
+        <a:schemeClr val="dk1">
+          <a:lumMod val="75000"/>
+          <a:lumOff val="25000"/>
+        </a:schemeClr>
+      </a:solidFill>
+      <a:ln w="9525" cap="flat" cmpd="sng" algn="ctr">
+        <a:solidFill>
+          <a:schemeClr val="tx1">
+            <a:lumMod val="65000"/>
+            <a:lumOff val="35000"/>
+          </a:schemeClr>
+        </a:solidFill>
+        <a:round/>
+      </a:ln>
+    </cs:spPr>
+  </cs:downBar>
+  <cs:dropLine>
+    <cs:lnRef idx="0"/>
+    <cs:fillRef idx="0"/>
+    <cs:effectRef idx="0"/>
+    <cs:fontRef idx="minor">
+      <a:schemeClr val="tx1"/>
+    </cs:fontRef>
+    <cs:spPr>
+      <a:ln w="9525" cap="flat" cmpd="sng" algn="ctr">
+        <a:solidFill>
+          <a:schemeClr val="tx1">
+            <a:lumMod val="35000"/>
+            <a:lumOff val="65000"/>
+          </a:schemeClr>
+        </a:solidFill>
+        <a:round/>
+      </a:ln>
+    </cs:spPr>
+  </cs:dropLine>
+  <cs:errorBar>
+    <cs:lnRef idx="0"/>
+    <cs:fillRef idx="0"/>
+    <cs:effectRef idx="0"/>
+    <cs:fontRef idx="minor">
+      <a:schemeClr val="tx1"/>
+    </cs:fontRef>
+    <cs:spPr>
+      <a:ln w="9525" cap="flat" cmpd="sng" algn="ctr">
+        <a:solidFill>
+          <a:schemeClr val="tx1">
+            <a:lumMod val="65000"/>
+            <a:lumOff val="35000"/>
+          </a:schemeClr>
+        </a:solidFill>
+        <a:round/>
+      </a:ln>
+    </cs:spPr>
+  </cs:errorBar>
+  <cs:floor>
+    <cs:lnRef idx="0"/>
+    <cs:fillRef idx="0"/>
+    <cs:effectRef idx="0"/>
+    <cs:fontRef idx="minor">
+      <a:schemeClr val="tx1"/>
+    </cs:fontRef>
+    <cs:spPr>
+      <a:noFill/>
+      <a:ln>
+        <a:noFill/>
+      </a:ln>
+    </cs:spPr>
+  </cs:floor>
+  <cs:gridlineMajor>
+    <cs:lnRef idx="0"/>
+    <cs:fillRef idx="0"/>
+    <cs:effectRef idx="0"/>
+    <cs:fontRef idx="minor">
+      <a:schemeClr val="tx1"/>
+    </cs:fontRef>
+    <cs:spPr>
+      <a:ln w="9525" cap="flat" cmpd="sng" algn="ctr">
+        <a:solidFill>
+          <a:schemeClr val="tx1">
+            <a:lumMod val="15000"/>
+            <a:lumOff val="85000"/>
+          </a:schemeClr>
+        </a:solidFill>
+        <a:round/>
+      </a:ln>
+    </cs:spPr>
+  </cs:gridlineMajor>
+  <cs:gridlineMinor>
+    <cs:lnRef idx="0"/>
+    <cs:fillRef idx="0"/>
+    <cs:effectRef idx="0"/>
+    <cs:fontRef idx="minor">
+      <a:schemeClr val="tx1"/>
+    </cs:fontRef>
+    <cs:spPr>
+      <a:ln w="9525" cap="flat" cmpd="sng" algn="ctr">
+        <a:solidFill>
+          <a:schemeClr val="tx1">
+            <a:lumMod val="5000"/>
+            <a:lumOff val="95000"/>
+          </a:schemeClr>
+        </a:solidFill>
+        <a:round/>
+      </a:ln>
+    </cs:spPr>
+  </cs:gridlineMinor>
+  <cs:hiLoLine>
+    <cs:lnRef idx="0"/>
+    <cs:fillRef idx="0"/>
+    <cs:effectRef idx="0"/>
+    <cs:fontRef idx="minor">
+      <a:schemeClr val="tx1"/>
+    </cs:fontRef>
+    <cs:spPr>
+      <a:ln w="9525" cap="flat" cmpd="sng" algn="ctr">
+        <a:solidFill>
+          <a:schemeClr val="tx1">
+            <a:lumMod val="50000"/>
+            <a:lumOff val="50000"/>
+          </a:schemeClr>
+        </a:solidFill>
+        <a:round/>
+      </a:ln>
+    </cs:spPr>
+  </cs:hiLoLine>
+  <cs:leaderLine>
+    <cs:lnRef idx="0"/>
+    <cs:fillRef idx="0"/>
+    <cs:effectRef idx="0"/>
+    <cs:fontRef idx="minor">
+      <a:schemeClr val="tx1"/>
+    </cs:fontRef>
+    <cs:spPr>
+      <a:ln w="9525" cap="flat" cmpd="sng" algn="ctr">
+        <a:solidFill>
+          <a:schemeClr val="tx1">
+            <a:lumMod val="35000"/>
+            <a:lumOff val="65000"/>
+          </a:schemeClr>
+        </a:solidFill>
+        <a:round/>
+      </a:ln>
+    </cs:spPr>
+  </cs:leaderLine>
+  <cs:legend>
+    <cs:lnRef idx="0"/>
+    <cs:fillRef idx="0"/>
+    <cs:effectRef idx="0"/>
+    <cs:fontRef idx="minor">
+      <a:schemeClr val="tx1">
+        <a:lumMod val="65000"/>
+        <a:lumOff val="35000"/>
+      </a:schemeClr>
+    </cs:fontRef>
+    <cs:defRPr sz="900" kern="1200"/>
+  </cs:legend>
+  <cs:plotArea mods="allowNoFillOverride allowNoLineOverride">
+    <cs:lnRef idx="0"/>
+    <cs:fillRef idx="0"/>
+    <cs:effectRef idx="0"/>
+    <cs:fontRef idx="minor">
+      <a:schemeClr val="tx1"/>
+    </cs:fontRef>
+  </cs:plotArea>
+  <cs:plotArea3D mods="allowNoFillOverride allowNoLineOverride">
+    <cs:lnRef idx="0"/>
+    <cs:fillRef idx="0"/>
+    <cs:effectRef idx="0"/>
+    <cs:fontRef idx="minor">
+      <a:schemeClr val="tx1"/>
+    </cs:fontRef>
+  </cs:plotArea3D>
+  <cs:seriesAxis>
+    <cs:lnRef idx="0"/>
+    <cs:fillRef idx="0"/>
+    <cs:effectRef idx="0"/>
+    <cs:fontRef idx="minor">
+      <a:schemeClr val="tx1">
+        <a:lumMod val="65000"/>
+        <a:lumOff val="35000"/>
+      </a:schemeClr>
+    </cs:fontRef>
+    <cs:defRPr sz="900" kern="1200"/>
+  </cs:seriesAxis>
+  <cs:seriesLine>
+    <cs:lnRef idx="0"/>
+    <cs:fillRef idx="0"/>
+    <cs:effectRef idx="0"/>
+    <cs:fontRef idx="minor">
+      <a:schemeClr val="tx1"/>
+    </cs:fontRef>
+    <cs:spPr>
+      <a:ln w="9525" cap="flat" cmpd="sng" algn="ctr">
+        <a:solidFill>
+          <a:schemeClr val="tx1">
+            <a:lumMod val="35000"/>
+            <a:lumOff val="65000"/>
+          </a:schemeClr>
+        </a:solidFill>
+        <a:round/>
+      </a:ln>
+    </cs:spPr>
+  </cs:seriesLine>
+  <cs:title>
+    <cs:lnRef idx="0"/>
+    <cs:fillRef idx="0"/>
+    <cs:effectRef idx="0"/>
+    <cs:fontRef idx="minor">
+      <a:schemeClr val="tx1">
+        <a:lumMod val="65000"/>
+        <a:lumOff val="35000"/>
+      </a:schemeClr>
+    </cs:fontRef>
+    <cs:defRPr sz="1400" b="0" kern="1200" spc="0" baseline="0"/>
+  </cs:title>
+  <cs:trendline>
+    <cs:lnRef idx="0">
+      <cs:styleClr val="auto"/>
+    </cs:lnRef>
+    <cs:fillRef idx="0"/>
+    <cs:effectRef idx="0"/>
+    <cs:fontRef idx="minor">
+      <a:schemeClr val="tx1"/>
+    </cs:fontRef>
+    <cs:spPr>
+      <a:ln w="19050" cap="rnd">
+        <a:solidFill>
+          <a:schemeClr val="phClr"/>
+        </a:solidFill>
+        <a:prstDash val="sysDot"/>
+      </a:ln>
+    </cs:spPr>
+  </cs:trendline>
+  <cs:trendlineLabel>
+    <cs:lnRef idx="0"/>
+    <cs:fillRef idx="0"/>
+    <cs:effectRef idx="0"/>
+    <cs:fontRef idx="minor">
+      <a:schemeClr val="tx1">
+        <a:lumMod val="65000"/>
+        <a:lumOff val="35000"/>
+      </a:schemeClr>
+    </cs:fontRef>
+    <cs:defRPr sz="900" kern="1200"/>
+  </cs:trendlineLabel>
+  <cs:upBar>
+    <cs:lnRef idx="0"/>
+    <cs:fillRef idx="0"/>
+    <cs:effectRef idx="0"/>
+    <cs:fontRef idx="minor">
+      <a:schemeClr val="tx1"/>
+    </cs:fontRef>
+    <cs:spPr>
+      <a:solidFill>
+        <a:schemeClr val="lt1"/>
+      </a:solidFill>
+      <a:ln w="9525" cap="flat" cmpd="sng" algn="ctr">
+        <a:solidFill>
+          <a:schemeClr val="tx1">
+            <a:lumMod val="65000"/>
+            <a:lumOff val="35000"/>
+          </a:schemeClr>
+        </a:solidFill>
+        <a:round/>
+      </a:ln>
+    </cs:spPr>
+  </cs:upBar>
+  <cs:valueAxis>
+    <cs:lnRef idx="0"/>
+    <cs:fillRef idx="0"/>
+    <cs:effectRef idx="0"/>
+    <cs:fontRef idx="minor">
+      <a:schemeClr val="tx1">
+        <a:lumMod val="65000"/>
+        <a:lumOff val="35000"/>
+      </a:schemeClr>
+    </cs:fontRef>
+    <cs:defRPr sz="900" kern="1200"/>
+  </cs:valueAxis>
+  <cs:wall>
+    <cs:lnRef idx="0"/>
+    <cs:fillRef idx="0"/>
+    <cs:effectRef idx="0"/>
+    <cs:fontRef idx="minor">
+      <a:schemeClr val="tx1"/>
+    </cs:fontRef>
+    <cs:spPr>
+      <a:noFill/>
+      <a:ln>
+        <a:noFill/>
+      </a:ln>
+    </cs:spPr>
+  </cs:wall>
+</cs:chartStyle>
 </file>
 
 <file path=ppt/slideLayouts/slideLayout1.xml><?xml version="1.0" encoding="utf-8"?>
@@ -4581,6 +5509,112 @@
     <p:extLst>
       <p:ext uri="{BB962C8B-B14F-4D97-AF65-F5344CB8AC3E}">
         <p14:creationId xmlns:p14="http://schemas.microsoft.com/office/powerpoint/2010/main" val="336845234"/>
+      </p:ext>
+    </p:extLst>
+  </p:cSld>
+  <p:clrMapOvr>
+    <a:masterClrMapping/>
+  </p:clrMapOvr>
+</p:sld>
+</file>
+
+<file path=ppt/slides/slide10.xml><?xml version="1.0" encoding="utf-8"?>
+<p:sld xmlns:a="http://schemas.openxmlformats.org/drawingml/2006/main" xmlns:r="http://schemas.openxmlformats.org/officeDocument/2006/relationships" xmlns:p="http://schemas.openxmlformats.org/presentationml/2006/main">
+  <p:cSld>
+    <p:spTree>
+      <p:nvGrpSpPr>
+        <p:cNvPr id="1" name=""/>
+        <p:cNvGrpSpPr/>
+        <p:nvPr/>
+      </p:nvGrpSpPr>
+      <p:grpSpPr>
+        <a:xfrm>
+          <a:off x="0" y="0"/>
+          <a:ext cx="0" cy="0"/>
+          <a:chOff x="0" y="0"/>
+          <a:chExt cx="0" cy="0"/>
+        </a:xfrm>
+      </p:grpSpPr>
+      <p:sp>
+        <p:nvSpPr>
+          <p:cNvPr id="2" name="Titel 1">
+            <a:extLst>
+              <a:ext uri="{FF2B5EF4-FFF2-40B4-BE49-F238E27FC236}">
+                <a16:creationId xmlns:a16="http://schemas.microsoft.com/office/drawing/2014/main" id="{4077FE3E-0564-4585-93B7-E2BB017B7F57}"/>
+              </a:ext>
+            </a:extLst>
+          </p:cNvPr>
+          <p:cNvSpPr>
+            <a:spLocks noGrp="1"/>
+          </p:cNvSpPr>
+          <p:nvPr>
+            <p:ph type="title"/>
+          </p:nvPr>
+        </p:nvSpPr>
+        <p:spPr>
+          <a:xfrm>
+            <a:off x="1537675" y="809796"/>
+            <a:ext cx="6607899" cy="1325563"/>
+          </a:xfrm>
+        </p:spPr>
+        <p:txBody>
+          <a:bodyPr/>
+          <a:lstStyle/>
+          <a:p>
+            <a:r>
+              <a:rPr lang="en-GB" dirty="0">
+                <a:solidFill>
+                  <a:schemeClr val="tx1"/>
+                </a:solidFill>
+              </a:rPr>
+              <a:t>Time for Q&amp;A</a:t>
+            </a:r>
+          </a:p>
+        </p:txBody>
+      </p:sp>
+      <p:pic>
+        <p:nvPicPr>
+          <p:cNvPr id="26" name="Graphic 5" descr="Fragen">
+            <a:extLst>
+              <a:ext uri="{FF2B5EF4-FFF2-40B4-BE49-F238E27FC236}">
+                <a16:creationId xmlns:a16="http://schemas.microsoft.com/office/drawing/2014/main" id="{EDB84102-38CC-4903-841B-0139E5295648}"/>
+              </a:ext>
+            </a:extLst>
+          </p:cNvPr>
+          <p:cNvPicPr>
+            <a:picLocks noChangeAspect="1"/>
+          </p:cNvPicPr>
+          <p:nvPr/>
+        </p:nvPicPr>
+        <p:blipFill>
+          <a:blip r:embed="rId2">
+            <a:extLst>
+              <a:ext uri="{28A0092B-C50C-407E-A947-70E740481C1C}">
+                <a14:useLocalDpi xmlns:a14="http://schemas.microsoft.com/office/drawing/2010/main" val="0"/>
+              </a:ext>
+              <a:ext uri="{96DAC541-7B7A-43D3-8B79-37D633B846F1}">
+                <asvg:svgBlip xmlns:asvg="http://schemas.microsoft.com/office/drawing/2016/SVG/main" r:embed="rId3"/>
+              </a:ext>
+            </a:extLst>
+          </a:blip>
+          <a:stretch>
+            <a:fillRect/>
+          </a:stretch>
+        </p:blipFill>
+        <p:spPr>
+          <a:xfrm>
+            <a:off x="6715428" y="698676"/>
+            <a:ext cx="5473524" cy="5473524"/>
+          </a:xfrm>
+          <a:prstGeom prst="rect">
+            <a:avLst/>
+          </a:prstGeom>
+        </p:spPr>
+      </p:pic>
+    </p:spTree>
+    <p:extLst>
+      <p:ext uri="{BB962C8B-B14F-4D97-AF65-F5344CB8AC3E}">
+        <p14:creationId xmlns:p14="http://schemas.microsoft.com/office/powerpoint/2010/main" val="4086409998"/>
       </p:ext>
     </p:extLst>
   </p:cSld>
@@ -5828,23 +6862,7 @@
                   <a:schemeClr val="tx1"/>
                 </a:solidFill>
               </a:rPr>
-              <a:t>Feature Engineering (</a:t>
-            </a:r>
-            <a:r>
-              <a:rPr lang="en-GB" dirty="0" err="1">
-                <a:solidFill>
-                  <a:schemeClr val="tx1"/>
-                </a:solidFill>
-              </a:rPr>
-              <a:t>tbd</a:t>
-            </a:r>
-            <a:r>
-              <a:rPr lang="en-GB" dirty="0">
-                <a:solidFill>
-                  <a:schemeClr val="tx1"/>
-                </a:solidFill>
-              </a:rPr>
-              <a:t>)</a:t>
+              <a:t>Feature Engineering</a:t>
             </a:r>
           </a:p>
         </p:txBody>
@@ -5883,7 +6901,7 @@
                   <a:schemeClr val="tx1"/>
                 </a:solidFill>
               </a:rPr>
-              <a:t>Dummy variables for ‘Sector’ and ‘Market Cap’: </a:t>
+              <a:t>Dummy Variables for ‘Sector’ and ‘Market Cap’: </a:t>
             </a:r>
           </a:p>
           <a:p>
@@ -5902,11 +6920,8 @@
                 <a:solidFill>
                   <a:schemeClr val="tx1"/>
                 </a:solidFill>
-                <a:highlight>
-                  <a:srgbClr val="FFFF00"/>
-                </a:highlight>
               </a:rPr>
-              <a:t>Addition of new features:</a:t>
+              <a:t>Addition of new Features:</a:t>
             </a:r>
           </a:p>
           <a:p>
@@ -5916,9 +6931,6 @@
                 <a:solidFill>
                   <a:schemeClr val="tx1"/>
                 </a:solidFill>
-                <a:highlight>
-                  <a:srgbClr val="FFFF00"/>
-                </a:highlight>
               </a:rPr>
               <a:t>Momentum Factor</a:t>
             </a:r>
@@ -5930,9 +6942,6 @@
                 <a:solidFill>
                   <a:schemeClr val="tx1"/>
                 </a:solidFill>
-                <a:highlight>
-                  <a:srgbClr val="FFFF00"/>
-                </a:highlight>
               </a:rPr>
               <a:t>Macroeconomic Factor / Inflation Interaction Term</a:t>
             </a:r>
@@ -5952,7 +6961,7 @@
                   <a:schemeClr val="tx1"/>
                 </a:solidFill>
               </a:rPr>
-              <a:t>Elimination of  Constant Features: </a:t>
+              <a:t>Elimination of Constant Features: </a:t>
             </a:r>
           </a:p>
           <a:p>
@@ -6097,6 +7106,299 @@
   <p:clrMapOvr>
     <a:masterClrMapping/>
   </p:clrMapOvr>
+  <p:timing>
+    <p:tnLst>
+      <p:par>
+        <p:cTn id="1" dur="indefinite" restart="never" nodeType="tmRoot">
+          <p:childTnLst>
+            <p:seq concurrent="1" nextAc="seek">
+              <p:cTn id="2" dur="indefinite" nodeType="mainSeq">
+                <p:childTnLst>
+                  <p:par>
+                    <p:cTn id="3" fill="hold">
+                      <p:stCondLst>
+                        <p:cond delay="indefinite"/>
+                      </p:stCondLst>
+                      <p:childTnLst>
+                        <p:par>
+                          <p:cTn id="4" fill="hold">
+                            <p:stCondLst>
+                              <p:cond delay="0"/>
+                            </p:stCondLst>
+                            <p:childTnLst>
+                              <p:par>
+                                <p:cTn id="5" presetID="1" presetClass="entr" presetSubtype="0" fill="hold" nodeType="clickEffect">
+                                  <p:stCondLst>
+                                    <p:cond delay="0"/>
+                                  </p:stCondLst>
+                                  <p:childTnLst>
+                                    <p:set>
+                                      <p:cBhvr>
+                                        <p:cTn id="6" dur="1" fill="hold">
+                                          <p:stCondLst>
+                                            <p:cond delay="0"/>
+                                          </p:stCondLst>
+                                        </p:cTn>
+                                        <p:tgtEl>
+                                          <p:spTgt spid="3">
+                                            <p:txEl>
+                                              <p:pRg st="2" end="2"/>
+                                            </p:txEl>
+                                          </p:spTgt>
+                                        </p:tgtEl>
+                                        <p:attrNameLst>
+                                          <p:attrName>style.visibility</p:attrName>
+                                        </p:attrNameLst>
+                                      </p:cBhvr>
+                                      <p:to>
+                                        <p:strVal val="visible"/>
+                                      </p:to>
+                                    </p:set>
+                                  </p:childTnLst>
+                                </p:cTn>
+                              </p:par>
+                              <p:par>
+                                <p:cTn id="7" presetID="1" presetClass="entr" presetSubtype="0" fill="hold" nodeType="withEffect">
+                                  <p:stCondLst>
+                                    <p:cond delay="0"/>
+                                  </p:stCondLst>
+                                  <p:childTnLst>
+                                    <p:set>
+                                      <p:cBhvr>
+                                        <p:cTn id="8" dur="1" fill="hold">
+                                          <p:stCondLst>
+                                            <p:cond delay="0"/>
+                                          </p:stCondLst>
+                                        </p:cTn>
+                                        <p:tgtEl>
+                                          <p:spTgt spid="3">
+                                            <p:txEl>
+                                              <p:pRg st="3" end="3"/>
+                                            </p:txEl>
+                                          </p:spTgt>
+                                        </p:tgtEl>
+                                        <p:attrNameLst>
+                                          <p:attrName>style.visibility</p:attrName>
+                                        </p:attrNameLst>
+                                      </p:cBhvr>
+                                      <p:to>
+                                        <p:strVal val="visible"/>
+                                      </p:to>
+                                    </p:set>
+                                  </p:childTnLst>
+                                </p:cTn>
+                              </p:par>
+                              <p:par>
+                                <p:cTn id="9" presetID="1" presetClass="entr" presetSubtype="0" fill="hold" nodeType="withEffect">
+                                  <p:stCondLst>
+                                    <p:cond delay="0"/>
+                                  </p:stCondLst>
+                                  <p:childTnLst>
+                                    <p:set>
+                                      <p:cBhvr>
+                                        <p:cTn id="10" dur="1" fill="hold">
+                                          <p:stCondLst>
+                                            <p:cond delay="0"/>
+                                          </p:stCondLst>
+                                        </p:cTn>
+                                        <p:tgtEl>
+                                          <p:spTgt spid="3">
+                                            <p:txEl>
+                                              <p:pRg st="4" end="4"/>
+                                            </p:txEl>
+                                          </p:spTgt>
+                                        </p:tgtEl>
+                                        <p:attrNameLst>
+                                          <p:attrName>style.visibility</p:attrName>
+                                        </p:attrNameLst>
+                                      </p:cBhvr>
+                                      <p:to>
+                                        <p:strVal val="visible"/>
+                                      </p:to>
+                                    </p:set>
+                                  </p:childTnLst>
+                                </p:cTn>
+                              </p:par>
+                            </p:childTnLst>
+                          </p:cTn>
+                        </p:par>
+                      </p:childTnLst>
+                    </p:cTn>
+                  </p:par>
+                  <p:par>
+                    <p:cTn id="11" fill="hold">
+                      <p:stCondLst>
+                        <p:cond delay="indefinite"/>
+                      </p:stCondLst>
+                      <p:childTnLst>
+                        <p:par>
+                          <p:cTn id="12" fill="hold">
+                            <p:stCondLst>
+                              <p:cond delay="0"/>
+                            </p:stCondLst>
+                            <p:childTnLst>
+                              <p:par>
+                                <p:cTn id="13" presetID="1" presetClass="entr" presetSubtype="0" fill="hold" nodeType="clickEffect">
+                                  <p:stCondLst>
+                                    <p:cond delay="0"/>
+                                  </p:stCondLst>
+                                  <p:childTnLst>
+                                    <p:set>
+                                      <p:cBhvr>
+                                        <p:cTn id="14" dur="1" fill="hold">
+                                          <p:stCondLst>
+                                            <p:cond delay="0"/>
+                                          </p:stCondLst>
+                                        </p:cTn>
+                                        <p:tgtEl>
+                                          <p:spTgt spid="3">
+                                            <p:txEl>
+                                              <p:pRg st="6" end="6"/>
+                                            </p:txEl>
+                                          </p:spTgt>
+                                        </p:tgtEl>
+                                        <p:attrNameLst>
+                                          <p:attrName>style.visibility</p:attrName>
+                                        </p:attrNameLst>
+                                      </p:cBhvr>
+                                      <p:to>
+                                        <p:strVal val="visible"/>
+                                      </p:to>
+                                    </p:set>
+                                  </p:childTnLst>
+                                </p:cTn>
+                              </p:par>
+                              <p:par>
+                                <p:cTn id="15" presetID="1" presetClass="entr" presetSubtype="0" fill="hold" nodeType="withEffect">
+                                  <p:stCondLst>
+                                    <p:cond delay="0"/>
+                                  </p:stCondLst>
+                                  <p:childTnLst>
+                                    <p:set>
+                                      <p:cBhvr>
+                                        <p:cTn id="16" dur="1" fill="hold">
+                                          <p:stCondLst>
+                                            <p:cond delay="0"/>
+                                          </p:stCondLst>
+                                        </p:cTn>
+                                        <p:tgtEl>
+                                          <p:spTgt spid="4"/>
+                                        </p:tgtEl>
+                                        <p:attrNameLst>
+                                          <p:attrName>style.visibility</p:attrName>
+                                        </p:attrNameLst>
+                                      </p:cBhvr>
+                                      <p:to>
+                                        <p:strVal val="visible"/>
+                                      </p:to>
+                                    </p:set>
+                                  </p:childTnLst>
+                                </p:cTn>
+                              </p:par>
+                            </p:childTnLst>
+                          </p:cTn>
+                        </p:par>
+                      </p:childTnLst>
+                    </p:cTn>
+                  </p:par>
+                  <p:par>
+                    <p:cTn id="17" fill="hold">
+                      <p:stCondLst>
+                        <p:cond delay="indefinite"/>
+                      </p:stCondLst>
+                      <p:childTnLst>
+                        <p:par>
+                          <p:cTn id="18" fill="hold">
+                            <p:stCondLst>
+                              <p:cond delay="0"/>
+                            </p:stCondLst>
+                            <p:childTnLst>
+                              <p:par>
+                                <p:cTn id="19" presetID="1" presetClass="entr" presetSubtype="0" fill="hold" nodeType="clickEffect">
+                                  <p:stCondLst>
+                                    <p:cond delay="0"/>
+                                  </p:stCondLst>
+                                  <p:childTnLst>
+                                    <p:set>
+                                      <p:cBhvr>
+                                        <p:cTn id="20" dur="1" fill="hold">
+                                          <p:stCondLst>
+                                            <p:cond delay="0"/>
+                                          </p:stCondLst>
+                                        </p:cTn>
+                                        <p:tgtEl>
+                                          <p:spTgt spid="3">
+                                            <p:txEl>
+                                              <p:pRg st="9" end="9"/>
+                                            </p:txEl>
+                                          </p:spTgt>
+                                        </p:tgtEl>
+                                        <p:attrNameLst>
+                                          <p:attrName>style.visibility</p:attrName>
+                                        </p:attrNameLst>
+                                      </p:cBhvr>
+                                      <p:to>
+                                        <p:strVal val="visible"/>
+                                      </p:to>
+                                    </p:set>
+                                  </p:childTnLst>
+                                </p:cTn>
+                              </p:par>
+                              <p:par>
+                                <p:cTn id="21" presetID="1" presetClass="entr" presetSubtype="0" fill="hold" nodeType="withEffect">
+                                  <p:stCondLst>
+                                    <p:cond delay="0"/>
+                                  </p:stCondLst>
+                                  <p:childTnLst>
+                                    <p:set>
+                                      <p:cBhvr>
+                                        <p:cTn id="22" dur="1" fill="hold">
+                                          <p:stCondLst>
+                                            <p:cond delay="0"/>
+                                          </p:stCondLst>
+                                        </p:cTn>
+                                        <p:tgtEl>
+                                          <p:spTgt spid="5"/>
+                                        </p:tgtEl>
+                                        <p:attrNameLst>
+                                          <p:attrName>style.visibility</p:attrName>
+                                        </p:attrNameLst>
+                                      </p:cBhvr>
+                                      <p:to>
+                                        <p:strVal val="visible"/>
+                                      </p:to>
+                                    </p:set>
+                                  </p:childTnLst>
+                                </p:cTn>
+                              </p:par>
+                            </p:childTnLst>
+                          </p:cTn>
+                        </p:par>
+                      </p:childTnLst>
+                    </p:cTn>
+                  </p:par>
+                </p:childTnLst>
+              </p:cTn>
+              <p:prevCondLst>
+                <p:cond evt="onPrev" delay="0">
+                  <p:tgtEl>
+                    <p:sldTgt/>
+                  </p:tgtEl>
+                </p:cond>
+              </p:prevCondLst>
+              <p:nextCondLst>
+                <p:cond evt="onNext" delay="0">
+                  <p:tgtEl>
+                    <p:sldTgt/>
+                  </p:tgtEl>
+                </p:cond>
+              </p:nextCondLst>
+            </p:seq>
+          </p:childTnLst>
+        </p:cTn>
+      </p:par>
+    </p:tnLst>
+  </p:timing>
 </p:sld>
 </file>
 
@@ -6629,13 +7931,119 @@
     </p:spTree>
     <p:extLst>
       <p:ext uri="{BB962C8B-B14F-4D97-AF65-F5344CB8AC3E}">
-        <p14:creationId xmlns:p14="http://schemas.microsoft.com/office/powerpoint/2010/main" val="2400801255"/>
+        <p14:creationId xmlns:p14="http://schemas.microsoft.com/office/powerpoint/2010/main" val="3025319243"/>
       </p:ext>
     </p:extLst>
   </p:cSld>
   <p:clrMapOvr>
     <a:masterClrMapping/>
   </p:clrMapOvr>
+  <p:timing>
+    <p:tnLst>
+      <p:par>
+        <p:cTn id="1" dur="indefinite" restart="never" nodeType="tmRoot">
+          <p:childTnLst>
+            <p:seq concurrent="1" nextAc="seek">
+              <p:cTn id="2" dur="indefinite" nodeType="mainSeq">
+                <p:childTnLst>
+                  <p:par>
+                    <p:cTn id="3" fill="hold">
+                      <p:stCondLst>
+                        <p:cond delay="indefinite"/>
+                      </p:stCondLst>
+                      <p:childTnLst>
+                        <p:par>
+                          <p:cTn id="4" fill="hold">
+                            <p:stCondLst>
+                              <p:cond delay="0"/>
+                            </p:stCondLst>
+                            <p:childTnLst>
+                              <p:par>
+                                <p:cTn id="5" presetID="1" presetClass="entr" presetSubtype="0" fill="hold" nodeType="clickEffect">
+                                  <p:stCondLst>
+                                    <p:cond delay="0"/>
+                                  </p:stCondLst>
+                                  <p:childTnLst>
+                                    <p:set>
+                                      <p:cBhvr>
+                                        <p:cTn id="6" dur="1" fill="hold">
+                                          <p:stCondLst>
+                                            <p:cond delay="0"/>
+                                          </p:stCondLst>
+                                        </p:cTn>
+                                        <p:tgtEl>
+                                          <p:spTgt spid="3">
+                                            <p:txEl>
+                                              <p:pRg st="9" end="9"/>
+                                            </p:txEl>
+                                          </p:spTgt>
+                                        </p:tgtEl>
+                                        <p:attrNameLst>
+                                          <p:attrName>style.visibility</p:attrName>
+                                        </p:attrNameLst>
+                                      </p:cBhvr>
+                                      <p:to>
+                                        <p:strVal val="visible"/>
+                                      </p:to>
+                                    </p:set>
+                                  </p:childTnLst>
+                                </p:cTn>
+                              </p:par>
+                              <p:par>
+                                <p:cTn id="7" presetID="1" presetClass="entr" presetSubtype="0" fill="hold" nodeType="withEffect">
+                                  <p:stCondLst>
+                                    <p:cond delay="0"/>
+                                  </p:stCondLst>
+                                  <p:childTnLst>
+                                    <p:set>
+                                      <p:cBhvr>
+                                        <p:cTn id="8" dur="1" fill="hold">
+                                          <p:stCondLst>
+                                            <p:cond delay="0"/>
+                                          </p:stCondLst>
+                                        </p:cTn>
+                                        <p:tgtEl>
+                                          <p:spTgt spid="6"/>
+                                        </p:tgtEl>
+                                        <p:attrNameLst>
+                                          <p:attrName>style.visibility</p:attrName>
+                                        </p:attrNameLst>
+                                      </p:cBhvr>
+                                      <p:to>
+                                        <p:strVal val="visible"/>
+                                      </p:to>
+                                    </p:set>
+                                  </p:childTnLst>
+                                </p:cTn>
+                              </p:par>
+                            </p:childTnLst>
+                          </p:cTn>
+                        </p:par>
+                      </p:childTnLst>
+                    </p:cTn>
+                  </p:par>
+                </p:childTnLst>
+              </p:cTn>
+              <p:prevCondLst>
+                <p:cond evt="onPrev" delay="0">
+                  <p:tgtEl>
+                    <p:sldTgt/>
+                  </p:tgtEl>
+                </p:cond>
+              </p:prevCondLst>
+              <p:nextCondLst>
+                <p:cond evt="onNext" delay="0">
+                  <p:tgtEl>
+                    <p:sldTgt/>
+                  </p:tgtEl>
+                </p:cond>
+              </p:nextCondLst>
+            </p:seq>
+          </p:childTnLst>
+        </p:cTn>
+      </p:par>
+    </p:tnLst>
+  </p:timing>
 </p:sld>
 </file>
 
@@ -6683,23 +8091,7 @@
                   <a:schemeClr val="tx1"/>
                 </a:solidFill>
               </a:rPr>
-              <a:t>Training &amp; Testing of Model (</a:t>
-            </a:r>
-            <a:r>
-              <a:rPr lang="en-GB" dirty="0" err="1">
-                <a:solidFill>
-                  <a:schemeClr val="tx1"/>
-                </a:solidFill>
-              </a:rPr>
-              <a:t>tbd</a:t>
-            </a:r>
-            <a:r>
-              <a:rPr lang="en-GB" dirty="0">
-                <a:solidFill>
-                  <a:schemeClr val="tx1"/>
-                </a:solidFill>
-              </a:rPr>
-              <a:t>)</a:t>
+              <a:t>Training &amp; Testing of Model</a:t>
             </a:r>
           </a:p>
         </p:txBody>
@@ -6804,7 +8196,7 @@
         <p:spPr>
           <a:xfrm>
             <a:off x="1572275" y="1656337"/>
-            <a:ext cx="4966921" cy="4388588"/>
+            <a:ext cx="4477593" cy="4388588"/>
           </a:xfrm>
         </p:spPr>
         <p:txBody>
@@ -6814,46 +8206,76 @@
           <a:lstStyle/>
           <a:p>
             <a:r>
-              <a:rPr lang="en-GB" sz="1800" dirty="0">
+              <a:rPr lang="en-GB" sz="2000" dirty="0">
                 <a:solidFill>
                   <a:schemeClr val="tx1"/>
                 </a:solidFill>
               </a:rPr>
-              <a:t>Hyperparameter tuning</a:t>
-            </a:r>
-          </a:p>
-          <a:p>
-            <a:r>
-              <a:rPr lang="en-GB" sz="1800" dirty="0">
+              <a:t>Hyperparameter Tuning</a:t>
+            </a:r>
+          </a:p>
+          <a:p>
+            <a:r>
+              <a:rPr lang="en-GB" sz="2000" dirty="0">
                 <a:solidFill>
                   <a:schemeClr val="tx1"/>
                 </a:solidFill>
               </a:rPr>
-              <a:t>Reducing overfitting by in-/decreasing parameters manually</a:t>
-            </a:r>
-          </a:p>
-          <a:p>
-            <a:r>
-              <a:rPr lang="en-GB" sz="1800" dirty="0">
+              <a:t>Reducing Overfitting by </a:t>
+            </a:r>
+            <a:br>
+              <a:rPr lang="en-GB" sz="2000" dirty="0">
                 <a:solidFill>
                   <a:schemeClr val="tx1"/>
                 </a:solidFill>
               </a:rPr>
-              <a:t>Bagging method</a:t>
-            </a:r>
-          </a:p>
-          <a:p>
-            <a:r>
-              <a:rPr lang="en-GB" sz="1800" dirty="0">
+            </a:br>
+            <a:r>
+              <a:rPr lang="en-GB" sz="2000" dirty="0">
                 <a:solidFill>
                   <a:schemeClr val="tx1"/>
                 </a:solidFill>
               </a:rPr>
-              <a:t>Balanced/Unbalanced data set</a:t>
-            </a:r>
-          </a:p>
-          <a:p>
-            <a:endParaRPr lang="en-GB" sz="1800" dirty="0">
+              <a:t>in-/decreasing Parameters </a:t>
+            </a:r>
+            <a:br>
+              <a:rPr lang="en-GB" sz="2000" dirty="0">
+                <a:solidFill>
+                  <a:schemeClr val="tx1"/>
+                </a:solidFill>
+              </a:rPr>
+            </a:br>
+            <a:r>
+              <a:rPr lang="en-GB" sz="2000" dirty="0">
+                <a:solidFill>
+                  <a:schemeClr val="tx1"/>
+                </a:solidFill>
+              </a:rPr>
+              <a:t>manually</a:t>
+            </a:r>
+          </a:p>
+          <a:p>
+            <a:r>
+              <a:rPr lang="en-GB" sz="2000" dirty="0">
+                <a:solidFill>
+                  <a:schemeClr val="tx1"/>
+                </a:solidFill>
+              </a:rPr>
+              <a:t>Bagging Method</a:t>
+            </a:r>
+          </a:p>
+          <a:p>
+            <a:r>
+              <a:rPr lang="en-GB" sz="2000" dirty="0">
+                <a:solidFill>
+                  <a:schemeClr val="tx1"/>
+                </a:solidFill>
+              </a:rPr>
+              <a:t>Balanced/Unbalanced Data Set</a:t>
+            </a:r>
+          </a:p>
+          <a:p>
+            <a:endParaRPr lang="en-GB" sz="2000" dirty="0">
               <a:solidFill>
                 <a:schemeClr val="tx1"/>
               </a:solidFill>
@@ -6865,7 +8287,7 @@
               <a:buChar char="à"/>
             </a:pPr>
             <a:r>
-              <a:rPr lang="en-GB" sz="1800" dirty="0">
+              <a:rPr lang="en-GB" sz="2000" dirty="0">
                 <a:solidFill>
                   <a:schemeClr val="tx1"/>
                 </a:solidFill>
@@ -6880,7 +8302,7 @@
               <a:buChar char="à"/>
             </a:pPr>
             <a:r>
-              <a:rPr lang="en-GB" sz="1800" dirty="0">
+              <a:rPr lang="en-GB" sz="2000" dirty="0">
                 <a:solidFill>
                   <a:schemeClr val="tx1"/>
                 </a:solidFill>
@@ -6894,7 +8316,7 @@
     </p:spTree>
     <p:extLst>
       <p:ext uri="{BB962C8B-B14F-4D97-AF65-F5344CB8AC3E}">
-        <p14:creationId xmlns:p14="http://schemas.microsoft.com/office/powerpoint/2010/main" val="2402285307"/>
+        <p14:creationId xmlns:p14="http://schemas.microsoft.com/office/powerpoint/2010/main" val="263480540"/>
       </p:ext>
     </p:extLst>
   </p:cSld>
@@ -6907,14 +8329,6 @@
 <file path=ppt/slides/slide6.xml><?xml version="1.0" encoding="utf-8"?>
 <p:sld xmlns:a="http://schemas.openxmlformats.org/drawingml/2006/main" xmlns:r="http://schemas.openxmlformats.org/officeDocument/2006/relationships" xmlns:p="http://schemas.openxmlformats.org/presentationml/2006/main">
   <p:cSld>
-    <p:bg>
-      <p:bgPr>
-        <a:solidFill>
-          <a:schemeClr val="bg1"/>
-        </a:solidFill>
-        <a:effectLst/>
-      </p:bgPr>
-    </p:bg>
     <p:spTree>
       <p:nvGrpSpPr>
         <p:cNvPr id="1" name=""/>
@@ -6977,28 +8391,12 @@
           </a:lstStyle>
           <a:p>
             <a:r>
-              <a:rPr lang="en-US" sz="5400" dirty="0">
+              <a:rPr lang="en-US" dirty="0">
                 <a:solidFill>
                   <a:schemeClr val="tx1"/>
                 </a:solidFill>
               </a:rPr>
-              <a:t>Trained and Tested Classifiers (</a:t>
-            </a:r>
-            <a:r>
-              <a:rPr lang="en-US" sz="5400" dirty="0" err="1">
-                <a:solidFill>
-                  <a:schemeClr val="tx1"/>
-                </a:solidFill>
-              </a:rPr>
-              <a:t>tbd</a:t>
-            </a:r>
-            <a:r>
-              <a:rPr lang="en-US" sz="5400" dirty="0">
-                <a:solidFill>
-                  <a:schemeClr val="tx1"/>
-                </a:solidFill>
-              </a:rPr>
-              <a:t>)</a:t>
+              <a:t>Trained and Tested Classifiers</a:t>
             </a:r>
             <a:endParaRPr lang="en-GB" dirty="0">
               <a:solidFill>
@@ -7010,10 +8408,10 @@
       </p:sp>
       <p:pic>
         <p:nvPicPr>
-          <p:cNvPr id="16" name="Grafik 15">
-            <a:extLst>
-              <a:ext uri="{FF2B5EF4-FFF2-40B4-BE49-F238E27FC236}">
-                <a16:creationId xmlns:a16="http://schemas.microsoft.com/office/drawing/2014/main" id="{EB746322-17FF-4CB6-AC2B-8B4DC5776387}"/>
+          <p:cNvPr id="3" name="Grafik 2">
+            <a:extLst>
+              <a:ext uri="{FF2B5EF4-FFF2-40B4-BE49-F238E27FC236}">
+                <a16:creationId xmlns:a16="http://schemas.microsoft.com/office/drawing/2014/main" id="{B7888B14-38BE-4A66-8A76-3556C46A5842}"/>
               </a:ext>
             </a:extLst>
           </p:cNvPr>
@@ -7030,8 +8428,8 @@
         </p:blipFill>
         <p:spPr>
           <a:xfrm>
-            <a:off x="94935" y="1753701"/>
-            <a:ext cx="11894414" cy="3693158"/>
+            <a:off x="190294" y="1909521"/>
+            <a:ext cx="11811412" cy="3240976"/>
           </a:xfrm>
           <a:prstGeom prst="rect">
             <a:avLst/>
@@ -7041,7 +8439,7 @@
     </p:spTree>
     <p:extLst>
       <p:ext uri="{BB962C8B-B14F-4D97-AF65-F5344CB8AC3E}">
-        <p14:creationId xmlns:p14="http://schemas.microsoft.com/office/powerpoint/2010/main" val="3629285196"/>
+        <p14:creationId xmlns:p14="http://schemas.microsoft.com/office/powerpoint/2010/main" val="1278807286"/>
       </p:ext>
     </p:extLst>
   </p:cSld>
@@ -7095,74 +8493,41 @@
                   <a:schemeClr val="tx1"/>
                 </a:solidFill>
               </a:rPr>
-              <a:t>Results (</a:t>
-            </a:r>
-            <a:r>
-              <a:rPr lang="en-GB" dirty="0" err="1">
-                <a:solidFill>
-                  <a:schemeClr val="tx1"/>
-                </a:solidFill>
-              </a:rPr>
-              <a:t>tbd</a:t>
-            </a:r>
-            <a:r>
-              <a:rPr lang="en-GB" dirty="0">
-                <a:solidFill>
-                  <a:schemeClr val="tx1"/>
-                </a:solidFill>
-              </a:rPr>
-              <a:t>)</a:t>
+              <a:t>Results</a:t>
             </a:r>
           </a:p>
         </p:txBody>
       </p:sp>
-      <p:sp>
-        <p:nvSpPr>
-          <p:cNvPr id="3" name="Inhaltsplatzhalter 2">
-            <a:extLst>
-              <a:ext uri="{FF2B5EF4-FFF2-40B4-BE49-F238E27FC236}">
-                <a16:creationId xmlns:a16="http://schemas.microsoft.com/office/drawing/2014/main" id="{97F4FAA9-045A-477F-B15B-12F3FB2EBEFE}"/>
-              </a:ext>
-            </a:extLst>
-          </p:cNvPr>
-          <p:cNvSpPr>
-            <a:spLocks noGrp="1"/>
-          </p:cNvSpPr>
+      <p:graphicFrame>
+        <p:nvGraphicFramePr>
+          <p:cNvPr id="7" name="Diagramm 6">
+            <a:extLst>
+              <a:ext uri="{FF2B5EF4-FFF2-40B4-BE49-F238E27FC236}">
+                <a16:creationId xmlns:a16="http://schemas.microsoft.com/office/drawing/2014/main" id="{C7B0FE08-19ED-4C36-9289-4C0CEECAA583}"/>
+              </a:ext>
+            </a:extLst>
+          </p:cNvPr>
+          <p:cNvGraphicFramePr>
+            <a:graphicFrameLocks/>
+          </p:cNvGraphicFramePr>
           <p:nvPr>
-            <p:ph idx="1"/>
+            <p:extLst>
+              <p:ext uri="{D42A27DB-BD31-4B8C-83A1-F6EECF244321}">
+                <p14:modId xmlns:p14="http://schemas.microsoft.com/office/powerpoint/2010/main" val="3855667694"/>
+              </p:ext>
+            </p:extLst>
           </p:nvPr>
-        </p:nvSpPr>
-        <p:spPr>
-          <a:xfrm>
-            <a:off x="1572275" y="1825625"/>
-            <a:ext cx="10543031" cy="4206383"/>
-          </a:xfrm>
-        </p:spPr>
-        <p:txBody>
-          <a:bodyPr/>
-          <a:lstStyle/>
-          <a:p>
-            <a:r>
-              <a:rPr lang="en-GB" dirty="0">
-                <a:solidFill>
-                  <a:schemeClr val="tx1"/>
-                </a:solidFill>
-              </a:rPr>
-              <a:t>**Overall Results plot**</a:t>
-            </a:r>
-          </a:p>
-          <a:p>
-            <a:pPr marL="0" indent="0">
-              <a:buNone/>
-            </a:pPr>
-            <a:endParaRPr lang="en-GB" dirty="0">
-              <a:solidFill>
-                <a:schemeClr val="tx1"/>
-              </a:solidFill>
-            </a:endParaRPr>
-          </a:p>
-        </p:txBody>
-      </p:sp>
+        </p:nvGraphicFramePr>
+        <p:xfrm>
+          <a:off x="1820293" y="1453154"/>
+          <a:ext cx="8509956" cy="4522573"/>
+        </p:xfrm>
+        <a:graphic>
+          <a:graphicData uri="http://schemas.openxmlformats.org/drawingml/2006/chart">
+            <c:chart xmlns:c="http://schemas.openxmlformats.org/drawingml/2006/chart" xmlns:r="http://schemas.openxmlformats.org/officeDocument/2006/relationships" r:id="rId2"/>
+          </a:graphicData>
+        </a:graphic>
+      </p:graphicFrame>
     </p:spTree>
     <p:extLst>
       <p:ext uri="{BB962C8B-B14F-4D97-AF65-F5344CB8AC3E}">
@@ -7220,23 +8585,7 @@
                   <a:schemeClr val="tx1"/>
                 </a:solidFill>
               </a:rPr>
-              <a:t>Best Classifier (</a:t>
-            </a:r>
-            <a:r>
-              <a:rPr lang="en-GB" dirty="0" err="1">
-                <a:solidFill>
-                  <a:schemeClr val="tx1"/>
-                </a:solidFill>
-              </a:rPr>
-              <a:t>tbd</a:t>
-            </a:r>
-            <a:r>
-              <a:rPr lang="en-GB" dirty="0">
-                <a:solidFill>
-                  <a:schemeClr val="tx1"/>
-                </a:solidFill>
-              </a:rPr>
-              <a:t>)</a:t>
+              <a:t>Best Classifier</a:t>
             </a:r>
           </a:p>
         </p:txBody>
@@ -7259,28 +8608,30 @@
         </p:nvSpPr>
         <p:spPr>
           <a:xfrm>
-            <a:off x="1597603" y="1543890"/>
+            <a:off x="1558061" y="1459864"/>
             <a:ext cx="5036119" cy="709981"/>
           </a:xfrm>
         </p:spPr>
         <p:txBody>
-          <a:bodyPr/>
+          <a:bodyPr>
+            <a:normAutofit/>
+          </a:bodyPr>
           <a:lstStyle/>
           <a:p>
             <a:r>
-              <a:rPr lang="en-GB" dirty="0">
+              <a:rPr lang="en-GB" sz="2000" dirty="0">
                 <a:solidFill>
                   <a:schemeClr val="tx1"/>
                 </a:solidFill>
               </a:rPr>
-              <a:t>Gradient Boosting</a:t>
+              <a:t>Gradient Boosting Classifier</a:t>
             </a:r>
           </a:p>
           <a:p>
             <a:pPr marL="0" indent="0">
               <a:buNone/>
             </a:pPr>
-            <a:endParaRPr lang="en-GB" dirty="0">
+            <a:endParaRPr lang="en-GB" sz="2000" dirty="0">
               <a:solidFill>
                 <a:schemeClr val="tx1"/>
               </a:solidFill>
@@ -7290,225 +8641,34 @@
       </p:sp>
       <p:pic>
         <p:nvPicPr>
-          <p:cNvPr id="2050" name="Picture 2">
-            <a:extLst>
-              <a:ext uri="{FF2B5EF4-FFF2-40B4-BE49-F238E27FC236}">
-                <a16:creationId xmlns:a16="http://schemas.microsoft.com/office/drawing/2014/main" id="{1717F33B-2B2B-494E-87B1-49AABEA4D0B3}"/>
+          <p:cNvPr id="6" name="Grafik 5">
+            <a:extLst>
+              <a:ext uri="{FF2B5EF4-FFF2-40B4-BE49-F238E27FC236}">
+                <a16:creationId xmlns:a16="http://schemas.microsoft.com/office/drawing/2014/main" id="{A2DD3E7D-E5BB-4922-AC62-788B28F18199}"/>
               </a:ext>
             </a:extLst>
           </p:cNvPr>
           <p:cNvPicPr>
-            <a:picLocks noChangeAspect="1" noChangeArrowheads="1"/>
+            <a:picLocks noChangeAspect="1"/>
           </p:cNvPicPr>
           <p:nvPr/>
         </p:nvPicPr>
         <p:blipFill>
-          <a:blip r:embed="rId2">
-            <a:extLst>
-              <a:ext uri="{28A0092B-C50C-407E-A947-70E740481C1C}">
-                <a14:useLocalDpi xmlns:a14="http://schemas.microsoft.com/office/drawing/2010/main" val="0"/>
-              </a:ext>
-            </a:extLst>
-          </a:blip>
-          <a:srcRect/>
+          <a:blip r:embed="rId2"/>
           <a:stretch>
             <a:fillRect/>
           </a:stretch>
         </p:blipFill>
-        <p:spPr bwMode="auto">
+        <p:spPr>
           <a:xfrm>
-            <a:off x="1934323" y="2640878"/>
-            <a:ext cx="3403797" cy="3031797"/>
+            <a:off x="1724025" y="2062240"/>
+            <a:ext cx="4528494" cy="3833107"/>
           </a:xfrm>
           <a:prstGeom prst="rect">
             <a:avLst/>
           </a:prstGeom>
-          <a:noFill/>
-          <a:extLst>
-            <a:ext uri="{909E8E84-426E-40DD-AFC4-6F175D3DCCD1}">
-              <a14:hiddenFill xmlns:a14="http://schemas.microsoft.com/office/drawing/2010/main">
-                <a:solidFill>
-                  <a:srgbClr val="FFFFFF"/>
-                </a:solidFill>
-              </a14:hiddenFill>
-            </a:ext>
-          </a:extLst>
         </p:spPr>
       </p:pic>
-      <mc:AlternateContent xmlns:mc="http://schemas.openxmlformats.org/markup-compatibility/2006" xmlns:p14="http://schemas.microsoft.com/office/powerpoint/2010/main">
-        <mc:Choice Requires="p14">
-          <p:contentPart p14:bwMode="auto" r:id="rId3">
-            <p14:nvContentPartPr>
-              <p14:cNvPr id="8" name="Freihand 7">
-                <a:extLst>
-                  <a:ext uri="{FF2B5EF4-FFF2-40B4-BE49-F238E27FC236}">
-                    <a16:creationId xmlns:a16="http://schemas.microsoft.com/office/drawing/2014/main" id="{88C65630-CFE4-4E72-B4E9-35A52DC2DAE8}"/>
-                  </a:ext>
-                </a:extLst>
-              </p14:cNvPr>
-              <p14:cNvContentPartPr/>
-              <p14:nvPr/>
-            </p14:nvContentPartPr>
-            <p14:xfrm>
-              <a:off x="3560546" y="2390157"/>
-              <a:ext cx="1216080" cy="694800"/>
-            </p14:xfrm>
-          </p:contentPart>
-        </mc:Choice>
-        <mc:Fallback xmlns="">
-          <p:pic>
-            <p:nvPicPr>
-              <p:cNvPr id="8" name="Freihand 7">
-                <a:extLst>
-                  <a:ext uri="{FF2B5EF4-FFF2-40B4-BE49-F238E27FC236}">
-                    <a16:creationId xmlns:a16="http://schemas.microsoft.com/office/drawing/2014/main" id="{88C65630-CFE4-4E72-B4E9-35A52DC2DAE8}"/>
-                  </a:ext>
-                </a:extLst>
-              </p:cNvPr>
-              <p:cNvPicPr/>
-              <p:nvPr/>
-            </p:nvPicPr>
-            <p:blipFill>
-              <a:blip r:embed="rId4"/>
-              <a:stretch>
-                <a:fillRect/>
-              </a:stretch>
-            </p:blipFill>
-            <p:spPr>
-              <a:xfrm>
-                <a:off x="3556226" y="2385837"/>
-                <a:ext cx="1224720" cy="703440"/>
-              </a:xfrm>
-              <a:prstGeom prst="rect">
-                <a:avLst/>
-              </a:prstGeom>
-            </p:spPr>
-          </p:pic>
-        </mc:Fallback>
-      </mc:AlternateContent>
-      <p:grpSp>
-        <p:nvGrpSpPr>
-          <p:cNvPr id="11" name="Gruppieren 10">
-            <a:extLst>
-              <a:ext uri="{FF2B5EF4-FFF2-40B4-BE49-F238E27FC236}">
-                <a16:creationId xmlns:a16="http://schemas.microsoft.com/office/drawing/2014/main" id="{6198BD6C-28B8-4DF4-B683-C8E1AD62037D}"/>
-              </a:ext>
-            </a:extLst>
-          </p:cNvPr>
-          <p:cNvGrpSpPr/>
-          <p:nvPr/>
-        </p:nvGrpSpPr>
-        <p:grpSpPr>
-          <a:xfrm>
-            <a:off x="1563986" y="4146237"/>
-            <a:ext cx="937800" cy="1342800"/>
-            <a:chOff x="1563986" y="4146237"/>
-            <a:chExt cx="937800" cy="1342800"/>
-          </a:xfrm>
-        </p:grpSpPr>
-        <mc:AlternateContent xmlns:mc="http://schemas.openxmlformats.org/markup-compatibility/2006" xmlns:p14="http://schemas.microsoft.com/office/powerpoint/2010/main">
-          <mc:Choice Requires="p14">
-            <p:contentPart p14:bwMode="auto" r:id="rId5">
-              <p14:nvContentPartPr>
-                <p14:cNvPr id="9" name="Freihand 8">
-                  <a:extLst>
-                    <a:ext uri="{FF2B5EF4-FFF2-40B4-BE49-F238E27FC236}">
-                      <a16:creationId xmlns:a16="http://schemas.microsoft.com/office/drawing/2014/main" id="{D87FBA2B-EA36-4C74-B0A6-BFAA5547AC34}"/>
-                    </a:ext>
-                  </a:extLst>
-                </p14:cNvPr>
-                <p14:cNvContentPartPr/>
-                <p14:nvPr/>
-              </p14:nvContentPartPr>
-              <p14:xfrm>
-                <a:off x="1592786" y="4146237"/>
-                <a:ext cx="790200" cy="1342800"/>
-              </p14:xfrm>
-            </p:contentPart>
-          </mc:Choice>
-          <mc:Fallback xmlns="">
-            <p:pic>
-              <p:nvPicPr>
-                <p:cNvPr id="9" name="Freihand 8">
-                  <a:extLst>
-                    <a:ext uri="{FF2B5EF4-FFF2-40B4-BE49-F238E27FC236}">
-                      <a16:creationId xmlns:a16="http://schemas.microsoft.com/office/drawing/2014/main" id="{D87FBA2B-EA36-4C74-B0A6-BFAA5547AC34}"/>
-                    </a:ext>
-                  </a:extLst>
-                </p:cNvPr>
-                <p:cNvPicPr/>
-                <p:nvPr/>
-              </p:nvPicPr>
-              <p:blipFill>
-                <a:blip r:embed="rId6"/>
-                <a:stretch>
-                  <a:fillRect/>
-                </a:stretch>
-              </p:blipFill>
-              <p:spPr>
-                <a:xfrm>
-                  <a:off x="1588466" y="4141917"/>
-                  <a:ext cx="798840" cy="1351440"/>
-                </a:xfrm>
-                <a:prstGeom prst="rect">
-                  <a:avLst/>
-                </a:prstGeom>
-              </p:spPr>
-            </p:pic>
-          </mc:Fallback>
-        </mc:AlternateContent>
-        <mc:AlternateContent xmlns:mc="http://schemas.openxmlformats.org/markup-compatibility/2006" xmlns:p14="http://schemas.microsoft.com/office/powerpoint/2010/main">
-          <mc:Choice Requires="p14">
-            <p:contentPart p14:bwMode="auto" r:id="rId7">
-              <p14:nvContentPartPr>
-                <p14:cNvPr id="10" name="Freihand 9">
-                  <a:extLst>
-                    <a:ext uri="{FF2B5EF4-FFF2-40B4-BE49-F238E27FC236}">
-                      <a16:creationId xmlns:a16="http://schemas.microsoft.com/office/drawing/2014/main" id="{62A9C9E8-82F3-4650-B3D6-B8BD1F5B77E2}"/>
-                    </a:ext>
-                  </a:extLst>
-                </p14:cNvPr>
-                <p14:cNvContentPartPr/>
-                <p14:nvPr/>
-              </p14:nvContentPartPr>
-              <p14:xfrm>
-                <a:off x="1563986" y="4463397"/>
-                <a:ext cx="937800" cy="1019160"/>
-              </p14:xfrm>
-            </p:contentPart>
-          </mc:Choice>
-          <mc:Fallback xmlns="">
-            <p:pic>
-              <p:nvPicPr>
-                <p:cNvPr id="10" name="Freihand 9">
-                  <a:extLst>
-                    <a:ext uri="{FF2B5EF4-FFF2-40B4-BE49-F238E27FC236}">
-                      <a16:creationId xmlns:a16="http://schemas.microsoft.com/office/drawing/2014/main" id="{62A9C9E8-82F3-4650-B3D6-B8BD1F5B77E2}"/>
-                    </a:ext>
-                  </a:extLst>
-                </p:cNvPr>
-                <p:cNvPicPr/>
-                <p:nvPr/>
-              </p:nvPicPr>
-              <p:blipFill>
-                <a:blip r:embed="rId8"/>
-                <a:stretch>
-                  <a:fillRect/>
-                </a:stretch>
-              </p:blipFill>
-              <p:spPr>
-                <a:xfrm>
-                  <a:off x="1559666" y="4459077"/>
-                  <a:ext cx="946440" cy="1027800"/>
-                </a:xfrm>
-                <a:prstGeom prst="rect">
-                  <a:avLst/>
-                </a:prstGeom>
-              </p:spPr>
-            </p:pic>
-          </mc:Fallback>
-        </mc:AlternateContent>
-      </p:grpSp>
     </p:spTree>
     <p:extLst>
       <p:ext uri="{BB962C8B-B14F-4D97-AF65-F5344CB8AC3E}">
@@ -7622,7 +8782,7 @@
                   <a:schemeClr val="tx1"/>
                 </a:solidFill>
               </a:rPr>
-              <a:t>Create new features</a:t>
+              <a:t>Create new Features</a:t>
             </a:r>
             <a:r>
               <a:rPr lang="en-GB" sz="2000" dirty="0">
@@ -7633,7 +8793,49 @@
                 <a:ea typeface="Calibri" panose="020F0502020204030204" pitchFamily="34" charset="0"/>
                 <a:cs typeface="Times New Roman" panose="02020603050405020304" pitchFamily="18" charset="0"/>
               </a:rPr>
-              <a:t> , complementing our inflation and momentum terms</a:t>
+              <a:t>, </a:t>
+            </a:r>
+            <a:r>
+              <a:rPr lang="en-GB" sz="2000" dirty="0">
+                <a:solidFill>
+                  <a:schemeClr val="tx1"/>
+                </a:solidFill>
+                <a:ea typeface="Calibri" panose="020F0502020204030204" pitchFamily="34" charset="0"/>
+                <a:cs typeface="Times New Roman" panose="02020603050405020304" pitchFamily="18" charset="0"/>
+              </a:rPr>
+              <a:t>C</a:t>
+            </a:r>
+            <a:r>
+              <a:rPr lang="en-GB" sz="2000" dirty="0">
+                <a:solidFill>
+                  <a:schemeClr val="tx1"/>
+                </a:solidFill>
+                <a:effectLst/>
+                <a:ea typeface="Calibri" panose="020F0502020204030204" pitchFamily="34" charset="0"/>
+                <a:cs typeface="Times New Roman" panose="02020603050405020304" pitchFamily="18" charset="0"/>
+              </a:rPr>
+              <a:t>omplementing our Inflation and Momentum </a:t>
+            </a:r>
+            <a:r>
+              <a:rPr lang="en-GB" sz="2000" dirty="0">
+                <a:solidFill>
+                  <a:schemeClr val="tx1"/>
+                </a:solidFill>
+                <a:ea typeface="Calibri" panose="020F0502020204030204" pitchFamily="34" charset="0"/>
+                <a:cs typeface="Times New Roman" panose="02020603050405020304" pitchFamily="18" charset="0"/>
+              </a:rPr>
+              <a:t>T</a:t>
+            </a:r>
+            <a:r>
+              <a:rPr lang="en-GB" sz="2000" dirty="0">
+                <a:solidFill>
+                  <a:schemeClr val="tx1"/>
+                </a:solidFill>
+                <a:effectLst/>
+                <a:ea typeface="Calibri" panose="020F0502020204030204" pitchFamily="34" charset="0"/>
+                <a:cs typeface="Times New Roman" panose="02020603050405020304" pitchFamily="18" charset="0"/>
+              </a:rPr>
+              <a:t>erms</a:t>
             </a:r>
             <a:endParaRPr lang="en-GB" sz="2000" dirty="0">
               <a:solidFill>
@@ -7648,7 +8850,7 @@
                   <a:schemeClr val="tx1"/>
                 </a:solidFill>
               </a:rPr>
-              <a:t>Causality-based feature selection</a:t>
+              <a:t>Causality-based Feature Selection</a:t>
             </a:r>
           </a:p>
           <a:p>
@@ -7658,7 +8860,7 @@
                   <a:schemeClr val="tx1"/>
                 </a:solidFill>
               </a:rPr>
-              <a:t>Hyperparameter tuning including more values at once</a:t>
+              <a:t>Hyperparameter Tuning including more Values at once</a:t>
             </a:r>
           </a:p>
           <a:p>
@@ -7671,12 +8873,20 @@
                 <a:ea typeface="Calibri" panose="020F0502020204030204" pitchFamily="34" charset="0"/>
                 <a:cs typeface="Times New Roman" panose="02020603050405020304" pitchFamily="18" charset="0"/>
               </a:rPr>
-              <a:t>Check the validity of the models with more/different performance metrics</a:t>
-            </a:r>
-          </a:p>
-          <a:p>
-            <a:r>
-              <a:rPr lang="en-US" sz="2000" dirty="0">
+              <a:t>Check the Validity of the Models with more/different Performance </a:t>
+            </a:r>
+            <a:r>
+              <a:rPr lang="en-GB" sz="2000" dirty="0">
+                <a:solidFill>
+                  <a:schemeClr val="tx1"/>
+                </a:solidFill>
+                <a:ea typeface="Calibri" panose="020F0502020204030204" pitchFamily="34" charset="0"/>
+                <a:cs typeface="Times New Roman" panose="02020603050405020304" pitchFamily="18" charset="0"/>
+              </a:rPr>
+              <a:t>M</a:t>
+            </a:r>
+            <a:r>
+              <a:rPr lang="en-GB" sz="2000" dirty="0">
                 <a:solidFill>
                   <a:schemeClr val="tx1"/>
                 </a:solidFill>
@@ -7684,7 +8894,20 @@
                 <a:ea typeface="Calibri" panose="020F0502020204030204" pitchFamily="34" charset="0"/>
                 <a:cs typeface="Times New Roman" panose="02020603050405020304" pitchFamily="18" charset="0"/>
               </a:rPr>
-              <a:t>Try to reduce the overfitting of our best model and improve performance further</a:t>
+              <a:t>etrics</a:t>
+            </a:r>
+          </a:p>
+          <a:p>
+            <a:r>
+              <a:rPr lang="en-US" sz="2000" dirty="0">
+                <a:solidFill>
+                  <a:schemeClr val="tx1"/>
+                </a:solidFill>
+                <a:effectLst/>
+                <a:ea typeface="Calibri" panose="020F0502020204030204" pitchFamily="34" charset="0"/>
+                <a:cs typeface="Times New Roman" panose="02020603050405020304" pitchFamily="18" charset="0"/>
+              </a:rPr>
+              <a:t>Try to reduce the Overfitting of our best Model and improve Performance further</a:t>
             </a:r>
             <a:endParaRPr lang="de-CH" sz="2000" dirty="0">
               <a:solidFill>
@@ -7757,23 +8980,7 @@
                   <a:schemeClr val="tx1"/>
                 </a:solidFill>
               </a:rPr>
-              <a:t>Difficulties (</a:t>
-            </a:r>
-            <a:r>
-              <a:rPr lang="en-GB" sz="4800" dirty="0" err="1">
-                <a:solidFill>
-                  <a:schemeClr val="tx1"/>
-                </a:solidFill>
-              </a:rPr>
-              <a:t>tbd</a:t>
-            </a:r>
-            <a:r>
-              <a:rPr lang="en-GB" sz="4800" dirty="0">
-                <a:solidFill>
-                  <a:schemeClr val="tx1"/>
-                </a:solidFill>
-              </a:rPr>
-              <a:t>)</a:t>
+              <a:t>Difficulties</a:t>
             </a:r>
           </a:p>
         </p:txBody>
@@ -8012,7 +9219,7 @@
                   <a:schemeClr val="tx1"/>
                 </a:solidFill>
               </a:rPr>
-              <a:t>Finding optimal parameters</a:t>
+              <a:t>Finding optimal Parameters</a:t>
             </a:r>
           </a:p>
         </p:txBody>
@@ -8020,13 +9227,277 @@
     </p:spTree>
     <p:extLst>
       <p:ext uri="{BB962C8B-B14F-4D97-AF65-F5344CB8AC3E}">
-        <p14:creationId xmlns:p14="http://schemas.microsoft.com/office/powerpoint/2010/main" val="2435305934"/>
+        <p14:creationId xmlns:p14="http://schemas.microsoft.com/office/powerpoint/2010/main" val="2842569201"/>
       </p:ext>
     </p:extLst>
   </p:cSld>
   <p:clrMapOvr>
     <a:masterClrMapping/>
   </p:clrMapOvr>
+  <p:timing>
+    <p:tnLst>
+      <p:par>
+        <p:cTn id="1" dur="indefinite" restart="never" nodeType="tmRoot">
+          <p:childTnLst>
+            <p:seq concurrent="1" nextAc="seek">
+              <p:cTn id="2" dur="indefinite" nodeType="mainSeq">
+                <p:childTnLst>
+                  <p:par>
+                    <p:cTn id="3" fill="hold">
+                      <p:stCondLst>
+                        <p:cond delay="indefinite"/>
+                      </p:stCondLst>
+                      <p:childTnLst>
+                        <p:par>
+                          <p:cTn id="4" fill="hold">
+                            <p:stCondLst>
+                              <p:cond delay="0"/>
+                            </p:stCondLst>
+                            <p:childTnLst>
+                              <p:par>
+                                <p:cTn id="5" presetID="1" presetClass="entr" presetSubtype="0" fill="hold" grpId="0" nodeType="clickEffect">
+                                  <p:stCondLst>
+                                    <p:cond delay="0"/>
+                                  </p:stCondLst>
+                                  <p:childTnLst>
+                                    <p:set>
+                                      <p:cBhvr>
+                                        <p:cTn id="6" dur="1" fill="hold">
+                                          <p:stCondLst>
+                                            <p:cond delay="0"/>
+                                          </p:stCondLst>
+                                        </p:cTn>
+                                        <p:tgtEl>
+                                          <p:spTgt spid="2"/>
+                                        </p:tgtEl>
+                                        <p:attrNameLst>
+                                          <p:attrName>style.visibility</p:attrName>
+                                        </p:attrNameLst>
+                                      </p:cBhvr>
+                                      <p:to>
+                                        <p:strVal val="visible"/>
+                                      </p:to>
+                                    </p:set>
+                                  </p:childTnLst>
+                                </p:cTn>
+                              </p:par>
+                              <p:par>
+                                <p:cTn id="7" presetID="1" presetClass="entr" presetSubtype="0" fill="hold" nodeType="withEffect">
+                                  <p:stCondLst>
+                                    <p:cond delay="0"/>
+                                  </p:stCondLst>
+                                  <p:childTnLst>
+                                    <p:set>
+                                      <p:cBhvr>
+                                        <p:cTn id="8" dur="1" fill="hold">
+                                          <p:stCondLst>
+                                            <p:cond delay="0"/>
+                                          </p:stCondLst>
+                                        </p:cTn>
+                                        <p:tgtEl>
+                                          <p:spTgt spid="3">
+                                            <p:txEl>
+                                              <p:pRg st="0" end="0"/>
+                                            </p:txEl>
+                                          </p:spTgt>
+                                        </p:tgtEl>
+                                        <p:attrNameLst>
+                                          <p:attrName>style.visibility</p:attrName>
+                                        </p:attrNameLst>
+                                      </p:cBhvr>
+                                      <p:to>
+                                        <p:strVal val="visible"/>
+                                      </p:to>
+                                    </p:set>
+                                  </p:childTnLst>
+                                </p:cTn>
+                              </p:par>
+                              <p:par>
+                                <p:cTn id="9" presetID="1" presetClass="entr" presetSubtype="0" fill="hold" nodeType="withEffect">
+                                  <p:stCondLst>
+                                    <p:cond delay="0"/>
+                                  </p:stCondLst>
+                                  <p:childTnLst>
+                                    <p:set>
+                                      <p:cBhvr>
+                                        <p:cTn id="10" dur="1" fill="hold">
+                                          <p:stCondLst>
+                                            <p:cond delay="0"/>
+                                          </p:stCondLst>
+                                        </p:cTn>
+                                        <p:tgtEl>
+                                          <p:spTgt spid="3">
+                                            <p:txEl>
+                                              <p:pRg st="1" end="1"/>
+                                            </p:txEl>
+                                          </p:spTgt>
+                                        </p:tgtEl>
+                                        <p:attrNameLst>
+                                          <p:attrName>style.visibility</p:attrName>
+                                        </p:attrNameLst>
+                                      </p:cBhvr>
+                                      <p:to>
+                                        <p:strVal val="visible"/>
+                                      </p:to>
+                                    </p:set>
+                                  </p:childTnLst>
+                                </p:cTn>
+                              </p:par>
+                              <p:par>
+                                <p:cTn id="11" presetID="1" presetClass="entr" presetSubtype="0" fill="hold" nodeType="withEffect">
+                                  <p:stCondLst>
+                                    <p:cond delay="0"/>
+                                  </p:stCondLst>
+                                  <p:childTnLst>
+                                    <p:set>
+                                      <p:cBhvr>
+                                        <p:cTn id="12" dur="1" fill="hold">
+                                          <p:stCondLst>
+                                            <p:cond delay="0"/>
+                                          </p:stCondLst>
+                                        </p:cTn>
+                                        <p:tgtEl>
+                                          <p:spTgt spid="3">
+                                            <p:txEl>
+                                              <p:pRg st="2" end="2"/>
+                                            </p:txEl>
+                                          </p:spTgt>
+                                        </p:tgtEl>
+                                        <p:attrNameLst>
+                                          <p:attrName>style.visibility</p:attrName>
+                                        </p:attrNameLst>
+                                      </p:cBhvr>
+                                      <p:to>
+                                        <p:strVal val="visible"/>
+                                      </p:to>
+                                    </p:set>
+                                  </p:childTnLst>
+                                </p:cTn>
+                              </p:par>
+                              <p:par>
+                                <p:cTn id="13" presetID="1" presetClass="entr" presetSubtype="0" fill="hold" nodeType="withEffect">
+                                  <p:stCondLst>
+                                    <p:cond delay="0"/>
+                                  </p:stCondLst>
+                                  <p:childTnLst>
+                                    <p:set>
+                                      <p:cBhvr>
+                                        <p:cTn id="14" dur="1" fill="hold">
+                                          <p:stCondLst>
+                                            <p:cond delay="0"/>
+                                          </p:stCondLst>
+                                        </p:cTn>
+                                        <p:tgtEl>
+                                          <p:spTgt spid="3">
+                                            <p:txEl>
+                                              <p:pRg st="3" end="3"/>
+                                            </p:txEl>
+                                          </p:spTgt>
+                                        </p:tgtEl>
+                                        <p:attrNameLst>
+                                          <p:attrName>style.visibility</p:attrName>
+                                        </p:attrNameLst>
+                                      </p:cBhvr>
+                                      <p:to>
+                                        <p:strVal val="visible"/>
+                                      </p:to>
+                                    </p:set>
+                                  </p:childTnLst>
+                                </p:cTn>
+                              </p:par>
+                              <p:par>
+                                <p:cTn id="15" presetID="1" presetClass="entr" presetSubtype="0" fill="hold" nodeType="withEffect">
+                                  <p:stCondLst>
+                                    <p:cond delay="0"/>
+                                  </p:stCondLst>
+                                  <p:childTnLst>
+                                    <p:set>
+                                      <p:cBhvr>
+                                        <p:cTn id="16" dur="1" fill="hold">
+                                          <p:stCondLst>
+                                            <p:cond delay="0"/>
+                                          </p:stCondLst>
+                                        </p:cTn>
+                                        <p:tgtEl>
+                                          <p:spTgt spid="3">
+                                            <p:txEl>
+                                              <p:pRg st="4" end="4"/>
+                                            </p:txEl>
+                                          </p:spTgt>
+                                        </p:tgtEl>
+                                        <p:attrNameLst>
+                                          <p:attrName>style.visibility</p:attrName>
+                                        </p:attrNameLst>
+                                      </p:cBhvr>
+                                      <p:to>
+                                        <p:strVal val="visible"/>
+                                      </p:to>
+                                    </p:set>
+                                  </p:childTnLst>
+                                </p:cTn>
+                              </p:par>
+                              <p:par>
+                                <p:cTn id="17" presetID="1" presetClass="entr" presetSubtype="0" fill="hold" nodeType="withEffect">
+                                  <p:stCondLst>
+                                    <p:cond delay="0"/>
+                                  </p:stCondLst>
+                                  <p:childTnLst>
+                                    <p:set>
+                                      <p:cBhvr>
+                                        <p:cTn id="18" dur="1" fill="hold">
+                                          <p:stCondLst>
+                                            <p:cond delay="0"/>
+                                          </p:stCondLst>
+                                        </p:cTn>
+                                        <p:tgtEl>
+                                          <p:spTgt spid="3">
+                                            <p:txEl>
+                                              <p:pRg st="5" end="5"/>
+                                            </p:txEl>
+                                          </p:spTgt>
+                                        </p:tgtEl>
+                                        <p:attrNameLst>
+                                          <p:attrName>style.visibility</p:attrName>
+                                        </p:attrNameLst>
+                                      </p:cBhvr>
+                                      <p:to>
+                                        <p:strVal val="visible"/>
+                                      </p:to>
+                                    </p:set>
+                                  </p:childTnLst>
+                                </p:cTn>
+                              </p:par>
+                            </p:childTnLst>
+                          </p:cTn>
+                        </p:par>
+                      </p:childTnLst>
+                    </p:cTn>
+                  </p:par>
+                </p:childTnLst>
+              </p:cTn>
+              <p:prevCondLst>
+                <p:cond evt="onPrev" delay="0">
+                  <p:tgtEl>
+                    <p:sldTgt/>
+                  </p:tgtEl>
+                </p:cond>
+              </p:prevCondLst>
+              <p:nextCondLst>
+                <p:cond evt="onNext" delay="0">
+                  <p:tgtEl>
+                    <p:sldTgt/>
+                  </p:tgtEl>
+                </p:cond>
+              </p:nextCondLst>
+            </p:seq>
+          </p:childTnLst>
+        </p:cTn>
+      </p:par>
+    </p:tnLst>
+    <p:bldLst>
+      <p:bldP spid="2" grpId="0"/>
+    </p:bldLst>
+  </p:timing>
 </p:sld>
 </file>
 

--- a/Group2_ML_Project_Presentation.pptx
+++ b/Group2_ML_Project_Presentation.pptx
@@ -162,10 +162,7 @@
             <a:pPr>
               <a:defRPr sz="1400" b="0" i="0" u="none" strike="noStrike" kern="1200" spc="0" baseline="0">
                 <a:solidFill>
-                  <a:schemeClr val="tx1">
-                    <a:lumMod val="65000"/>
-                    <a:lumOff val="35000"/>
-                  </a:schemeClr>
+                  <a:schemeClr val="tx1"/>
                 </a:solidFill>
                 <a:latin typeface="+mn-lt"/>
                 <a:ea typeface="+mn-ea"/>
@@ -211,10 +208,7 @@
           <a:pPr>
             <a:defRPr sz="1400" b="0" i="0" u="none" strike="noStrike" kern="1200" spc="0" baseline="0">
               <a:solidFill>
-                <a:schemeClr val="tx1">
-                  <a:lumMod val="65000"/>
-                  <a:lumOff val="35000"/>
-                </a:schemeClr>
+                <a:schemeClr val="tx1"/>
               </a:solidFill>
               <a:latin typeface="+mn-lt"/>
               <a:ea typeface="+mn-ea"/>
@@ -237,9 +231,7 @@
           <c:order val="0"/>
           <c:spPr>
             <a:solidFill>
-              <a:schemeClr val="accent2">
-                <a:lumMod val="75000"/>
-              </a:schemeClr>
+              <a:srgbClr val="0076A3"/>
             </a:solidFill>
             <a:ln>
               <a:noFill/>
@@ -411,7 +403,7 @@
           </c:val>
           <c:extLst>
             <c:ext xmlns:c16="http://schemas.microsoft.com/office/drawing/2014/chart" uri="{C3380CC4-5D6E-409C-BE32-E72D297353CC}">
-              <c16:uniqueId val="{00000000-9478-4F7B-B3A2-C6F77D47E31A}"/>
+              <c16:uniqueId val="{00000000-6588-4CA3-8EF8-BC2CB8F7F4C4}"/>
             </c:ext>
           </c:extLst>
         </c:ser>
@@ -479,6 +471,7 @@
         <c:axId val="2045834943"/>
         <c:scaling>
           <c:orientation val="minMax"/>
+          <c:max val="1"/>
         </c:scaling>
         <c:delete val="0"/>
         <c:axPos val="b"/>
@@ -8500,7 +8493,7 @@
       </p:sp>
       <p:graphicFrame>
         <p:nvGraphicFramePr>
-          <p:cNvPr id="7" name="Diagramm 6">
+          <p:cNvPr id="8" name="Diagramm 7">
             <a:extLst>
               <a:ext uri="{FF2B5EF4-FFF2-40B4-BE49-F238E27FC236}">
                 <a16:creationId xmlns:a16="http://schemas.microsoft.com/office/drawing/2014/main" id="{C7B0FE08-19ED-4C36-9289-4C0CEECAA583}"/>
@@ -8513,14 +8506,14 @@
           <p:nvPr>
             <p:extLst>
               <p:ext uri="{D42A27DB-BD31-4B8C-83A1-F6EECF244321}">
-                <p14:modId xmlns:p14="http://schemas.microsoft.com/office/powerpoint/2010/main" val="3855667694"/>
+                <p14:modId xmlns:p14="http://schemas.microsoft.com/office/powerpoint/2010/main" val="2961887739"/>
               </p:ext>
             </p:extLst>
           </p:nvPr>
         </p:nvGraphicFramePr>
         <p:xfrm>
-          <a:off x="1820293" y="1453154"/>
-          <a:ext cx="8509956" cy="4522573"/>
+          <a:off x="2204382" y="1372281"/>
+          <a:ext cx="8684392" cy="4608389"/>
         </p:xfrm>
         <a:graphic>
           <a:graphicData uri="http://schemas.openxmlformats.org/drawingml/2006/chart">

--- a/Group2_ML_Project_Presentation.pptx
+++ b/Group2_ML_Project_Presentation.pptx
@@ -137,1021 +137,6 @@
     </p:ext>
   </p:extLst>
 </p:presentation>
-</file>
-
-<file path=ppt/charts/chart1.xml><?xml version="1.0" encoding="utf-8"?>
-<c:chartSpace xmlns:c="http://schemas.openxmlformats.org/drawingml/2006/chart" xmlns:a="http://schemas.openxmlformats.org/drawingml/2006/main" xmlns:r="http://schemas.openxmlformats.org/officeDocument/2006/relationships" xmlns:c16r2="http://schemas.microsoft.com/office/drawing/2015/06/chart">
-  <c:date1904 val="0"/>
-  <c:lang val="de-DE"/>
-  <c:roundedCorners val="0"/>
-  <mc:AlternateContent xmlns:mc="http://schemas.openxmlformats.org/markup-compatibility/2006">
-    <mc:Choice xmlns:c14="http://schemas.microsoft.com/office/drawing/2007/8/2/chart" Requires="c14">
-      <c14:style val="102"/>
-    </mc:Choice>
-    <mc:Fallback>
-      <c:style val="2"/>
-    </mc:Fallback>
-  </mc:AlternateContent>
-  <c:chart>
-    <c:title>
-      <c:tx>
-        <c:rich>
-          <a:bodyPr rot="0" spcFirstLastPara="1" vertOverflow="ellipsis" vert="horz" wrap="square" anchor="ctr" anchorCtr="1"/>
-          <a:lstStyle/>
-          <a:p>
-            <a:pPr>
-              <a:defRPr sz="1400" b="0" i="0" u="none" strike="noStrike" kern="1200" spc="0" baseline="0">
-                <a:solidFill>
-                  <a:schemeClr val="tx1"/>
-                </a:solidFill>
-                <a:latin typeface="+mn-lt"/>
-                <a:ea typeface="+mn-ea"/>
-                <a:cs typeface="+mn-cs"/>
-              </a:defRPr>
-            </a:pPr>
-            <a:r>
-              <a:rPr lang="de-CH" sz="2000" dirty="0">
-                <a:solidFill>
-                  <a:schemeClr val="tx1"/>
-                </a:solidFill>
-              </a:rPr>
-              <a:t>Overall </a:t>
-            </a:r>
-            <a:r>
-              <a:rPr lang="de-CH" sz="2000" dirty="0" err="1">
-                <a:solidFill>
-                  <a:schemeClr val="tx1"/>
-                </a:solidFill>
-              </a:rPr>
-              <a:t>Results</a:t>
-            </a:r>
-            <a:endParaRPr lang="de-CH" sz="2000" dirty="0">
-              <a:solidFill>
-                <a:schemeClr val="tx1"/>
-              </a:solidFill>
-            </a:endParaRPr>
-          </a:p>
-        </c:rich>
-      </c:tx>
-      <c:overlay val="0"/>
-      <c:spPr>
-        <a:noFill/>
-        <a:ln>
-          <a:noFill/>
-        </a:ln>
-        <a:effectLst/>
-      </c:spPr>
-      <c:txPr>
-        <a:bodyPr rot="0" spcFirstLastPara="1" vertOverflow="ellipsis" vert="horz" wrap="square" anchor="ctr" anchorCtr="1"/>
-        <a:lstStyle/>
-        <a:p>
-          <a:pPr>
-            <a:defRPr sz="1400" b="0" i="0" u="none" strike="noStrike" kern="1200" spc="0" baseline="0">
-              <a:solidFill>
-                <a:schemeClr val="tx1"/>
-              </a:solidFill>
-              <a:latin typeface="+mn-lt"/>
-              <a:ea typeface="+mn-ea"/>
-              <a:cs typeface="+mn-cs"/>
-            </a:defRPr>
-          </a:pPr>
-          <a:endParaRPr lang="de-DE"/>
-        </a:p>
-      </c:txPr>
-    </c:title>
-    <c:autoTitleDeleted val="0"/>
-    <c:plotArea>
-      <c:layout/>
-      <c:barChart>
-        <c:barDir val="bar"/>
-        <c:grouping val="clustered"/>
-        <c:varyColors val="0"/>
-        <c:ser>
-          <c:idx val="0"/>
-          <c:order val="0"/>
-          <c:spPr>
-            <a:solidFill>
-              <a:srgbClr val="0076A3"/>
-            </a:solidFill>
-            <a:ln>
-              <a:noFill/>
-            </a:ln>
-            <a:effectLst/>
-          </c:spPr>
-          <c:invertIfNegative val="0"/>
-          <c:dLbls>
-            <c:spPr>
-              <a:noFill/>
-              <a:ln>
-                <a:noFill/>
-              </a:ln>
-              <a:effectLst/>
-            </c:spPr>
-            <c:txPr>
-              <a:bodyPr rot="0" spcFirstLastPara="1" vertOverflow="ellipsis" vert="horz" wrap="square" lIns="38100" tIns="19050" rIns="38100" bIns="19050" anchor="ctr" anchorCtr="1">
-                <a:spAutoFit/>
-              </a:bodyPr>
-              <a:lstStyle/>
-              <a:p>
-                <a:pPr>
-                  <a:defRPr sz="900" b="0" i="0" u="none" strike="noStrike" kern="1200" baseline="0">
-                    <a:solidFill>
-                      <a:schemeClr val="tx1"/>
-                    </a:solidFill>
-                    <a:latin typeface="+mn-lt"/>
-                    <a:ea typeface="+mn-ea"/>
-                    <a:cs typeface="+mn-cs"/>
-                  </a:defRPr>
-                </a:pPr>
-                <a:endParaRPr lang="de-DE"/>
-              </a:p>
-            </c:txPr>
-            <c:dLblPos val="outEnd"/>
-            <c:showLegendKey val="0"/>
-            <c:showVal val="1"/>
-            <c:showCatName val="0"/>
-            <c:showSerName val="0"/>
-            <c:showPercent val="0"/>
-            <c:showBubbleSize val="0"/>
-            <c:showLeaderLines val="0"/>
-            <c:extLst>
-              <c:ext xmlns:c15="http://schemas.microsoft.com/office/drawing/2012/chart" uri="{CE6537A1-D6FC-4f65-9D91-7224C49458BB}">
-                <c15:showLeaderLines val="1"/>
-                <c15:leaderLines>
-                  <c:spPr>
-                    <a:ln w="9525" cap="flat" cmpd="sng" algn="ctr">
-                      <a:solidFill>
-                        <a:schemeClr val="tx1">
-                          <a:lumMod val="35000"/>
-                          <a:lumOff val="65000"/>
-                        </a:schemeClr>
-                      </a:solidFill>
-                      <a:round/>
-                    </a:ln>
-                    <a:effectLst/>
-                  </c:spPr>
-                </c15:leaderLines>
-              </c:ext>
-            </c:extLst>
-          </c:dLbls>
-          <c:cat>
-            <c:strRef>
-              <c:f>Tabelle1!$A$18:$A$32</c:f>
-              <c:strCache>
-                <c:ptCount val="15"/>
-                <c:pt idx="0">
-                  <c:v>LR</c:v>
-                </c:pt>
-                <c:pt idx="1">
-                  <c:v>LDA (with bagging)</c:v>
-                </c:pt>
-                <c:pt idx="2">
-                  <c:v>LDA </c:v>
-                </c:pt>
-                <c:pt idx="3">
-                  <c:v>QDA</c:v>
-                </c:pt>
-                <c:pt idx="4">
-                  <c:v>QDA (with bagging)</c:v>
-                </c:pt>
-                <c:pt idx="5">
-                  <c:v>KNN (with bagging)</c:v>
-                </c:pt>
-                <c:pt idx="6">
-                  <c:v>KNN </c:v>
-                </c:pt>
-                <c:pt idx="7">
-                  <c:v>DT</c:v>
-                </c:pt>
-                <c:pt idx="8">
-                  <c:v>MLP</c:v>
-                </c:pt>
-                <c:pt idx="9">
-                  <c:v>SVM</c:v>
-                </c:pt>
-                <c:pt idx="10">
-                  <c:v>SVM (with bagging)</c:v>
-                </c:pt>
-                <c:pt idx="11">
-                  <c:v>MLP (with bagging)</c:v>
-                </c:pt>
-                <c:pt idx="12">
-                  <c:v>RF (Randomized Search)</c:v>
-                </c:pt>
-                <c:pt idx="13">
-                  <c:v>RF</c:v>
-                </c:pt>
-                <c:pt idx="14">
-                  <c:v>GB</c:v>
-                </c:pt>
-              </c:strCache>
-            </c:strRef>
-          </c:cat>
-          <c:val>
-            <c:numRef>
-              <c:f>Tabelle1!$B$18:$B$32</c:f>
-              <c:numCache>
-                <c:formatCode>General</c:formatCode>
-                <c:ptCount val="15"/>
-                <c:pt idx="0">
-                  <c:v>0.42970000000000003</c:v>
-                </c:pt>
-                <c:pt idx="1">
-                  <c:v>0.43580000000000002</c:v>
-                </c:pt>
-                <c:pt idx="2">
-                  <c:v>0.43669999999999998</c:v>
-                </c:pt>
-                <c:pt idx="3">
-                  <c:v>0.48110000000000003</c:v>
-                </c:pt>
-                <c:pt idx="4">
-                  <c:v>0.48930000000000001</c:v>
-                </c:pt>
-                <c:pt idx="5">
-                  <c:v>0.61780000000000002</c:v>
-                </c:pt>
-                <c:pt idx="6">
-                  <c:v>0.6351</c:v>
-                </c:pt>
-                <c:pt idx="7">
-                  <c:v>0.67959999999999998</c:v>
-                </c:pt>
-                <c:pt idx="8">
-                  <c:v>0.68889999999999996</c:v>
-                </c:pt>
-                <c:pt idx="9">
-                  <c:v>0.72470000000000001</c:v>
-                </c:pt>
-                <c:pt idx="10">
-                  <c:v>0.72560000000000002</c:v>
-                </c:pt>
-                <c:pt idx="11">
-                  <c:v>0.75</c:v>
-                </c:pt>
-                <c:pt idx="12">
-                  <c:v>0.75049999999999994</c:v>
-                </c:pt>
-                <c:pt idx="13">
-                  <c:v>0.75349999999999995</c:v>
-                </c:pt>
-                <c:pt idx="14">
-                  <c:v>0.76319999999999999</c:v>
-                </c:pt>
-              </c:numCache>
-            </c:numRef>
-          </c:val>
-          <c:extLst>
-            <c:ext xmlns:c16="http://schemas.microsoft.com/office/drawing/2014/chart" uri="{C3380CC4-5D6E-409C-BE32-E72D297353CC}">
-              <c16:uniqueId val="{00000000-6588-4CA3-8EF8-BC2CB8F7F4C4}"/>
-            </c:ext>
-          </c:extLst>
-        </c:ser>
-        <c:dLbls>
-          <c:showLegendKey val="0"/>
-          <c:showVal val="0"/>
-          <c:showCatName val="0"/>
-          <c:showSerName val="0"/>
-          <c:showPercent val="0"/>
-          <c:showBubbleSize val="0"/>
-        </c:dLbls>
-        <c:gapWidth val="182"/>
-        <c:axId val="2045810399"/>
-        <c:axId val="2045834943"/>
-      </c:barChart>
-      <c:catAx>
-        <c:axId val="2045810399"/>
-        <c:scaling>
-          <c:orientation val="minMax"/>
-        </c:scaling>
-        <c:delete val="0"/>
-        <c:axPos val="l"/>
-        <c:numFmt formatCode="General" sourceLinked="1"/>
-        <c:majorTickMark val="none"/>
-        <c:minorTickMark val="none"/>
-        <c:tickLblPos val="nextTo"/>
-        <c:spPr>
-          <a:noFill/>
-          <a:ln w="9525" cap="flat" cmpd="sng" algn="ctr">
-            <a:solidFill>
-              <a:schemeClr val="tx1">
-                <a:lumMod val="15000"/>
-                <a:lumOff val="85000"/>
-              </a:schemeClr>
-            </a:solidFill>
-            <a:round/>
-          </a:ln>
-          <a:effectLst/>
-        </c:spPr>
-        <c:txPr>
-          <a:bodyPr rot="-60000000" spcFirstLastPara="1" vertOverflow="ellipsis" vert="horz" wrap="square" anchor="ctr" anchorCtr="1"/>
-          <a:lstStyle/>
-          <a:p>
-            <a:pPr>
-              <a:defRPr sz="900" b="0" i="0" u="none" strike="noStrike" kern="1200" baseline="0">
-                <a:solidFill>
-                  <a:schemeClr val="tx1"/>
-                </a:solidFill>
-                <a:latin typeface="+mn-lt"/>
-                <a:ea typeface="+mn-ea"/>
-                <a:cs typeface="+mn-cs"/>
-              </a:defRPr>
-            </a:pPr>
-            <a:endParaRPr lang="de-DE"/>
-          </a:p>
-        </c:txPr>
-        <c:crossAx val="2045834943"/>
-        <c:crosses val="autoZero"/>
-        <c:auto val="1"/>
-        <c:lblAlgn val="ctr"/>
-        <c:lblOffset val="100"/>
-        <c:noMultiLvlLbl val="0"/>
-      </c:catAx>
-      <c:valAx>
-        <c:axId val="2045834943"/>
-        <c:scaling>
-          <c:orientation val="minMax"/>
-          <c:max val="1"/>
-        </c:scaling>
-        <c:delete val="0"/>
-        <c:axPos val="b"/>
-        <c:majorGridlines>
-          <c:spPr>
-            <a:ln w="9525" cap="flat" cmpd="sng" algn="ctr">
-              <a:solidFill>
-                <a:schemeClr val="tx1">
-                  <a:lumMod val="15000"/>
-                  <a:lumOff val="85000"/>
-                </a:schemeClr>
-              </a:solidFill>
-              <a:round/>
-            </a:ln>
-            <a:effectLst/>
-          </c:spPr>
-        </c:majorGridlines>
-        <c:title>
-          <c:tx>
-            <c:rich>
-              <a:bodyPr rot="0" spcFirstLastPara="1" vertOverflow="ellipsis" vert="horz" wrap="square" anchor="ctr" anchorCtr="1"/>
-              <a:lstStyle/>
-              <a:p>
-                <a:pPr>
-                  <a:defRPr sz="1000" b="0" i="0" u="none" strike="noStrike" kern="1200" baseline="0">
-                    <a:solidFill>
-                      <a:schemeClr val="tx1"/>
-                    </a:solidFill>
-                    <a:latin typeface="+mn-lt"/>
-                    <a:ea typeface="+mn-ea"/>
-                    <a:cs typeface="+mn-cs"/>
-                  </a:defRPr>
-                </a:pPr>
-                <a:r>
-                  <a:rPr lang="en-US">
-                    <a:solidFill>
-                      <a:schemeClr val="tx1"/>
-                    </a:solidFill>
-                  </a:rPr>
-                  <a:t>Test Score</a:t>
-                </a:r>
-              </a:p>
-            </c:rich>
-          </c:tx>
-          <c:overlay val="0"/>
-          <c:spPr>
-            <a:noFill/>
-            <a:ln>
-              <a:noFill/>
-            </a:ln>
-            <a:effectLst/>
-          </c:spPr>
-          <c:txPr>
-            <a:bodyPr rot="0" spcFirstLastPara="1" vertOverflow="ellipsis" vert="horz" wrap="square" anchor="ctr" anchorCtr="1"/>
-            <a:lstStyle/>
-            <a:p>
-              <a:pPr>
-                <a:defRPr sz="1000" b="0" i="0" u="none" strike="noStrike" kern="1200" baseline="0">
-                  <a:solidFill>
-                    <a:schemeClr val="tx1"/>
-                  </a:solidFill>
-                  <a:latin typeface="+mn-lt"/>
-                  <a:ea typeface="+mn-ea"/>
-                  <a:cs typeface="+mn-cs"/>
-                </a:defRPr>
-              </a:pPr>
-              <a:endParaRPr lang="de-DE"/>
-            </a:p>
-          </c:txPr>
-        </c:title>
-        <c:numFmt formatCode="General" sourceLinked="1"/>
-        <c:majorTickMark val="none"/>
-        <c:minorTickMark val="none"/>
-        <c:tickLblPos val="nextTo"/>
-        <c:spPr>
-          <a:noFill/>
-          <a:ln>
-            <a:noFill/>
-          </a:ln>
-          <a:effectLst/>
-        </c:spPr>
-        <c:txPr>
-          <a:bodyPr rot="-60000000" spcFirstLastPara="1" vertOverflow="ellipsis" vert="horz" wrap="square" anchor="ctr" anchorCtr="1"/>
-          <a:lstStyle/>
-          <a:p>
-            <a:pPr>
-              <a:defRPr sz="900" b="0" i="0" u="none" strike="noStrike" kern="1200" baseline="0">
-                <a:solidFill>
-                  <a:schemeClr val="tx1"/>
-                </a:solidFill>
-                <a:latin typeface="+mn-lt"/>
-                <a:ea typeface="+mn-ea"/>
-                <a:cs typeface="+mn-cs"/>
-              </a:defRPr>
-            </a:pPr>
-            <a:endParaRPr lang="de-DE"/>
-          </a:p>
-        </c:txPr>
-        <c:crossAx val="2045810399"/>
-        <c:crosses val="autoZero"/>
-        <c:crossBetween val="between"/>
-      </c:valAx>
-      <c:spPr>
-        <a:noFill/>
-        <a:ln>
-          <a:noFill/>
-        </a:ln>
-        <a:effectLst/>
-      </c:spPr>
-    </c:plotArea>
-    <c:plotVisOnly val="1"/>
-    <c:dispBlanksAs val="gap"/>
-    <c:showDLblsOverMax val="0"/>
-  </c:chart>
-  <c:spPr>
-    <a:noFill/>
-    <a:ln>
-      <a:noFill/>
-    </a:ln>
-    <a:effectLst/>
-  </c:spPr>
-  <c:txPr>
-    <a:bodyPr/>
-    <a:lstStyle/>
-    <a:p>
-      <a:pPr>
-        <a:defRPr/>
-      </a:pPr>
-      <a:endParaRPr lang="de-DE"/>
-    </a:p>
-  </c:txPr>
-  <c:externalData r:id="rId3">
-    <c:autoUpdate val="0"/>
-  </c:externalData>
-</c:chartSpace>
-</file>
-
-<file path=ppt/charts/colors1.xml><?xml version="1.0" encoding="utf-8"?>
-<cs:colorStyle xmlns:cs="http://schemas.microsoft.com/office/drawing/2012/chartStyle" xmlns:a="http://schemas.openxmlformats.org/drawingml/2006/main" meth="cycle" id="10">
-  <a:schemeClr val="accent1"/>
-  <a:schemeClr val="accent2"/>
-  <a:schemeClr val="accent3"/>
-  <a:schemeClr val="accent4"/>
-  <a:schemeClr val="accent5"/>
-  <a:schemeClr val="accent6"/>
-  <cs:variation/>
-  <cs:variation>
-    <a:lumMod val="60000"/>
-  </cs:variation>
-  <cs:variation>
-    <a:lumMod val="80000"/>
-    <a:lumOff val="20000"/>
-  </cs:variation>
-  <cs:variation>
-    <a:lumMod val="80000"/>
-  </cs:variation>
-  <cs:variation>
-    <a:lumMod val="60000"/>
-    <a:lumOff val="40000"/>
-  </cs:variation>
-  <cs:variation>
-    <a:lumMod val="50000"/>
-  </cs:variation>
-  <cs:variation>
-    <a:lumMod val="70000"/>
-    <a:lumOff val="30000"/>
-  </cs:variation>
-  <cs:variation>
-    <a:lumMod val="70000"/>
-  </cs:variation>
-  <cs:variation>
-    <a:lumMod val="50000"/>
-    <a:lumOff val="50000"/>
-  </cs:variation>
-</cs:colorStyle>
-</file>
-
-<file path=ppt/charts/style1.xml><?xml version="1.0" encoding="utf-8"?>
-<cs:chartStyle xmlns:cs="http://schemas.microsoft.com/office/drawing/2012/chartStyle" xmlns:a="http://schemas.openxmlformats.org/drawingml/2006/main" id="216">
-  <cs:axisTitle>
-    <cs:lnRef idx="0"/>
-    <cs:fillRef idx="0"/>
-    <cs:effectRef idx="0"/>
-    <cs:fontRef idx="minor">
-      <a:schemeClr val="tx1">
-        <a:lumMod val="65000"/>
-        <a:lumOff val="35000"/>
-      </a:schemeClr>
-    </cs:fontRef>
-    <cs:defRPr sz="1000" kern="1200"/>
-  </cs:axisTitle>
-  <cs:categoryAxis>
-    <cs:lnRef idx="0"/>
-    <cs:fillRef idx="0"/>
-    <cs:effectRef idx="0"/>
-    <cs:fontRef idx="minor">
-      <a:schemeClr val="tx1">
-        <a:lumMod val="65000"/>
-        <a:lumOff val="35000"/>
-      </a:schemeClr>
-    </cs:fontRef>
-    <cs:spPr>
-      <a:ln w="9525" cap="flat" cmpd="sng" algn="ctr">
-        <a:solidFill>
-          <a:schemeClr val="tx1">
-            <a:lumMod val="15000"/>
-            <a:lumOff val="85000"/>
-          </a:schemeClr>
-        </a:solidFill>
-        <a:round/>
-      </a:ln>
-    </cs:spPr>
-    <cs:defRPr sz="900" kern="1200"/>
-  </cs:categoryAxis>
-  <cs:chartArea mods="allowNoFillOverride allowNoLineOverride">
-    <cs:lnRef idx="0"/>
-    <cs:fillRef idx="0"/>
-    <cs:effectRef idx="0"/>
-    <cs:fontRef idx="minor">
-      <a:schemeClr val="tx1"/>
-    </cs:fontRef>
-    <cs:spPr>
-      <a:solidFill>
-        <a:schemeClr val="bg1"/>
-      </a:solidFill>
-      <a:ln w="9525" cap="flat" cmpd="sng" algn="ctr">
-        <a:solidFill>
-          <a:schemeClr val="tx1">
-            <a:lumMod val="15000"/>
-            <a:lumOff val="85000"/>
-          </a:schemeClr>
-        </a:solidFill>
-        <a:round/>
-      </a:ln>
-    </cs:spPr>
-    <cs:defRPr sz="1000" kern="1200"/>
-  </cs:chartArea>
-  <cs:dataLabel>
-    <cs:lnRef idx="0"/>
-    <cs:fillRef idx="0"/>
-    <cs:effectRef idx="0"/>
-    <cs:fontRef idx="minor">
-      <a:schemeClr val="tx1">
-        <a:lumMod val="75000"/>
-        <a:lumOff val="25000"/>
-      </a:schemeClr>
-    </cs:fontRef>
-    <cs:defRPr sz="900" kern="1200"/>
-  </cs:dataLabel>
-  <cs:dataLabelCallout>
-    <cs:lnRef idx="0"/>
-    <cs:fillRef idx="0"/>
-    <cs:effectRef idx="0"/>
-    <cs:fontRef idx="minor">
-      <a:schemeClr val="dk1">
-        <a:lumMod val="65000"/>
-        <a:lumOff val="35000"/>
-      </a:schemeClr>
-    </cs:fontRef>
-    <cs:spPr>
-      <a:solidFill>
-        <a:schemeClr val="lt1"/>
-      </a:solidFill>
-      <a:ln>
-        <a:solidFill>
-          <a:schemeClr val="dk1">
-            <a:lumMod val="25000"/>
-            <a:lumOff val="75000"/>
-          </a:schemeClr>
-        </a:solidFill>
-      </a:ln>
-    </cs:spPr>
-    <cs:defRPr sz="900" kern="1200"/>
-    <cs:bodyPr rot="0" spcFirstLastPara="1" vertOverflow="clip" horzOverflow="clip" vert="horz" wrap="square" lIns="36576" tIns="18288" rIns="36576" bIns="18288" anchor="ctr" anchorCtr="1">
-      <a:spAutoFit/>
-    </cs:bodyPr>
-  </cs:dataLabelCallout>
-  <cs:dataPoint>
-    <cs:lnRef idx="0"/>
-    <cs:fillRef idx="1">
-      <cs:styleClr val="auto"/>
-    </cs:fillRef>
-    <cs:effectRef idx="0"/>
-    <cs:fontRef idx="minor">
-      <a:schemeClr val="tx1"/>
-    </cs:fontRef>
-  </cs:dataPoint>
-  <cs:dataPoint3D>
-    <cs:lnRef idx="0"/>
-    <cs:fillRef idx="1">
-      <cs:styleClr val="auto"/>
-    </cs:fillRef>
-    <cs:effectRef idx="0"/>
-    <cs:fontRef idx="minor">
-      <a:schemeClr val="tx1"/>
-    </cs:fontRef>
-  </cs:dataPoint3D>
-  <cs:dataPointLine>
-    <cs:lnRef idx="0">
-      <cs:styleClr val="auto"/>
-    </cs:lnRef>
-    <cs:fillRef idx="1"/>
-    <cs:effectRef idx="0"/>
-    <cs:fontRef idx="minor">
-      <a:schemeClr val="tx1"/>
-    </cs:fontRef>
-    <cs:spPr>
-      <a:ln w="28575" cap="rnd">
-        <a:solidFill>
-          <a:schemeClr val="phClr"/>
-        </a:solidFill>
-        <a:round/>
-      </a:ln>
-    </cs:spPr>
-  </cs:dataPointLine>
-  <cs:dataPointMarker>
-    <cs:lnRef idx="0">
-      <cs:styleClr val="auto"/>
-    </cs:lnRef>
-    <cs:fillRef idx="1">
-      <cs:styleClr val="auto"/>
-    </cs:fillRef>
-    <cs:effectRef idx="0"/>
-    <cs:fontRef idx="minor">
-      <a:schemeClr val="tx1"/>
-    </cs:fontRef>
-    <cs:spPr>
-      <a:ln w="9525">
-        <a:solidFill>
-          <a:schemeClr val="phClr"/>
-        </a:solidFill>
-      </a:ln>
-    </cs:spPr>
-  </cs:dataPointMarker>
-  <cs:dataPointMarkerLayout symbol="circle" size="5"/>
-  <cs:dataPointWireframe>
-    <cs:lnRef idx="0">
-      <cs:styleClr val="auto"/>
-    </cs:lnRef>
-    <cs:fillRef idx="1"/>
-    <cs:effectRef idx="0"/>
-    <cs:fontRef idx="minor">
-      <a:schemeClr val="tx1"/>
-    </cs:fontRef>
-    <cs:spPr>
-      <a:ln w="9525" cap="rnd">
-        <a:solidFill>
-          <a:schemeClr val="phClr"/>
-        </a:solidFill>
-        <a:round/>
-      </a:ln>
-    </cs:spPr>
-  </cs:dataPointWireframe>
-  <cs:dataTable>
-    <cs:lnRef idx="0"/>
-    <cs:fillRef idx="0"/>
-    <cs:effectRef idx="0"/>
-    <cs:fontRef idx="minor">
-      <a:schemeClr val="tx1">
-        <a:lumMod val="65000"/>
-        <a:lumOff val="35000"/>
-      </a:schemeClr>
-    </cs:fontRef>
-    <cs:spPr>
-      <a:noFill/>
-      <a:ln w="9525" cap="flat" cmpd="sng" algn="ctr">
-        <a:solidFill>
-          <a:schemeClr val="tx1">
-            <a:lumMod val="15000"/>
-            <a:lumOff val="85000"/>
-          </a:schemeClr>
-        </a:solidFill>
-        <a:round/>
-      </a:ln>
-    </cs:spPr>
-    <cs:defRPr sz="900" kern="1200"/>
-  </cs:dataTable>
-  <cs:downBar>
-    <cs:lnRef idx="0"/>
-    <cs:fillRef idx="0"/>
-    <cs:effectRef idx="0"/>
-    <cs:fontRef idx="minor">
-      <a:schemeClr val="tx1"/>
-    </cs:fontRef>
-    <cs:spPr>
-      <a:solidFill>
-        <a:schemeClr val="dk1">
-          <a:lumMod val="75000"/>
-          <a:lumOff val="25000"/>
-        </a:schemeClr>
-      </a:solidFill>
-      <a:ln w="9525" cap="flat" cmpd="sng" algn="ctr">
-        <a:solidFill>
-          <a:schemeClr val="tx1">
-            <a:lumMod val="65000"/>
-            <a:lumOff val="35000"/>
-          </a:schemeClr>
-        </a:solidFill>
-        <a:round/>
-      </a:ln>
-    </cs:spPr>
-  </cs:downBar>
-  <cs:dropLine>
-    <cs:lnRef idx="0"/>
-    <cs:fillRef idx="0"/>
-    <cs:effectRef idx="0"/>
-    <cs:fontRef idx="minor">
-      <a:schemeClr val="tx1"/>
-    </cs:fontRef>
-    <cs:spPr>
-      <a:ln w="9525" cap="flat" cmpd="sng" algn="ctr">
-        <a:solidFill>
-          <a:schemeClr val="tx1">
-            <a:lumMod val="35000"/>
-            <a:lumOff val="65000"/>
-          </a:schemeClr>
-        </a:solidFill>
-        <a:round/>
-      </a:ln>
-    </cs:spPr>
-  </cs:dropLine>
-  <cs:errorBar>
-    <cs:lnRef idx="0"/>
-    <cs:fillRef idx="0"/>
-    <cs:effectRef idx="0"/>
-    <cs:fontRef idx="minor">
-      <a:schemeClr val="tx1"/>
-    </cs:fontRef>
-    <cs:spPr>
-      <a:ln w="9525" cap="flat" cmpd="sng" algn="ctr">
-        <a:solidFill>
-          <a:schemeClr val="tx1">
-            <a:lumMod val="65000"/>
-            <a:lumOff val="35000"/>
-          </a:schemeClr>
-        </a:solidFill>
-        <a:round/>
-      </a:ln>
-    </cs:spPr>
-  </cs:errorBar>
-  <cs:floor>
-    <cs:lnRef idx="0"/>
-    <cs:fillRef idx="0"/>
-    <cs:effectRef idx="0"/>
-    <cs:fontRef idx="minor">
-      <a:schemeClr val="tx1"/>
-    </cs:fontRef>
-    <cs:spPr>
-      <a:noFill/>
-      <a:ln>
-        <a:noFill/>
-      </a:ln>
-    </cs:spPr>
-  </cs:floor>
-  <cs:gridlineMajor>
-    <cs:lnRef idx="0"/>
-    <cs:fillRef idx="0"/>
-    <cs:effectRef idx="0"/>
-    <cs:fontRef idx="minor">
-      <a:schemeClr val="tx1"/>
-    </cs:fontRef>
-    <cs:spPr>
-      <a:ln w="9525" cap="flat" cmpd="sng" algn="ctr">
-        <a:solidFill>
-          <a:schemeClr val="tx1">
-            <a:lumMod val="15000"/>
-            <a:lumOff val="85000"/>
-          </a:schemeClr>
-        </a:solidFill>
-        <a:round/>
-      </a:ln>
-    </cs:spPr>
-  </cs:gridlineMajor>
-  <cs:gridlineMinor>
-    <cs:lnRef idx="0"/>
-    <cs:fillRef idx="0"/>
-    <cs:effectRef idx="0"/>
-    <cs:fontRef idx="minor">
-      <a:schemeClr val="tx1"/>
-    </cs:fontRef>
-    <cs:spPr>
-      <a:ln w="9525" cap="flat" cmpd="sng" algn="ctr">
-        <a:solidFill>
-          <a:schemeClr val="tx1">
-            <a:lumMod val="5000"/>
-            <a:lumOff val="95000"/>
-          </a:schemeClr>
-        </a:solidFill>
-        <a:round/>
-      </a:ln>
-    </cs:spPr>
-  </cs:gridlineMinor>
-  <cs:hiLoLine>
-    <cs:lnRef idx="0"/>
-    <cs:fillRef idx="0"/>
-    <cs:effectRef idx="0"/>
-    <cs:fontRef idx="minor">
-      <a:schemeClr val="tx1"/>
-    </cs:fontRef>
-    <cs:spPr>
-      <a:ln w="9525" cap="flat" cmpd="sng" algn="ctr">
-        <a:solidFill>
-          <a:schemeClr val="tx1">
-            <a:lumMod val="50000"/>
-            <a:lumOff val="50000"/>
-          </a:schemeClr>
-        </a:solidFill>
-        <a:round/>
-      </a:ln>
-    </cs:spPr>
-  </cs:hiLoLine>
-  <cs:leaderLine>
-    <cs:lnRef idx="0"/>
-    <cs:fillRef idx="0"/>
-    <cs:effectRef idx="0"/>
-    <cs:fontRef idx="minor">
-      <a:schemeClr val="tx1"/>
-    </cs:fontRef>
-    <cs:spPr>
-      <a:ln w="9525" cap="flat" cmpd="sng" algn="ctr">
-        <a:solidFill>
-          <a:schemeClr val="tx1">
-            <a:lumMod val="35000"/>
-            <a:lumOff val="65000"/>
-          </a:schemeClr>
-        </a:solidFill>
-        <a:round/>
-      </a:ln>
-    </cs:spPr>
-  </cs:leaderLine>
-  <cs:legend>
-    <cs:lnRef idx="0"/>
-    <cs:fillRef idx="0"/>
-    <cs:effectRef idx="0"/>
-    <cs:fontRef idx="minor">
-      <a:schemeClr val="tx1">
-        <a:lumMod val="65000"/>
-        <a:lumOff val="35000"/>
-      </a:schemeClr>
-    </cs:fontRef>
-    <cs:defRPr sz="900" kern="1200"/>
-  </cs:legend>
-  <cs:plotArea mods="allowNoFillOverride allowNoLineOverride">
-    <cs:lnRef idx="0"/>
-    <cs:fillRef idx="0"/>
-    <cs:effectRef idx="0"/>
-    <cs:fontRef idx="minor">
-      <a:schemeClr val="tx1"/>
-    </cs:fontRef>
-  </cs:plotArea>
-  <cs:plotArea3D mods="allowNoFillOverride allowNoLineOverride">
-    <cs:lnRef idx="0"/>
-    <cs:fillRef idx="0"/>
-    <cs:effectRef idx="0"/>
-    <cs:fontRef idx="minor">
-      <a:schemeClr val="tx1"/>
-    </cs:fontRef>
-  </cs:plotArea3D>
-  <cs:seriesAxis>
-    <cs:lnRef idx="0"/>
-    <cs:fillRef idx="0"/>
-    <cs:effectRef idx="0"/>
-    <cs:fontRef idx="minor">
-      <a:schemeClr val="tx1">
-        <a:lumMod val="65000"/>
-        <a:lumOff val="35000"/>
-      </a:schemeClr>
-    </cs:fontRef>
-    <cs:defRPr sz="900" kern="1200"/>
-  </cs:seriesAxis>
-  <cs:seriesLine>
-    <cs:lnRef idx="0"/>
-    <cs:fillRef idx="0"/>
-    <cs:effectRef idx="0"/>
-    <cs:fontRef idx="minor">
-      <a:schemeClr val="tx1"/>
-    </cs:fontRef>
-    <cs:spPr>
-      <a:ln w="9525" cap="flat" cmpd="sng" algn="ctr">
-        <a:solidFill>
-          <a:schemeClr val="tx1">
-            <a:lumMod val="35000"/>
-            <a:lumOff val="65000"/>
-          </a:schemeClr>
-        </a:solidFill>
-        <a:round/>
-      </a:ln>
-    </cs:spPr>
-  </cs:seriesLine>
-  <cs:title>
-    <cs:lnRef idx="0"/>
-    <cs:fillRef idx="0"/>
-    <cs:effectRef idx="0"/>
-    <cs:fontRef idx="minor">
-      <a:schemeClr val="tx1">
-        <a:lumMod val="65000"/>
-        <a:lumOff val="35000"/>
-      </a:schemeClr>
-    </cs:fontRef>
-    <cs:defRPr sz="1400" b="0" kern="1200" spc="0" baseline="0"/>
-  </cs:title>
-  <cs:trendline>
-    <cs:lnRef idx="0">
-      <cs:styleClr val="auto"/>
-    </cs:lnRef>
-    <cs:fillRef idx="0"/>
-    <cs:effectRef idx="0"/>
-    <cs:fontRef idx="minor">
-      <a:schemeClr val="tx1"/>
-    </cs:fontRef>
-    <cs:spPr>
-      <a:ln w="19050" cap="rnd">
-        <a:solidFill>
-          <a:schemeClr val="phClr"/>
-        </a:solidFill>
-        <a:prstDash val="sysDot"/>
-      </a:ln>
-    </cs:spPr>
-  </cs:trendline>
-  <cs:trendlineLabel>
-    <cs:lnRef idx="0"/>
-    <cs:fillRef idx="0"/>
-    <cs:effectRef idx="0"/>
-    <cs:fontRef idx="minor">
-      <a:schemeClr val="tx1">
-        <a:lumMod val="65000"/>
-        <a:lumOff val="35000"/>
-      </a:schemeClr>
-    </cs:fontRef>
-    <cs:defRPr sz="900" kern="1200"/>
-  </cs:trendlineLabel>
-  <cs:upBar>
-    <cs:lnRef idx="0"/>
-    <cs:fillRef idx="0"/>
-    <cs:effectRef idx="0"/>
-    <cs:fontRef idx="minor">
-      <a:schemeClr val="tx1"/>
-    </cs:fontRef>
-    <cs:spPr>
-      <a:solidFill>
-        <a:schemeClr val="lt1"/>
-      </a:solidFill>
-      <a:ln w="9525" cap="flat" cmpd="sng" algn="ctr">
-        <a:solidFill>
-          <a:schemeClr val="tx1">
-            <a:lumMod val="65000"/>
-            <a:lumOff val="35000"/>
-          </a:schemeClr>
-        </a:solidFill>
-        <a:round/>
-      </a:ln>
-    </cs:spPr>
-  </cs:upBar>
-  <cs:valueAxis>
-    <cs:lnRef idx="0"/>
-    <cs:fillRef idx="0"/>
-    <cs:effectRef idx="0"/>
-    <cs:fontRef idx="minor">
-      <a:schemeClr val="tx1">
-        <a:lumMod val="65000"/>
-        <a:lumOff val="35000"/>
-      </a:schemeClr>
-    </cs:fontRef>
-    <cs:defRPr sz="900" kern="1200"/>
-  </cs:valueAxis>
-  <cs:wall>
-    <cs:lnRef idx="0"/>
-    <cs:fillRef idx="0"/>
-    <cs:effectRef idx="0"/>
-    <cs:fontRef idx="minor">
-      <a:schemeClr val="tx1"/>
-    </cs:fontRef>
-    <cs:spPr>
-      <a:noFill/>
-      <a:ln>
-        <a:noFill/>
-      </a:ln>
-    </cs:spPr>
-  </cs:wall>
-</cs:chartStyle>
 </file>
 
 <file path=ppt/slideLayouts/slideLayout1.xml><?xml version="1.0" encoding="utf-8"?>
@@ -8491,36 +7476,36 @@
           </a:p>
         </p:txBody>
       </p:sp>
-      <p:graphicFrame>
-        <p:nvGraphicFramePr>
-          <p:cNvPr id="8" name="Diagramm 7">
-            <a:extLst>
-              <a:ext uri="{FF2B5EF4-FFF2-40B4-BE49-F238E27FC236}">
-                <a16:creationId xmlns:a16="http://schemas.microsoft.com/office/drawing/2014/main" id="{C7B0FE08-19ED-4C36-9289-4C0CEECAA583}"/>
-              </a:ext>
-            </a:extLst>
-          </p:cNvPr>
-          <p:cNvGraphicFramePr>
-            <a:graphicFrameLocks/>
-          </p:cNvGraphicFramePr>
-          <p:nvPr>
-            <p:extLst>
-              <p:ext uri="{D42A27DB-BD31-4B8C-83A1-F6EECF244321}">
-                <p14:modId xmlns:p14="http://schemas.microsoft.com/office/powerpoint/2010/main" val="2961887739"/>
-              </p:ext>
-            </p:extLst>
-          </p:nvPr>
-        </p:nvGraphicFramePr>
-        <p:xfrm>
-          <a:off x="2204382" y="1372281"/>
-          <a:ext cx="8684392" cy="4608389"/>
-        </p:xfrm>
-        <a:graphic>
-          <a:graphicData uri="http://schemas.openxmlformats.org/drawingml/2006/chart">
-            <c:chart xmlns:c="http://schemas.openxmlformats.org/drawingml/2006/chart" xmlns:r="http://schemas.openxmlformats.org/officeDocument/2006/relationships" r:id="rId2"/>
-          </a:graphicData>
-        </a:graphic>
-      </p:graphicFrame>
+      <p:pic>
+        <p:nvPicPr>
+          <p:cNvPr id="4" name="Grafik 3">
+            <a:extLst>
+              <a:ext uri="{FF2B5EF4-FFF2-40B4-BE49-F238E27FC236}">
+                <a16:creationId xmlns:a16="http://schemas.microsoft.com/office/drawing/2014/main" id="{F897B1D7-DF9D-4D88-B7EC-A0AC97D97D12}"/>
+              </a:ext>
+            </a:extLst>
+          </p:cNvPr>
+          <p:cNvPicPr>
+            <a:picLocks noChangeAspect="1"/>
+          </p:cNvPicPr>
+          <p:nvPr/>
+        </p:nvPicPr>
+        <p:blipFill>
+          <a:blip r:embed="rId2"/>
+          <a:stretch>
+            <a:fillRect/>
+          </a:stretch>
+        </p:blipFill>
+        <p:spPr>
+          <a:xfrm>
+            <a:off x="2273643" y="1492980"/>
+            <a:ext cx="8481137" cy="4509730"/>
+          </a:xfrm>
+          <a:prstGeom prst="rect">
+            <a:avLst/>
+          </a:prstGeom>
+        </p:spPr>
+      </p:pic>
     </p:spTree>
     <p:extLst>
       <p:ext uri="{BB962C8B-B14F-4D97-AF65-F5344CB8AC3E}">
